--- a/Presentation TPI Thierry Koetschet.pptx
+++ b/Presentation TPI Thierry Koetschet.pptx
@@ -19,9 +19,9 @@
     <p:sldId id="270" r:id="rId7"/>
     <p:sldId id="271" r:id="rId8"/>
     <p:sldId id="269" r:id="rId9"/>
-    <p:sldId id="261" r:id="rId10"/>
-    <p:sldId id="262" r:id="rId11"/>
-    <p:sldId id="272" r:id="rId12"/>
+    <p:sldId id="262" r:id="rId10"/>
+    <p:sldId id="272" r:id="rId11"/>
+    <p:sldId id="277" r:id="rId12"/>
     <p:sldId id="276" r:id="rId13"/>
     <p:sldId id="264" r:id="rId14"/>
     <p:sldId id="265" r:id="rId15"/>
@@ -1974,788 +1974,6 @@
 </dgm:colorsDef>
 </file>
 
-<file path=ppt/diagrams/colors3.xml><?xml version="1.0" encoding="utf-8"?>
-<dgm:colorsDef xmlns:dgm="http://schemas.openxmlformats.org/drawingml/2006/diagram" xmlns:a="http://schemas.openxmlformats.org/drawingml/2006/main" uniqueId="urn:microsoft.com/office/officeart/2005/8/colors/colorful2">
-  <dgm:title val=""/>
-  <dgm:desc val=""/>
-  <dgm:catLst>
-    <dgm:cat type="colorful" pri="10200"/>
-  </dgm:catLst>
-  <dgm:styleLbl name="node0">
-    <dgm:fillClrLst meth="repeat">
-      <a:schemeClr val="accent1"/>
-    </dgm:fillClrLst>
-    <dgm:linClrLst meth="repeat">
-      <a:schemeClr val="lt1"/>
-    </dgm:linClrLst>
-    <dgm:effectClrLst/>
-    <dgm:txLinClrLst/>
-    <dgm:txFillClrLst/>
-    <dgm:txEffectClrLst/>
-  </dgm:styleLbl>
-  <dgm:styleLbl name="node1">
-    <dgm:fillClrLst>
-      <a:schemeClr val="accent2"/>
-      <a:schemeClr val="accent3"/>
-    </dgm:fillClrLst>
-    <dgm:linClrLst meth="repeat">
-      <a:schemeClr val="lt1"/>
-    </dgm:linClrLst>
-    <dgm:effectClrLst/>
-    <dgm:txLinClrLst/>
-    <dgm:txFillClrLst/>
-    <dgm:txEffectClrLst/>
-  </dgm:styleLbl>
-  <dgm:styleLbl name="alignNode1">
-    <dgm:fillClrLst>
-      <a:schemeClr val="accent2"/>
-      <a:schemeClr val="accent3"/>
-    </dgm:fillClrLst>
-    <dgm:linClrLst>
-      <a:schemeClr val="accent2"/>
-      <a:schemeClr val="accent3"/>
-    </dgm:linClrLst>
-    <dgm:effectClrLst/>
-    <dgm:txLinClrLst/>
-    <dgm:txFillClrLst/>
-    <dgm:txEffectClrLst/>
-  </dgm:styleLbl>
-  <dgm:styleLbl name="lnNode1">
-    <dgm:fillClrLst>
-      <a:schemeClr val="accent2"/>
-      <a:schemeClr val="accent3"/>
-    </dgm:fillClrLst>
-    <dgm:linClrLst meth="repeat">
-      <a:schemeClr val="lt1"/>
-    </dgm:linClrLst>
-    <dgm:effectClrLst/>
-    <dgm:txLinClrLst/>
-    <dgm:txFillClrLst/>
-    <dgm:txEffectClrLst/>
-  </dgm:styleLbl>
-  <dgm:styleLbl name="vennNode1">
-    <dgm:fillClrLst>
-      <a:schemeClr val="accent2">
-        <a:alpha val="50000"/>
-      </a:schemeClr>
-      <a:schemeClr val="accent3">
-        <a:alpha val="50000"/>
-      </a:schemeClr>
-    </dgm:fillClrLst>
-    <dgm:linClrLst meth="repeat">
-      <a:schemeClr val="lt1"/>
-    </dgm:linClrLst>
-    <dgm:effectClrLst/>
-    <dgm:txLinClrLst/>
-    <dgm:txFillClrLst/>
-    <dgm:txEffectClrLst/>
-  </dgm:styleLbl>
-  <dgm:styleLbl name="node2">
-    <dgm:fillClrLst>
-      <a:schemeClr val="accent3"/>
-    </dgm:fillClrLst>
-    <dgm:linClrLst meth="repeat">
-      <a:schemeClr val="lt1"/>
-    </dgm:linClrLst>
-    <dgm:effectClrLst/>
-    <dgm:txLinClrLst/>
-    <dgm:txFillClrLst/>
-    <dgm:txEffectClrLst/>
-  </dgm:styleLbl>
-  <dgm:styleLbl name="node3">
-    <dgm:fillClrLst>
-      <a:schemeClr val="accent4"/>
-    </dgm:fillClrLst>
-    <dgm:linClrLst meth="repeat">
-      <a:schemeClr val="lt1"/>
-    </dgm:linClrLst>
-    <dgm:effectClrLst/>
-    <dgm:txLinClrLst/>
-    <dgm:txFillClrLst/>
-    <dgm:txEffectClrLst/>
-  </dgm:styleLbl>
-  <dgm:styleLbl name="node4">
-    <dgm:fillClrLst>
-      <a:schemeClr val="accent5"/>
-    </dgm:fillClrLst>
-    <dgm:linClrLst meth="repeat">
-      <a:schemeClr val="lt1"/>
-    </dgm:linClrLst>
-    <dgm:effectClrLst/>
-    <dgm:txLinClrLst/>
-    <dgm:txFillClrLst/>
-    <dgm:txEffectClrLst/>
-  </dgm:styleLbl>
-  <dgm:styleLbl name="fgImgPlace1">
-    <dgm:fillClrLst>
-      <a:schemeClr val="accent2">
-        <a:tint val="50000"/>
-      </a:schemeClr>
-      <a:schemeClr val="accent3">
-        <a:tint val="50000"/>
-      </a:schemeClr>
-    </dgm:fillClrLst>
-    <dgm:linClrLst meth="repeat">
-      <a:schemeClr val="lt1"/>
-    </dgm:linClrLst>
-    <dgm:effectClrLst/>
-    <dgm:txLinClrLst/>
-    <dgm:txFillClrLst meth="repeat">
-      <a:schemeClr val="lt1"/>
-    </dgm:txFillClrLst>
-    <dgm:txEffectClrLst/>
-  </dgm:styleLbl>
-  <dgm:styleLbl name="alignImgPlace1">
-    <dgm:fillClrLst>
-      <a:schemeClr val="accent2">
-        <a:tint val="50000"/>
-      </a:schemeClr>
-      <a:schemeClr val="accent3">
-        <a:tint val="20000"/>
-      </a:schemeClr>
-    </dgm:fillClrLst>
-    <dgm:linClrLst meth="repeat">
-      <a:schemeClr val="lt1"/>
-    </dgm:linClrLst>
-    <dgm:effectClrLst/>
-    <dgm:txLinClrLst/>
-    <dgm:txFillClrLst meth="repeat">
-      <a:schemeClr val="lt1"/>
-    </dgm:txFillClrLst>
-    <dgm:txEffectClrLst/>
-  </dgm:styleLbl>
-  <dgm:styleLbl name="bgImgPlace1">
-    <dgm:fillClrLst>
-      <a:schemeClr val="accent2">
-        <a:tint val="50000"/>
-      </a:schemeClr>
-      <a:schemeClr val="accent3">
-        <a:tint val="20000"/>
-      </a:schemeClr>
-    </dgm:fillClrLst>
-    <dgm:linClrLst meth="repeat">
-      <a:schemeClr val="lt1"/>
-    </dgm:linClrLst>
-    <dgm:effectClrLst/>
-    <dgm:txLinClrLst/>
-    <dgm:txFillClrLst meth="repeat">
-      <a:schemeClr val="lt1"/>
-    </dgm:txFillClrLst>
-    <dgm:txEffectClrLst/>
-  </dgm:styleLbl>
-  <dgm:styleLbl name="sibTrans2D1">
-    <dgm:fillClrLst>
-      <a:schemeClr val="accent2"/>
-      <a:schemeClr val="accent3"/>
-    </dgm:fillClrLst>
-    <dgm:linClrLst meth="repeat">
-      <a:schemeClr val="lt1"/>
-    </dgm:linClrLst>
-    <dgm:effectClrLst/>
-    <dgm:txLinClrLst/>
-    <dgm:txFillClrLst/>
-    <dgm:txEffectClrLst/>
-  </dgm:styleLbl>
-  <dgm:styleLbl name="fgSibTrans2D1">
-    <dgm:fillClrLst>
-      <a:schemeClr val="accent2"/>
-      <a:schemeClr val="accent3"/>
-    </dgm:fillClrLst>
-    <dgm:linClrLst meth="repeat">
-      <a:schemeClr val="lt1"/>
-    </dgm:linClrLst>
-    <dgm:effectClrLst/>
-    <dgm:txLinClrLst/>
-    <dgm:txFillClrLst meth="repeat">
-      <a:schemeClr val="lt1"/>
-    </dgm:txFillClrLst>
-    <dgm:txEffectClrLst/>
-  </dgm:styleLbl>
-  <dgm:styleLbl name="bgSibTrans2D1">
-    <dgm:fillClrLst>
-      <a:schemeClr val="accent2"/>
-      <a:schemeClr val="accent3"/>
-    </dgm:fillClrLst>
-    <dgm:linClrLst meth="repeat">
-      <a:schemeClr val="lt1"/>
-    </dgm:linClrLst>
-    <dgm:effectClrLst/>
-    <dgm:txLinClrLst/>
-    <dgm:txFillClrLst meth="repeat">
-      <a:schemeClr val="lt1"/>
-    </dgm:txFillClrLst>
-    <dgm:txEffectClrLst/>
-  </dgm:styleLbl>
-  <dgm:styleLbl name="sibTrans1D1">
-    <dgm:fillClrLst/>
-    <dgm:linClrLst>
-      <a:schemeClr val="accent2"/>
-      <a:schemeClr val="accent3"/>
-    </dgm:linClrLst>
-    <dgm:effectClrLst/>
-    <dgm:txLinClrLst/>
-    <dgm:txFillClrLst meth="repeat">
-      <a:schemeClr val="tx1"/>
-    </dgm:txFillClrLst>
-    <dgm:txEffectClrLst/>
-  </dgm:styleLbl>
-  <dgm:styleLbl name="callout">
-    <dgm:fillClrLst meth="repeat">
-      <a:schemeClr val="accent2"/>
-    </dgm:fillClrLst>
-    <dgm:linClrLst meth="repeat">
-      <a:schemeClr val="accent2">
-        <a:tint val="50000"/>
-      </a:schemeClr>
-    </dgm:linClrLst>
-    <dgm:effectClrLst/>
-    <dgm:txLinClrLst/>
-    <dgm:txFillClrLst meth="repeat">
-      <a:schemeClr val="tx1"/>
-    </dgm:txFillClrLst>
-    <dgm:txEffectClrLst/>
-  </dgm:styleLbl>
-  <dgm:styleLbl name="asst0">
-    <dgm:fillClrLst meth="repeat">
-      <a:schemeClr val="accent2"/>
-    </dgm:fillClrLst>
-    <dgm:linClrLst meth="repeat">
-      <a:schemeClr val="lt1">
-        <a:shade val="80000"/>
-      </a:schemeClr>
-    </dgm:linClrLst>
-    <dgm:effectClrLst/>
-    <dgm:txLinClrLst/>
-    <dgm:txFillClrLst/>
-    <dgm:txEffectClrLst/>
-  </dgm:styleLbl>
-  <dgm:styleLbl name="asst1">
-    <dgm:fillClrLst meth="repeat">
-      <a:schemeClr val="accent3"/>
-    </dgm:fillClrLst>
-    <dgm:linClrLst meth="repeat">
-      <a:schemeClr val="lt1">
-        <a:shade val="80000"/>
-      </a:schemeClr>
-    </dgm:linClrLst>
-    <dgm:effectClrLst/>
-    <dgm:txLinClrLst/>
-    <dgm:txFillClrLst/>
-    <dgm:txEffectClrLst/>
-  </dgm:styleLbl>
-  <dgm:styleLbl name="asst2">
-    <dgm:fillClrLst>
-      <a:schemeClr val="accent4"/>
-    </dgm:fillClrLst>
-    <dgm:linClrLst meth="repeat">
-      <a:schemeClr val="lt1"/>
-    </dgm:linClrLst>
-    <dgm:effectClrLst/>
-    <dgm:txLinClrLst/>
-    <dgm:txFillClrLst/>
-    <dgm:txEffectClrLst/>
-  </dgm:styleLbl>
-  <dgm:styleLbl name="asst3">
-    <dgm:fillClrLst>
-      <a:schemeClr val="accent5"/>
-    </dgm:fillClrLst>
-    <dgm:linClrLst meth="repeat">
-      <a:schemeClr val="lt1"/>
-    </dgm:linClrLst>
-    <dgm:effectClrLst/>
-    <dgm:txLinClrLst/>
-    <dgm:txFillClrLst/>
-    <dgm:txEffectClrLst/>
-  </dgm:styleLbl>
-  <dgm:styleLbl name="asst4">
-    <dgm:fillClrLst>
-      <a:schemeClr val="accent6"/>
-    </dgm:fillClrLst>
-    <dgm:linClrLst meth="repeat">
-      <a:schemeClr val="lt1"/>
-    </dgm:linClrLst>
-    <dgm:effectClrLst/>
-    <dgm:txLinClrLst/>
-    <dgm:txFillClrLst/>
-    <dgm:txEffectClrLst/>
-  </dgm:styleLbl>
-  <dgm:styleLbl name="parChTrans2D1">
-    <dgm:fillClrLst meth="repeat">
-      <a:schemeClr val="accent2"/>
-    </dgm:fillClrLst>
-    <dgm:linClrLst meth="repeat">
-      <a:schemeClr val="lt1"/>
-    </dgm:linClrLst>
-    <dgm:effectClrLst/>
-    <dgm:txLinClrLst/>
-    <dgm:txFillClrLst meth="repeat">
-      <a:schemeClr val="lt1"/>
-    </dgm:txFillClrLst>
-    <dgm:txEffectClrLst/>
-  </dgm:styleLbl>
-  <dgm:styleLbl name="parChTrans2D2">
-    <dgm:fillClrLst meth="repeat">
-      <a:schemeClr val="accent3"/>
-    </dgm:fillClrLst>
-    <dgm:linClrLst meth="repeat">
-      <a:schemeClr val="lt1"/>
-    </dgm:linClrLst>
-    <dgm:effectClrLst/>
-    <dgm:txLinClrLst/>
-    <dgm:txFillClrLst/>
-    <dgm:txEffectClrLst/>
-  </dgm:styleLbl>
-  <dgm:styleLbl name="parChTrans2D3">
-    <dgm:fillClrLst meth="repeat">
-      <a:schemeClr val="accent4"/>
-    </dgm:fillClrLst>
-    <dgm:linClrLst meth="repeat">
-      <a:schemeClr val="lt1"/>
-    </dgm:linClrLst>
-    <dgm:effectClrLst/>
-    <dgm:txLinClrLst/>
-    <dgm:txFillClrLst/>
-    <dgm:txEffectClrLst/>
-  </dgm:styleLbl>
-  <dgm:styleLbl name="parChTrans2D4">
-    <dgm:fillClrLst meth="repeat">
-      <a:schemeClr val="accent5"/>
-    </dgm:fillClrLst>
-    <dgm:linClrLst meth="repeat">
-      <a:schemeClr val="lt1"/>
-    </dgm:linClrLst>
-    <dgm:effectClrLst/>
-    <dgm:txLinClrLst/>
-    <dgm:txFillClrLst meth="repeat">
-      <a:schemeClr val="lt1"/>
-    </dgm:txFillClrLst>
-    <dgm:txEffectClrLst/>
-  </dgm:styleLbl>
-  <dgm:styleLbl name="parChTrans1D1">
-    <dgm:fillClrLst meth="repeat">
-      <a:schemeClr val="accent2"/>
-    </dgm:fillClrLst>
-    <dgm:linClrLst meth="repeat">
-      <a:schemeClr val="accent2"/>
-    </dgm:linClrLst>
-    <dgm:effectClrLst/>
-    <dgm:txLinClrLst/>
-    <dgm:txFillClrLst meth="repeat">
-      <a:schemeClr val="tx1"/>
-    </dgm:txFillClrLst>
-    <dgm:txEffectClrLst/>
-  </dgm:styleLbl>
-  <dgm:styleLbl name="parChTrans1D2">
-    <dgm:fillClrLst meth="repeat">
-      <a:schemeClr val="accent2">
-        <a:tint val="90000"/>
-      </a:schemeClr>
-    </dgm:fillClrLst>
-    <dgm:linClrLst meth="repeat">
-      <a:schemeClr val="accent3"/>
-    </dgm:linClrLst>
-    <dgm:effectClrLst/>
-    <dgm:txLinClrLst/>
-    <dgm:txFillClrLst meth="repeat">
-      <a:schemeClr val="tx1"/>
-    </dgm:txFillClrLst>
-    <dgm:txEffectClrLst/>
-  </dgm:styleLbl>
-  <dgm:styleLbl name="parChTrans1D3">
-    <dgm:fillClrLst meth="repeat">
-      <a:schemeClr val="accent2">
-        <a:tint val="70000"/>
-      </a:schemeClr>
-    </dgm:fillClrLst>
-    <dgm:linClrLst meth="repeat">
-      <a:schemeClr val="accent4"/>
-    </dgm:linClrLst>
-    <dgm:effectClrLst/>
-    <dgm:txLinClrLst/>
-    <dgm:txFillClrLst meth="repeat">
-      <a:schemeClr val="tx1"/>
-    </dgm:txFillClrLst>
-    <dgm:txEffectClrLst/>
-  </dgm:styleLbl>
-  <dgm:styleLbl name="parChTrans1D4">
-    <dgm:fillClrLst meth="repeat">
-      <a:schemeClr val="accent2">
-        <a:tint val="50000"/>
-      </a:schemeClr>
-    </dgm:fillClrLst>
-    <dgm:linClrLst meth="repeat">
-      <a:schemeClr val="accent5"/>
-    </dgm:linClrLst>
-    <dgm:effectClrLst/>
-    <dgm:txLinClrLst/>
-    <dgm:txFillClrLst meth="repeat">
-      <a:schemeClr val="tx1"/>
-    </dgm:txFillClrLst>
-    <dgm:txEffectClrLst/>
-  </dgm:styleLbl>
-  <dgm:styleLbl name="fgAcc1">
-    <dgm:fillClrLst meth="repeat">
-      <a:schemeClr val="lt1">
-        <a:alpha val="90000"/>
-      </a:schemeClr>
-    </dgm:fillClrLst>
-    <dgm:linClrLst>
-      <a:schemeClr val="accent2"/>
-      <a:schemeClr val="accent3"/>
-    </dgm:linClrLst>
-    <dgm:effectClrLst/>
-    <dgm:txLinClrLst/>
-    <dgm:txFillClrLst meth="repeat">
-      <a:schemeClr val="dk1"/>
-    </dgm:txFillClrLst>
-    <dgm:txEffectClrLst/>
-  </dgm:styleLbl>
-  <dgm:styleLbl name="conFgAcc1">
-    <dgm:fillClrLst meth="repeat">
-      <a:schemeClr val="lt1">
-        <a:alpha val="90000"/>
-      </a:schemeClr>
-    </dgm:fillClrLst>
-    <dgm:linClrLst>
-      <a:schemeClr val="accent2"/>
-      <a:schemeClr val="accent3"/>
-    </dgm:linClrLst>
-    <dgm:effectClrLst/>
-    <dgm:txLinClrLst/>
-    <dgm:txFillClrLst meth="repeat">
-      <a:schemeClr val="dk1"/>
-    </dgm:txFillClrLst>
-    <dgm:txEffectClrLst/>
-  </dgm:styleLbl>
-  <dgm:styleLbl name="alignAcc1">
-    <dgm:fillClrLst meth="repeat">
-      <a:schemeClr val="lt1">
-        <a:alpha val="90000"/>
-      </a:schemeClr>
-    </dgm:fillClrLst>
-    <dgm:linClrLst>
-      <a:schemeClr val="accent2"/>
-      <a:schemeClr val="accent3"/>
-    </dgm:linClrLst>
-    <dgm:effectClrLst/>
-    <dgm:txLinClrLst/>
-    <dgm:txFillClrLst meth="repeat">
-      <a:schemeClr val="dk1"/>
-    </dgm:txFillClrLst>
-    <dgm:txEffectClrLst/>
-  </dgm:styleLbl>
-  <dgm:styleLbl name="trAlignAcc1">
-    <dgm:fillClrLst meth="repeat">
-      <a:schemeClr val="lt1">
-        <a:alpha val="40000"/>
-      </a:schemeClr>
-    </dgm:fillClrLst>
-    <dgm:linClrLst meth="repeat">
-      <a:schemeClr val="accent2"/>
-    </dgm:linClrLst>
-    <dgm:effectClrLst/>
-    <dgm:txLinClrLst/>
-    <dgm:txFillClrLst meth="repeat">
-      <a:schemeClr val="dk1"/>
-    </dgm:txFillClrLst>
-    <dgm:txEffectClrLst/>
-  </dgm:styleLbl>
-  <dgm:styleLbl name="bgAcc1">
-    <dgm:fillClrLst meth="repeat">
-      <a:schemeClr val="lt1">
-        <a:alpha val="90000"/>
-      </a:schemeClr>
-    </dgm:fillClrLst>
-    <dgm:linClrLst>
-      <a:schemeClr val="accent2"/>
-      <a:schemeClr val="accent3"/>
-    </dgm:linClrLst>
-    <dgm:effectClrLst/>
-    <dgm:txLinClrLst/>
-    <dgm:txFillClrLst meth="repeat">
-      <a:schemeClr val="dk1"/>
-    </dgm:txFillClrLst>
-    <dgm:txEffectClrLst/>
-  </dgm:styleLbl>
-  <dgm:styleLbl name="solidFgAcc1">
-    <dgm:fillClrLst meth="repeat">
-      <a:schemeClr val="lt1"/>
-    </dgm:fillClrLst>
-    <dgm:linClrLst>
-      <a:schemeClr val="accent2"/>
-      <a:schemeClr val="accent3"/>
-    </dgm:linClrLst>
-    <dgm:effectClrLst/>
-    <dgm:txLinClrLst/>
-    <dgm:txFillClrLst meth="repeat">
-      <a:schemeClr val="dk1"/>
-    </dgm:txFillClrLst>
-    <dgm:txEffectClrLst/>
-  </dgm:styleLbl>
-  <dgm:styleLbl name="solidAlignAcc1">
-    <dgm:fillClrLst meth="repeat">
-      <a:schemeClr val="lt1"/>
-    </dgm:fillClrLst>
-    <dgm:linClrLst>
-      <a:schemeClr val="accent2"/>
-      <a:schemeClr val="accent3"/>
-    </dgm:linClrLst>
-    <dgm:effectClrLst/>
-    <dgm:txLinClrLst/>
-    <dgm:txFillClrLst meth="repeat">
-      <a:schemeClr val="dk1"/>
-    </dgm:txFillClrLst>
-    <dgm:txEffectClrLst/>
-  </dgm:styleLbl>
-  <dgm:styleLbl name="solidBgAcc1">
-    <dgm:fillClrLst meth="repeat">
-      <a:schemeClr val="lt1"/>
-    </dgm:fillClrLst>
-    <dgm:linClrLst>
-      <a:schemeClr val="accent2"/>
-      <a:schemeClr val="accent3"/>
-    </dgm:linClrLst>
-    <dgm:effectClrLst/>
-    <dgm:txLinClrLst/>
-    <dgm:txFillClrLst meth="repeat">
-      <a:schemeClr val="dk1"/>
-    </dgm:txFillClrLst>
-    <dgm:txEffectClrLst/>
-  </dgm:styleLbl>
-  <dgm:styleLbl name="fgAccFollowNode1">
-    <dgm:fillClrLst>
-      <a:schemeClr val="accent2">
-        <a:tint val="40000"/>
-        <a:alpha val="90000"/>
-      </a:schemeClr>
-      <a:schemeClr val="accent3">
-        <a:tint val="40000"/>
-        <a:alpha val="90000"/>
-      </a:schemeClr>
-    </dgm:fillClrLst>
-    <dgm:linClrLst>
-      <a:schemeClr val="accent2">
-        <a:tint val="40000"/>
-        <a:alpha val="90000"/>
-      </a:schemeClr>
-      <a:schemeClr val="accent3">
-        <a:tint val="40000"/>
-        <a:alpha val="90000"/>
-      </a:schemeClr>
-    </dgm:linClrLst>
-    <dgm:effectClrLst/>
-    <dgm:txLinClrLst/>
-    <dgm:txFillClrLst meth="repeat">
-      <a:schemeClr val="dk1"/>
-    </dgm:txFillClrLst>
-    <dgm:txEffectClrLst/>
-  </dgm:styleLbl>
-  <dgm:styleLbl name="alignAccFollowNode1">
-    <dgm:fillClrLst>
-      <a:schemeClr val="accent2">
-        <a:tint val="40000"/>
-        <a:alpha val="90000"/>
-      </a:schemeClr>
-      <a:schemeClr val="accent3">
-        <a:tint val="40000"/>
-        <a:alpha val="90000"/>
-      </a:schemeClr>
-    </dgm:fillClrLst>
-    <dgm:linClrLst>
-      <a:schemeClr val="accent2">
-        <a:tint val="40000"/>
-        <a:alpha val="90000"/>
-      </a:schemeClr>
-      <a:schemeClr val="accent3">
-        <a:tint val="40000"/>
-        <a:alpha val="90000"/>
-      </a:schemeClr>
-    </dgm:linClrLst>
-    <dgm:effectClrLst/>
-    <dgm:txLinClrLst/>
-    <dgm:txFillClrLst meth="repeat">
-      <a:schemeClr val="dk1"/>
-    </dgm:txFillClrLst>
-    <dgm:txEffectClrLst/>
-  </dgm:styleLbl>
-  <dgm:styleLbl name="bgAccFollowNode1">
-    <dgm:fillClrLst>
-      <a:schemeClr val="accent2">
-        <a:tint val="40000"/>
-        <a:alpha val="90000"/>
-      </a:schemeClr>
-      <a:schemeClr val="accent3">
-        <a:tint val="40000"/>
-        <a:alpha val="90000"/>
-      </a:schemeClr>
-    </dgm:fillClrLst>
-    <dgm:linClrLst>
-      <a:schemeClr val="accent2">
-        <a:tint val="40000"/>
-        <a:alpha val="90000"/>
-      </a:schemeClr>
-      <a:schemeClr val="accent3">
-        <a:tint val="40000"/>
-        <a:alpha val="90000"/>
-      </a:schemeClr>
-    </dgm:linClrLst>
-    <dgm:effectClrLst/>
-    <dgm:txLinClrLst/>
-    <dgm:txFillClrLst meth="repeat">
-      <a:schemeClr val="dk1"/>
-    </dgm:txFillClrLst>
-    <dgm:txEffectClrLst/>
-  </dgm:styleLbl>
-  <dgm:styleLbl name="fgAcc0">
-    <dgm:fillClrLst meth="repeat">
-      <a:schemeClr val="lt1">
-        <a:alpha val="90000"/>
-      </a:schemeClr>
-    </dgm:fillClrLst>
-    <dgm:linClrLst>
-      <a:schemeClr val="accent1"/>
-    </dgm:linClrLst>
-    <dgm:effectClrLst/>
-    <dgm:txLinClrLst/>
-    <dgm:txFillClrLst meth="repeat">
-      <a:schemeClr val="dk1"/>
-    </dgm:txFillClrLst>
-    <dgm:txEffectClrLst/>
-  </dgm:styleLbl>
-  <dgm:styleLbl name="fgAcc2">
-    <dgm:fillClrLst meth="repeat">
-      <a:schemeClr val="lt1">
-        <a:alpha val="90000"/>
-      </a:schemeClr>
-    </dgm:fillClrLst>
-    <dgm:linClrLst>
-      <a:schemeClr val="accent3"/>
-    </dgm:linClrLst>
-    <dgm:effectClrLst/>
-    <dgm:txLinClrLst/>
-    <dgm:txFillClrLst meth="repeat">
-      <a:schemeClr val="dk1"/>
-    </dgm:txFillClrLst>
-    <dgm:txEffectClrLst/>
-  </dgm:styleLbl>
-  <dgm:styleLbl name="fgAcc3">
-    <dgm:fillClrLst meth="repeat">
-      <a:schemeClr val="lt1">
-        <a:alpha val="90000"/>
-      </a:schemeClr>
-    </dgm:fillClrLst>
-    <dgm:linClrLst>
-      <a:schemeClr val="accent4"/>
-    </dgm:linClrLst>
-    <dgm:effectClrLst/>
-    <dgm:txLinClrLst/>
-    <dgm:txFillClrLst meth="repeat">
-      <a:schemeClr val="dk1"/>
-    </dgm:txFillClrLst>
-    <dgm:txEffectClrLst/>
-  </dgm:styleLbl>
-  <dgm:styleLbl name="fgAcc4">
-    <dgm:fillClrLst meth="repeat">
-      <a:schemeClr val="lt1">
-        <a:alpha val="90000"/>
-      </a:schemeClr>
-    </dgm:fillClrLst>
-    <dgm:linClrLst>
-      <a:schemeClr val="accent5"/>
-    </dgm:linClrLst>
-    <dgm:effectClrLst/>
-    <dgm:txLinClrLst/>
-    <dgm:txFillClrLst meth="repeat">
-      <a:schemeClr val="dk1"/>
-    </dgm:txFillClrLst>
-    <dgm:txEffectClrLst/>
-  </dgm:styleLbl>
-  <dgm:styleLbl name="bgShp">
-    <dgm:fillClrLst meth="repeat">
-      <a:schemeClr val="accent2">
-        <a:tint val="40000"/>
-      </a:schemeClr>
-    </dgm:fillClrLst>
-    <dgm:linClrLst meth="repeat">
-      <a:schemeClr val="dk1"/>
-    </dgm:linClrLst>
-    <dgm:effectClrLst/>
-    <dgm:txLinClrLst/>
-    <dgm:txFillClrLst meth="repeat">
-      <a:schemeClr val="dk1"/>
-    </dgm:txFillClrLst>
-    <dgm:txEffectClrLst/>
-  </dgm:styleLbl>
-  <dgm:styleLbl name="dkBgShp">
-    <dgm:fillClrLst meth="repeat">
-      <a:schemeClr val="accent2">
-        <a:shade val="90000"/>
-      </a:schemeClr>
-    </dgm:fillClrLst>
-    <dgm:linClrLst meth="repeat">
-      <a:schemeClr val="dk1"/>
-    </dgm:linClrLst>
-    <dgm:effectClrLst/>
-    <dgm:txLinClrLst/>
-    <dgm:txFillClrLst meth="repeat">
-      <a:schemeClr val="lt1"/>
-    </dgm:txFillClrLst>
-    <dgm:txEffectClrLst/>
-  </dgm:styleLbl>
-  <dgm:styleLbl name="trBgShp">
-    <dgm:fillClrLst meth="repeat">
-      <a:schemeClr val="accent2">
-        <a:tint val="50000"/>
-        <a:alpha val="40000"/>
-      </a:schemeClr>
-    </dgm:fillClrLst>
-    <dgm:linClrLst meth="repeat">
-      <a:schemeClr val="accent2"/>
-    </dgm:linClrLst>
-    <dgm:effectClrLst/>
-    <dgm:txLinClrLst/>
-    <dgm:txFillClrLst meth="repeat">
-      <a:schemeClr val="lt1"/>
-    </dgm:txFillClrLst>
-    <dgm:txEffectClrLst/>
-  </dgm:styleLbl>
-  <dgm:styleLbl name="fgShp">
-    <dgm:fillClrLst meth="repeat">
-      <a:schemeClr val="accent2">
-        <a:tint val="40000"/>
-      </a:schemeClr>
-    </dgm:fillClrLst>
-    <dgm:linClrLst meth="repeat">
-      <a:schemeClr val="lt1"/>
-    </dgm:linClrLst>
-    <dgm:effectClrLst/>
-    <dgm:txLinClrLst/>
-    <dgm:txFillClrLst meth="repeat">
-      <a:schemeClr val="dk1"/>
-    </dgm:txFillClrLst>
-    <dgm:txEffectClrLst/>
-  </dgm:styleLbl>
-  <dgm:styleLbl name="revTx">
-    <dgm:fillClrLst meth="repeat">
-      <a:schemeClr val="lt1">
-        <a:alpha val="0"/>
-      </a:schemeClr>
-    </dgm:fillClrLst>
-    <dgm:linClrLst meth="repeat">
-      <a:schemeClr val="dk1">
-        <a:alpha val="0"/>
-      </a:schemeClr>
-    </dgm:linClrLst>
-    <dgm:effectClrLst/>
-    <dgm:txLinClrLst/>
-    <dgm:txFillClrLst meth="repeat">
-      <a:schemeClr val="tx1"/>
-    </dgm:txFillClrLst>
-    <dgm:txEffectClrLst/>
-  </dgm:styleLbl>
-</dgm:colorsDef>
-</file>
-
 <file path=ppt/diagrams/data1.xml><?xml version="1.0" encoding="utf-8"?>
 <dgm:dataModel xmlns:dgm="http://schemas.openxmlformats.org/drawingml/2006/diagram" xmlns:a="http://schemas.openxmlformats.org/drawingml/2006/main">
   <dgm:ptLst>
@@ -2844,80 +2062,6 @@
         </a:p>
       </dgm:t>
     </dgm:pt>
-    <dgm:pt modelId="{BE5F75D9-0BAE-4B58-8BA0-E312B42BD713}">
-      <dgm:prSet/>
-      <dgm:spPr/>
-      <dgm:t>
-        <a:bodyPr/>
-        <a:lstStyle/>
-        <a:p>
-          <a:r>
-            <a:rPr lang="fr-CH"/>
-            <a:t>Organisation</a:t>
-          </a:r>
-          <a:endParaRPr lang="en-US"/>
-        </a:p>
-      </dgm:t>
-    </dgm:pt>
-    <dgm:pt modelId="{59F78682-6B79-4DA0-8543-150BEF86F37D}" type="parTrans" cxnId="{65522B47-27F8-485A-BEB6-2614B7AE6DE8}">
-      <dgm:prSet/>
-      <dgm:spPr/>
-      <dgm:t>
-        <a:bodyPr/>
-        <a:lstStyle/>
-        <a:p>
-          <a:endParaRPr lang="en-US"/>
-        </a:p>
-      </dgm:t>
-    </dgm:pt>
-    <dgm:pt modelId="{3943FF4E-A4E9-4FC1-8E48-3E0D7B32CF12}" type="sibTrans" cxnId="{65522B47-27F8-485A-BEB6-2614B7AE6DE8}">
-      <dgm:prSet/>
-      <dgm:spPr/>
-      <dgm:t>
-        <a:bodyPr/>
-        <a:lstStyle/>
-        <a:p>
-          <a:endParaRPr lang="en-US"/>
-        </a:p>
-      </dgm:t>
-    </dgm:pt>
-    <dgm:pt modelId="{9F366B49-8D6E-4892-9F18-A165CF090B00}">
-      <dgm:prSet/>
-      <dgm:spPr/>
-      <dgm:t>
-        <a:bodyPr/>
-        <a:lstStyle/>
-        <a:p>
-          <a:r>
-            <a:rPr lang="fr-CH" dirty="0"/>
-            <a:t>Analyse</a:t>
-          </a:r>
-          <a:endParaRPr lang="en-US" dirty="0"/>
-        </a:p>
-      </dgm:t>
-    </dgm:pt>
-    <dgm:pt modelId="{B268F66E-56BB-4FCF-AB84-845C2893EAC0}" type="parTrans" cxnId="{17175947-E466-4175-AF47-0D15C9BC8393}">
-      <dgm:prSet/>
-      <dgm:spPr/>
-      <dgm:t>
-        <a:bodyPr/>
-        <a:lstStyle/>
-        <a:p>
-          <a:endParaRPr lang="en-US"/>
-        </a:p>
-      </dgm:t>
-    </dgm:pt>
-    <dgm:pt modelId="{1030EF67-FFE3-45AE-9A3D-C263C685C23D}" type="sibTrans" cxnId="{17175947-E466-4175-AF47-0D15C9BC8393}">
-      <dgm:prSet/>
-      <dgm:spPr/>
-      <dgm:t>
-        <a:bodyPr/>
-        <a:lstStyle/>
-        <a:p>
-          <a:endParaRPr lang="en-US"/>
-        </a:p>
-      </dgm:t>
-    </dgm:pt>
     <dgm:pt modelId="{B4BFF125-F518-48F1-A09F-D300C3EE10AA}">
       <dgm:prSet/>
       <dgm:spPr/>
@@ -2963,10 +2107,10 @@
         <a:lstStyle/>
         <a:p>
           <a:r>
-            <a:rPr lang="fr-CH"/>
+            <a:rPr lang="fr-CH" dirty="0"/>
             <a:t>Réalisation</a:t>
           </a:r>
-          <a:endParaRPr lang="en-US"/>
+          <a:endParaRPr lang="en-US" dirty="0"/>
         </a:p>
       </dgm:t>
     </dgm:pt>
@@ -3000,10 +2144,10 @@
         <a:lstStyle/>
         <a:p>
           <a:r>
-            <a:rPr lang="fr-CH"/>
+            <a:rPr lang="fr-CH" dirty="0"/>
             <a:t>Démonstration de l’application</a:t>
           </a:r>
-          <a:endParaRPr lang="en-US"/>
+          <a:endParaRPr lang="en-US" dirty="0"/>
         </a:p>
       </dgm:t>
     </dgm:pt>
@@ -3066,6 +2210,43 @@
         </a:p>
       </dgm:t>
     </dgm:pt>
+    <dgm:pt modelId="{BE5F75D9-0BAE-4B58-8BA0-E312B42BD713}">
+      <dgm:prSet/>
+      <dgm:spPr/>
+      <dgm:t>
+        <a:bodyPr/>
+        <a:lstStyle/>
+        <a:p>
+          <a:r>
+            <a:rPr lang="fr-CH" smtClean="0"/>
+            <a:t>Organisation</a:t>
+          </a:r>
+          <a:endParaRPr lang="en-US" dirty="0"/>
+        </a:p>
+      </dgm:t>
+    </dgm:pt>
+    <dgm:pt modelId="{3943FF4E-A4E9-4FC1-8E48-3E0D7B32CF12}" type="sibTrans" cxnId="{65522B47-27F8-485A-BEB6-2614B7AE6DE8}">
+      <dgm:prSet/>
+      <dgm:spPr/>
+      <dgm:t>
+        <a:bodyPr/>
+        <a:lstStyle/>
+        <a:p>
+          <a:endParaRPr lang="en-US"/>
+        </a:p>
+      </dgm:t>
+    </dgm:pt>
+    <dgm:pt modelId="{59F78682-6B79-4DA0-8543-150BEF86F37D}" type="parTrans" cxnId="{65522B47-27F8-485A-BEB6-2614B7AE6DE8}">
+      <dgm:prSet/>
+      <dgm:spPr/>
+      <dgm:t>
+        <a:bodyPr/>
+        <a:lstStyle/>
+        <a:p>
+          <a:endParaRPr lang="en-US"/>
+        </a:p>
+      </dgm:t>
+    </dgm:pt>
     <dgm:pt modelId="{CEAF00B3-D3E6-46BB-8B73-A2B2B52571ED}" type="pres">
       <dgm:prSet presAssocID="{917F0039-CB0D-4C74-9DCC-E8B4D38940D3}" presName="root" presStyleCnt="0">
         <dgm:presLayoutVars>
@@ -3087,11 +2268,11 @@
       <dgm:spPr/>
     </dgm:pt>
     <dgm:pt modelId="{369869B7-0069-4B67-AA53-ABD968FA2C3D}" type="pres">
-      <dgm:prSet presAssocID="{3466C6BC-A450-48A5-B98E-23D6A2C11978}" presName="bgRect" presStyleLbl="bgShp" presStyleIdx="0" presStyleCnt="8"/>
+      <dgm:prSet presAssocID="{3466C6BC-A450-48A5-B98E-23D6A2C11978}" presName="bgRect" presStyleLbl="bgShp" presStyleIdx="0" presStyleCnt="7"/>
       <dgm:spPr/>
     </dgm:pt>
     <dgm:pt modelId="{87610D53-1415-42B7-93E9-C40F8798FECA}" type="pres">
-      <dgm:prSet presAssocID="{3466C6BC-A450-48A5-B98E-23D6A2C11978}" presName="iconRect" presStyleLbl="node1" presStyleIdx="0" presStyleCnt="8"/>
+      <dgm:prSet presAssocID="{3466C6BC-A450-48A5-B98E-23D6A2C11978}" presName="iconRect" presStyleLbl="node1" presStyleIdx="0" presStyleCnt="7"/>
       <dgm:spPr>
         <a:blipFill>
           <a:blip xmlns:r="http://schemas.openxmlformats.org/officeDocument/2006/relationships" r:embed="rId1" cstate="print">
@@ -3100,7 +2281,7 @@
                 <a14:useLocalDpi xmlns:a14="http://schemas.microsoft.com/office/drawing/2010/main" val="0"/>
               </a:ext>
               <a:ext uri="{96DAC541-7B7A-43D3-8B79-37D633B846F1}">
-                <asvg:svgBlip xmlns:asvg="http://schemas.microsoft.com/office/drawing/2016/SVG/main" xmlns="" r:embed="rId2"/>
+                <asvg:svgBlip xmlns="" xmlns:asvg="http://schemas.microsoft.com/office/drawing/2016/SVG/main" r:embed="rId2"/>
               </a:ext>
             </a:extLst>
           </a:blip>
@@ -3130,7 +2311,7 @@
       <dgm:spPr/>
     </dgm:pt>
     <dgm:pt modelId="{993D75C4-1F4A-4343-9370-26224FF08A4F}" type="pres">
-      <dgm:prSet presAssocID="{3466C6BC-A450-48A5-B98E-23D6A2C11978}" presName="parTx" presStyleLbl="revTx" presStyleIdx="0" presStyleCnt="8">
+      <dgm:prSet presAssocID="{3466C6BC-A450-48A5-B98E-23D6A2C11978}" presName="parTx" presStyleLbl="revTx" presStyleIdx="0" presStyleCnt="7">
         <dgm:presLayoutVars>
           <dgm:chMax val="0"/>
           <dgm:chPref val="0"/>
@@ -3154,11 +2335,11 @@
       <dgm:spPr/>
     </dgm:pt>
     <dgm:pt modelId="{956D8236-70F1-47AA-A8C2-2FEADC7ADE2A}" type="pres">
-      <dgm:prSet presAssocID="{4F2CBE3A-B2B4-44EB-9575-B0AF80D5D14A}" presName="bgRect" presStyleLbl="bgShp" presStyleIdx="1" presStyleCnt="8"/>
+      <dgm:prSet presAssocID="{4F2CBE3A-B2B4-44EB-9575-B0AF80D5D14A}" presName="bgRect" presStyleLbl="bgShp" presStyleIdx="1" presStyleCnt="7"/>
       <dgm:spPr/>
     </dgm:pt>
     <dgm:pt modelId="{128B6B59-9B8B-4230-812C-CF6AF5A48755}" type="pres">
-      <dgm:prSet presAssocID="{4F2CBE3A-B2B4-44EB-9575-B0AF80D5D14A}" presName="iconRect" presStyleLbl="node1" presStyleIdx="1" presStyleCnt="8"/>
+      <dgm:prSet presAssocID="{4F2CBE3A-B2B4-44EB-9575-B0AF80D5D14A}" presName="iconRect" presStyleLbl="node1" presStyleIdx="1" presStyleCnt="7"/>
       <dgm:spPr>
         <a:blipFill>
           <a:blip xmlns:r="http://schemas.openxmlformats.org/officeDocument/2006/relationships" r:embed="rId3" cstate="print">
@@ -3167,7 +2348,7 @@
                 <a14:useLocalDpi xmlns:a14="http://schemas.microsoft.com/office/drawing/2010/main" val="0"/>
               </a:ext>
               <a:ext uri="{96DAC541-7B7A-43D3-8B79-37D633B846F1}">
-                <asvg:svgBlip xmlns:asvg="http://schemas.microsoft.com/office/drawing/2016/SVG/main" xmlns="" r:embed="rId4"/>
+                <asvg:svgBlip xmlns="" xmlns:asvg="http://schemas.microsoft.com/office/drawing/2016/SVG/main" r:embed="rId4"/>
               </a:ext>
             </a:extLst>
           </a:blip>
@@ -3197,7 +2378,7 @@
       <dgm:spPr/>
     </dgm:pt>
     <dgm:pt modelId="{B7C2287A-F8B8-4E6B-8BBD-47EF916DA1FC}" type="pres">
-      <dgm:prSet presAssocID="{4F2CBE3A-B2B4-44EB-9575-B0AF80D5D14A}" presName="parTx" presStyleLbl="revTx" presStyleIdx="1" presStyleCnt="8">
+      <dgm:prSet presAssocID="{4F2CBE3A-B2B4-44EB-9575-B0AF80D5D14A}" presName="parTx" presStyleLbl="revTx" presStyleIdx="1" presStyleCnt="7">
         <dgm:presLayoutVars>
           <dgm:chMax val="0"/>
           <dgm:chPref val="0"/>
@@ -3221,11 +2402,11 @@
       <dgm:spPr/>
     </dgm:pt>
     <dgm:pt modelId="{1D174C44-CF5A-49C5-A433-15AE74559D15}" type="pres">
-      <dgm:prSet presAssocID="{BE5F75D9-0BAE-4B58-8BA0-E312B42BD713}" presName="bgRect" presStyleLbl="bgShp" presStyleIdx="2" presStyleCnt="8"/>
+      <dgm:prSet presAssocID="{BE5F75D9-0BAE-4B58-8BA0-E312B42BD713}" presName="bgRect" presStyleLbl="bgShp" presStyleIdx="2" presStyleCnt="7"/>
       <dgm:spPr/>
     </dgm:pt>
     <dgm:pt modelId="{61171465-801E-4B42-A05F-738EC337D839}" type="pres">
-      <dgm:prSet presAssocID="{BE5F75D9-0BAE-4B58-8BA0-E312B42BD713}" presName="iconRect" presStyleLbl="node1" presStyleIdx="2" presStyleCnt="8"/>
+      <dgm:prSet presAssocID="{BE5F75D9-0BAE-4B58-8BA0-E312B42BD713}" presName="iconRect" presStyleLbl="node1" presStyleIdx="2" presStyleCnt="7"/>
       <dgm:spPr>
         <a:blipFill>
           <a:blip xmlns:r="http://schemas.openxmlformats.org/officeDocument/2006/relationships" r:embed="rId5" cstate="print">
@@ -3234,7 +2415,7 @@
                 <a14:useLocalDpi xmlns:a14="http://schemas.microsoft.com/office/drawing/2010/main" val="0"/>
               </a:ext>
               <a:ext uri="{96DAC541-7B7A-43D3-8B79-37D633B846F1}">
-                <asvg:svgBlip xmlns:asvg="http://schemas.microsoft.com/office/drawing/2016/SVG/main" xmlns="" r:embed="rId6"/>
+                <asvg:svgBlip xmlns="" xmlns:asvg="http://schemas.microsoft.com/office/drawing/2016/SVG/main" r:embed="rId6"/>
               </a:ext>
             </a:extLst>
           </a:blip>
@@ -3264,7 +2445,7 @@
       <dgm:spPr/>
     </dgm:pt>
     <dgm:pt modelId="{A97B076E-AC35-43D3-A75A-B3E870830EED}" type="pres">
-      <dgm:prSet presAssocID="{BE5F75D9-0BAE-4B58-8BA0-E312B42BD713}" presName="parTx" presStyleLbl="revTx" presStyleIdx="2" presStyleCnt="8">
+      <dgm:prSet presAssocID="{BE5F75D9-0BAE-4B58-8BA0-E312B42BD713}" presName="parTx" presStyleLbl="revTx" presStyleIdx="2" presStyleCnt="7">
         <dgm:presLayoutVars>
           <dgm:chMax val="0"/>
           <dgm:chPref val="0"/>
@@ -3283,16 +2464,16 @@
       <dgm:prSet presAssocID="{3943FF4E-A4E9-4FC1-8E48-3E0D7B32CF12}" presName="sibTrans" presStyleCnt="0"/>
       <dgm:spPr/>
     </dgm:pt>
-    <dgm:pt modelId="{84D0E5CB-E316-4C8C-91AE-3C2042EC25D4}" type="pres">
-      <dgm:prSet presAssocID="{9F366B49-8D6E-4892-9F18-A165CF090B00}" presName="compNode" presStyleCnt="0"/>
+    <dgm:pt modelId="{47C7E8CA-DDD9-4E4B-8C15-780F69FC386D}" type="pres">
+      <dgm:prSet presAssocID="{B4BFF125-F518-48F1-A09F-D300C3EE10AA}" presName="compNode" presStyleCnt="0"/>
       <dgm:spPr/>
     </dgm:pt>
-    <dgm:pt modelId="{5FFC7881-1C58-4382-B611-E8324561E510}" type="pres">
-      <dgm:prSet presAssocID="{9F366B49-8D6E-4892-9F18-A165CF090B00}" presName="bgRect" presStyleLbl="bgShp" presStyleIdx="3" presStyleCnt="8"/>
+    <dgm:pt modelId="{F35337BC-F527-462D-8C7B-D5156CC5566B}" type="pres">
+      <dgm:prSet presAssocID="{B4BFF125-F518-48F1-A09F-D300C3EE10AA}" presName="bgRect" presStyleLbl="bgShp" presStyleIdx="3" presStyleCnt="7"/>
       <dgm:spPr/>
     </dgm:pt>
-    <dgm:pt modelId="{CBFC1ABC-1D54-40A5-B58A-001BA6B3D046}" type="pres">
-      <dgm:prSet presAssocID="{9F366B49-8D6E-4892-9F18-A165CF090B00}" presName="iconRect" presStyleLbl="node1" presStyleIdx="3" presStyleCnt="8"/>
+    <dgm:pt modelId="{5F96A7EE-9FE9-46CA-B508-5C3329C9FA75}" type="pres">
+      <dgm:prSet presAssocID="{B4BFF125-F518-48F1-A09F-D300C3EE10AA}" presName="iconRect" presStyleLbl="node1" presStyleIdx="3" presStyleCnt="7"/>
       <dgm:spPr>
         <a:blipFill>
           <a:blip xmlns:r="http://schemas.openxmlformats.org/officeDocument/2006/relationships" r:embed="rId7" cstate="print">
@@ -3301,74 +2482,7 @@
                 <a14:useLocalDpi xmlns:a14="http://schemas.microsoft.com/office/drawing/2010/main" val="0"/>
               </a:ext>
               <a:ext uri="{96DAC541-7B7A-43D3-8B79-37D633B846F1}">
-                <asvg:svgBlip xmlns:asvg="http://schemas.microsoft.com/office/drawing/2016/SVG/main" xmlns="" r:embed="rId8"/>
-              </a:ext>
-            </a:extLst>
-          </a:blip>
-          <a:stretch>
-            <a:fillRect/>
-          </a:stretch>
-        </a:blipFill>
-        <a:ln>
-          <a:noFill/>
-        </a:ln>
-      </dgm:spPr>
-      <dgm:t>
-        <a:bodyPr/>
-        <a:lstStyle/>
-        <a:p>
-          <a:endParaRPr lang="fr-FR"/>
-        </a:p>
-      </dgm:t>
-      <dgm:extLst>
-        <a:ext uri="{E40237B7-FDA0-4F09-8148-C483321AD2D9}">
-          <dgm14:cNvPr xmlns:dgm14="http://schemas.microsoft.com/office/drawing/2010/diagram" id="0" name="" descr="Statistiques"/>
-        </a:ext>
-      </dgm:extLst>
-    </dgm:pt>
-    <dgm:pt modelId="{05812BF2-73AB-4F73-B603-891460A519A7}" type="pres">
-      <dgm:prSet presAssocID="{9F366B49-8D6E-4892-9F18-A165CF090B00}" presName="spaceRect" presStyleCnt="0"/>
-      <dgm:spPr/>
-    </dgm:pt>
-    <dgm:pt modelId="{EB5647D7-A20A-4A3B-980C-FBF059C4712A}" type="pres">
-      <dgm:prSet presAssocID="{9F366B49-8D6E-4892-9F18-A165CF090B00}" presName="parTx" presStyleLbl="revTx" presStyleIdx="3" presStyleCnt="8">
-        <dgm:presLayoutVars>
-          <dgm:chMax val="0"/>
-          <dgm:chPref val="0"/>
-        </dgm:presLayoutVars>
-      </dgm:prSet>
-      <dgm:spPr/>
-      <dgm:t>
-        <a:bodyPr/>
-        <a:lstStyle/>
-        <a:p>
-          <a:endParaRPr lang="fr-FR"/>
-        </a:p>
-      </dgm:t>
-    </dgm:pt>
-    <dgm:pt modelId="{C888DEEE-F836-4BCC-96F9-6B0EB5CEB244}" type="pres">
-      <dgm:prSet presAssocID="{1030EF67-FFE3-45AE-9A3D-C263C685C23D}" presName="sibTrans" presStyleCnt="0"/>
-      <dgm:spPr/>
-    </dgm:pt>
-    <dgm:pt modelId="{47C7E8CA-DDD9-4E4B-8C15-780F69FC386D}" type="pres">
-      <dgm:prSet presAssocID="{B4BFF125-F518-48F1-A09F-D300C3EE10AA}" presName="compNode" presStyleCnt="0"/>
-      <dgm:spPr/>
-    </dgm:pt>
-    <dgm:pt modelId="{F35337BC-F527-462D-8C7B-D5156CC5566B}" type="pres">
-      <dgm:prSet presAssocID="{B4BFF125-F518-48F1-A09F-D300C3EE10AA}" presName="bgRect" presStyleLbl="bgShp" presStyleIdx="4" presStyleCnt="8"/>
-      <dgm:spPr/>
-    </dgm:pt>
-    <dgm:pt modelId="{5F96A7EE-9FE9-46CA-B508-5C3329C9FA75}" type="pres">
-      <dgm:prSet presAssocID="{B4BFF125-F518-48F1-A09F-D300C3EE10AA}" presName="iconRect" presStyleLbl="node1" presStyleIdx="4" presStyleCnt="8"/>
-      <dgm:spPr>
-        <a:blipFill>
-          <a:blip xmlns:r="http://schemas.openxmlformats.org/officeDocument/2006/relationships" r:embed="rId9" cstate="print">
-            <a:extLst>
-              <a:ext uri="{28A0092B-C50C-407E-A947-70E740481C1C}">
-                <a14:useLocalDpi xmlns:a14="http://schemas.microsoft.com/office/drawing/2010/main" val="0"/>
-              </a:ext>
-              <a:ext uri="{96DAC541-7B7A-43D3-8B79-37D633B846F1}">
-                <asvg:svgBlip xmlns:asvg="http://schemas.microsoft.com/office/drawing/2016/SVG/main" xmlns="" r:embed="rId10"/>
+                <asvg:svgBlip xmlns="" xmlns:asvg="http://schemas.microsoft.com/office/drawing/2016/SVG/main" r:embed="rId10"/>
               </a:ext>
             </a:extLst>
           </a:blip>
@@ -3398,7 +2512,7 @@
       <dgm:spPr/>
     </dgm:pt>
     <dgm:pt modelId="{0F84CDF7-296D-48CA-9E1D-37C67EADBC9A}" type="pres">
-      <dgm:prSet presAssocID="{B4BFF125-F518-48F1-A09F-D300C3EE10AA}" presName="parTx" presStyleLbl="revTx" presStyleIdx="4" presStyleCnt="8">
+      <dgm:prSet presAssocID="{B4BFF125-F518-48F1-A09F-D300C3EE10AA}" presName="parTx" presStyleLbl="revTx" presStyleIdx="3" presStyleCnt="7">
         <dgm:presLayoutVars>
           <dgm:chMax val="0"/>
           <dgm:chPref val="0"/>
@@ -3422,11 +2536,11 @@
       <dgm:spPr/>
     </dgm:pt>
     <dgm:pt modelId="{2AC147EE-E589-4714-8167-719BDC87EF32}" type="pres">
-      <dgm:prSet presAssocID="{AC692695-493C-4491-AD9B-B5FCB43FF29A}" presName="bgRect" presStyleLbl="bgShp" presStyleIdx="5" presStyleCnt="8"/>
+      <dgm:prSet presAssocID="{AC692695-493C-4491-AD9B-B5FCB43FF29A}" presName="bgRect" presStyleLbl="bgShp" presStyleIdx="4" presStyleCnt="7"/>
       <dgm:spPr/>
     </dgm:pt>
     <dgm:pt modelId="{0991F44A-4A48-40A3-B795-ACD691E1A778}" type="pres">
-      <dgm:prSet presAssocID="{AC692695-493C-4491-AD9B-B5FCB43FF29A}" presName="iconRect" presStyleLbl="node1" presStyleIdx="5" presStyleCnt="8"/>
+      <dgm:prSet presAssocID="{AC692695-493C-4491-AD9B-B5FCB43FF29A}" presName="iconRect" presStyleLbl="node1" presStyleIdx="4" presStyleCnt="7"/>
       <dgm:spPr>
         <a:blipFill>
           <a:blip xmlns:r="http://schemas.openxmlformats.org/officeDocument/2006/relationships" r:embed="rId11" cstate="print">
@@ -3435,7 +2549,7 @@
                 <a14:useLocalDpi xmlns:a14="http://schemas.microsoft.com/office/drawing/2010/main" val="0"/>
               </a:ext>
               <a:ext uri="{96DAC541-7B7A-43D3-8B79-37D633B846F1}">
-                <asvg:svgBlip xmlns:asvg="http://schemas.microsoft.com/office/drawing/2016/SVG/main" xmlns="" r:embed="rId12"/>
+                <asvg:svgBlip xmlns="" xmlns:asvg="http://schemas.microsoft.com/office/drawing/2016/SVG/main" r:embed="rId12"/>
               </a:ext>
             </a:extLst>
           </a:blip>
@@ -3465,7 +2579,7 @@
       <dgm:spPr/>
     </dgm:pt>
     <dgm:pt modelId="{690A18B3-94D7-4BA0-8D76-4641BC204EAB}" type="pres">
-      <dgm:prSet presAssocID="{AC692695-493C-4491-AD9B-B5FCB43FF29A}" presName="parTx" presStyleLbl="revTx" presStyleIdx="5" presStyleCnt="8">
+      <dgm:prSet presAssocID="{AC692695-493C-4491-AD9B-B5FCB43FF29A}" presName="parTx" presStyleLbl="revTx" presStyleIdx="4" presStyleCnt="7">
         <dgm:presLayoutVars>
           <dgm:chMax val="0"/>
           <dgm:chPref val="0"/>
@@ -3489,11 +2603,11 @@
       <dgm:spPr/>
     </dgm:pt>
     <dgm:pt modelId="{4D2E6744-CD7A-41AC-A3E9-E6C16469C8EE}" type="pres">
-      <dgm:prSet presAssocID="{23355D6E-1BD1-40B0-A069-E2B0FF22EBB1}" presName="bgRect" presStyleLbl="bgShp" presStyleIdx="6" presStyleCnt="8"/>
+      <dgm:prSet presAssocID="{23355D6E-1BD1-40B0-A069-E2B0FF22EBB1}" presName="bgRect" presStyleLbl="bgShp" presStyleIdx="5" presStyleCnt="7"/>
       <dgm:spPr/>
     </dgm:pt>
     <dgm:pt modelId="{784C5D8D-5686-492B-BC01-B536E2A4C7C7}" type="pres">
-      <dgm:prSet presAssocID="{23355D6E-1BD1-40B0-A069-E2B0FF22EBB1}" presName="iconRect" presStyleLbl="node1" presStyleIdx="6" presStyleCnt="8"/>
+      <dgm:prSet presAssocID="{23355D6E-1BD1-40B0-A069-E2B0FF22EBB1}" presName="iconRect" presStyleLbl="node1" presStyleIdx="5" presStyleCnt="7"/>
       <dgm:spPr>
         <a:blipFill>
           <a:blip xmlns:r="http://schemas.openxmlformats.org/officeDocument/2006/relationships" r:embed="rId13" cstate="print">
@@ -3502,7 +2616,7 @@
                 <a14:useLocalDpi xmlns:a14="http://schemas.microsoft.com/office/drawing/2010/main" val="0"/>
               </a:ext>
               <a:ext uri="{96DAC541-7B7A-43D3-8B79-37D633B846F1}">
-                <asvg:svgBlip xmlns:asvg="http://schemas.microsoft.com/office/drawing/2016/SVG/main" xmlns="" r:embed="rId14"/>
+                <asvg:svgBlip xmlns="" xmlns:asvg="http://schemas.microsoft.com/office/drawing/2016/SVG/main" r:embed="rId14"/>
               </a:ext>
             </a:extLst>
           </a:blip>
@@ -3532,7 +2646,7 @@
       <dgm:spPr/>
     </dgm:pt>
     <dgm:pt modelId="{78D98252-44C3-4E27-B239-16811656A7E2}" type="pres">
-      <dgm:prSet presAssocID="{23355D6E-1BD1-40B0-A069-E2B0FF22EBB1}" presName="parTx" presStyleLbl="revTx" presStyleIdx="6" presStyleCnt="8">
+      <dgm:prSet presAssocID="{23355D6E-1BD1-40B0-A069-E2B0FF22EBB1}" presName="parTx" presStyleLbl="revTx" presStyleIdx="5" presStyleCnt="7">
         <dgm:presLayoutVars>
           <dgm:chMax val="0"/>
           <dgm:chPref val="0"/>
@@ -3556,11 +2670,11 @@
       <dgm:spPr/>
     </dgm:pt>
     <dgm:pt modelId="{B11BA78A-5601-40BE-9876-619E20563CFE}" type="pres">
-      <dgm:prSet presAssocID="{196C9BE9-6FE4-49FA-84AC-2611C788B4A7}" presName="bgRect" presStyleLbl="bgShp" presStyleIdx="7" presStyleCnt="8"/>
+      <dgm:prSet presAssocID="{196C9BE9-6FE4-49FA-84AC-2611C788B4A7}" presName="bgRect" presStyleLbl="bgShp" presStyleIdx="6" presStyleCnt="7"/>
       <dgm:spPr/>
     </dgm:pt>
     <dgm:pt modelId="{72CC751D-A9E6-41CB-814C-23A2631F3146}" type="pres">
-      <dgm:prSet presAssocID="{196C9BE9-6FE4-49FA-84AC-2611C788B4A7}" presName="iconRect" presStyleLbl="node1" presStyleIdx="7" presStyleCnt="8"/>
+      <dgm:prSet presAssocID="{196C9BE9-6FE4-49FA-84AC-2611C788B4A7}" presName="iconRect" presStyleLbl="node1" presStyleIdx="6" presStyleCnt="7"/>
       <dgm:spPr>
         <a:blipFill>
           <a:blip xmlns:r="http://schemas.openxmlformats.org/officeDocument/2006/relationships" r:embed="rId15" cstate="print">
@@ -3569,7 +2683,7 @@
                 <a14:useLocalDpi xmlns:a14="http://schemas.microsoft.com/office/drawing/2010/main" val="0"/>
               </a:ext>
               <a:ext uri="{96DAC541-7B7A-43D3-8B79-37D633B846F1}">
-                <asvg:svgBlip xmlns:asvg="http://schemas.microsoft.com/office/drawing/2016/SVG/main" xmlns="" r:embed="rId16"/>
+                <asvg:svgBlip xmlns="" xmlns:asvg="http://schemas.microsoft.com/office/drawing/2016/SVG/main" r:embed="rId16"/>
               </a:ext>
             </a:extLst>
           </a:blip>
@@ -3599,7 +2713,7 @@
       <dgm:spPr/>
     </dgm:pt>
     <dgm:pt modelId="{DD543F00-D1BA-47BD-AEA5-14228C882686}" type="pres">
-      <dgm:prSet presAssocID="{196C9BE9-6FE4-49FA-84AC-2611C788B4A7}" presName="parTx" presStyleLbl="revTx" presStyleIdx="7" presStyleCnt="8">
+      <dgm:prSet presAssocID="{196C9BE9-6FE4-49FA-84AC-2611C788B4A7}" presName="parTx" presStyleLbl="revTx" presStyleIdx="6" presStyleCnt="7">
         <dgm:presLayoutVars>
           <dgm:chMax val="0"/>
           <dgm:chPref val="0"/>
@@ -3621,16 +2735,14 @@
     <dgm:cxn modelId="{B7F03A38-32CC-49BA-A5F1-6FC965A676E0}" type="presOf" srcId="{3466C6BC-A450-48A5-B98E-23D6A2C11978}" destId="{993D75C4-1F4A-4343-9370-26224FF08A4F}" srcOrd="0" destOrd="0" presId="urn:microsoft.com/office/officeart/2018/2/layout/IconVerticalSolidList"/>
     <dgm:cxn modelId="{21DEDEAB-2693-478F-BF24-120F47FA3D68}" type="presOf" srcId="{B4BFF125-F518-48F1-A09F-D300C3EE10AA}" destId="{0F84CDF7-296D-48CA-9E1D-37C67EADBC9A}" srcOrd="0" destOrd="0" presId="urn:microsoft.com/office/officeart/2018/2/layout/IconVerticalSolidList"/>
     <dgm:cxn modelId="{877C408E-90B0-403E-AACD-A8E62B128238}" type="presOf" srcId="{196C9BE9-6FE4-49FA-84AC-2611C788B4A7}" destId="{DD543F00-D1BA-47BD-AEA5-14228C882686}" srcOrd="0" destOrd="0" presId="urn:microsoft.com/office/officeart/2018/2/layout/IconVerticalSolidList"/>
-    <dgm:cxn modelId="{17175947-E466-4175-AF47-0D15C9BC8393}" srcId="{917F0039-CB0D-4C74-9DCC-E8B4D38940D3}" destId="{9F366B49-8D6E-4892-9F18-A165CF090B00}" srcOrd="3" destOrd="0" parTransId="{B268F66E-56BB-4FCF-AB84-845C2893EAC0}" sibTransId="{1030EF67-FFE3-45AE-9A3D-C263C685C23D}"/>
     <dgm:cxn modelId="{FF7ED541-EFE5-400C-B815-9015073E4A66}" type="presOf" srcId="{917F0039-CB0D-4C74-9DCC-E8B4D38940D3}" destId="{CEAF00B3-D3E6-46BB-8B73-A2B2B52571ED}" srcOrd="0" destOrd="0" presId="urn:microsoft.com/office/officeart/2018/2/layout/IconVerticalSolidList"/>
-    <dgm:cxn modelId="{AEA20D65-8C5C-43C1-B6DE-11209B63DB06}" srcId="{917F0039-CB0D-4C74-9DCC-E8B4D38940D3}" destId="{23355D6E-1BD1-40B0-A069-E2B0FF22EBB1}" srcOrd="6" destOrd="0" parTransId="{74687FC3-3F91-42F6-AC11-1064F3E53438}" sibTransId="{EF6DDCFA-1BC2-434A-84C9-B5867ED16429}"/>
+    <dgm:cxn modelId="{AEA20D65-8C5C-43C1-B6DE-11209B63DB06}" srcId="{917F0039-CB0D-4C74-9DCC-E8B4D38940D3}" destId="{23355D6E-1BD1-40B0-A069-E2B0FF22EBB1}" srcOrd="5" destOrd="0" parTransId="{74687FC3-3F91-42F6-AC11-1064F3E53438}" sibTransId="{EF6DDCFA-1BC2-434A-84C9-B5867ED16429}"/>
     <dgm:cxn modelId="{1B9EF5F9-DA26-4E00-B7C6-EDBB93878944}" type="presOf" srcId="{AC692695-493C-4491-AD9B-B5FCB43FF29A}" destId="{690A18B3-94D7-4BA0-8D76-4641BC204EAB}" srcOrd="0" destOrd="0" presId="urn:microsoft.com/office/officeart/2018/2/layout/IconVerticalSolidList"/>
-    <dgm:cxn modelId="{8B7D8B73-CCB8-43CD-9ABA-B0E6455833D4}" srcId="{917F0039-CB0D-4C74-9DCC-E8B4D38940D3}" destId="{AC692695-493C-4491-AD9B-B5FCB43FF29A}" srcOrd="5" destOrd="0" parTransId="{E67B8B5C-FB12-4E2C-8F4A-7EAAED7E9F22}" sibTransId="{5E417334-9864-414B-9EFF-357A2AD18BC2}"/>
-    <dgm:cxn modelId="{3282DDE9-69F1-4A13-A995-6002501668D3}" srcId="{917F0039-CB0D-4C74-9DCC-E8B4D38940D3}" destId="{B4BFF125-F518-48F1-A09F-D300C3EE10AA}" srcOrd="4" destOrd="0" parTransId="{13173FD4-2773-4FA9-AA19-D0339F77888D}" sibTransId="{8F26F949-94BF-40A5-9590-8778115DD626}"/>
+    <dgm:cxn modelId="{8B7D8B73-CCB8-43CD-9ABA-B0E6455833D4}" srcId="{917F0039-CB0D-4C74-9DCC-E8B4D38940D3}" destId="{AC692695-493C-4491-AD9B-B5FCB43FF29A}" srcOrd="4" destOrd="0" parTransId="{E67B8B5C-FB12-4E2C-8F4A-7EAAED7E9F22}" sibTransId="{5E417334-9864-414B-9EFF-357A2AD18BC2}"/>
+    <dgm:cxn modelId="{3282DDE9-69F1-4A13-A995-6002501668D3}" srcId="{917F0039-CB0D-4C74-9DCC-E8B4D38940D3}" destId="{B4BFF125-F518-48F1-A09F-D300C3EE10AA}" srcOrd="3" destOrd="0" parTransId="{13173FD4-2773-4FA9-AA19-D0339F77888D}" sibTransId="{8F26F949-94BF-40A5-9590-8778115DD626}"/>
     <dgm:cxn modelId="{B968F84D-56FF-40A0-8375-84B2DC25DDD0}" type="presOf" srcId="{BE5F75D9-0BAE-4B58-8BA0-E312B42BD713}" destId="{A97B076E-AC35-43D3-A75A-B3E870830EED}" srcOrd="0" destOrd="0" presId="urn:microsoft.com/office/officeart/2018/2/layout/IconVerticalSolidList"/>
-    <dgm:cxn modelId="{58087FC0-F66D-400E-8ED5-7EEE71E919CA}" srcId="{917F0039-CB0D-4C74-9DCC-E8B4D38940D3}" destId="{196C9BE9-6FE4-49FA-84AC-2611C788B4A7}" srcOrd="7" destOrd="0" parTransId="{2D323438-25D6-4B8F-A9AE-32E93CBDABB0}" sibTransId="{5CAC186A-9DCD-416E-98C4-BC835019A2A8}"/>
+    <dgm:cxn modelId="{58087FC0-F66D-400E-8ED5-7EEE71E919CA}" srcId="{917F0039-CB0D-4C74-9DCC-E8B4D38940D3}" destId="{196C9BE9-6FE4-49FA-84AC-2611C788B4A7}" srcOrd="6" destOrd="0" parTransId="{2D323438-25D6-4B8F-A9AE-32E93CBDABB0}" sibTransId="{5CAC186A-9DCD-416E-98C4-BC835019A2A8}"/>
     <dgm:cxn modelId="{4A5C2D72-7765-48CD-A718-AD15C17E781A}" type="presOf" srcId="{4F2CBE3A-B2B4-44EB-9575-B0AF80D5D14A}" destId="{B7C2287A-F8B8-4E6B-8BBD-47EF916DA1FC}" srcOrd="0" destOrd="0" presId="urn:microsoft.com/office/officeart/2018/2/layout/IconVerticalSolidList"/>
-    <dgm:cxn modelId="{B024BC18-826C-4FC5-A6E0-8364801134DF}" type="presOf" srcId="{9F366B49-8D6E-4892-9F18-A165CF090B00}" destId="{EB5647D7-A20A-4A3B-980C-FBF059C4712A}" srcOrd="0" destOrd="0" presId="urn:microsoft.com/office/officeart/2018/2/layout/IconVerticalSolidList"/>
     <dgm:cxn modelId="{46E75D24-F106-43BC-AC09-FC6CDB25A159}" type="presOf" srcId="{23355D6E-1BD1-40B0-A069-E2B0FF22EBB1}" destId="{78D98252-44C3-4E27-B239-16811656A7E2}" srcOrd="0" destOrd="0" presId="urn:microsoft.com/office/officeart/2018/2/layout/IconVerticalSolidList"/>
     <dgm:cxn modelId="{65522B47-27F8-485A-BEB6-2614B7AE6DE8}" srcId="{917F0039-CB0D-4C74-9DCC-E8B4D38940D3}" destId="{BE5F75D9-0BAE-4B58-8BA0-E312B42BD713}" srcOrd="2" destOrd="0" parTransId="{59F78682-6B79-4DA0-8543-150BEF86F37D}" sibTransId="{3943FF4E-A4E9-4FC1-8E48-3E0D7B32CF12}"/>
     <dgm:cxn modelId="{E4D3BFF2-6AEA-449D-BABA-F3AA1B887972}" type="presParOf" srcId="{CEAF00B3-D3E6-46BB-8B73-A2B2B52571ED}" destId="{A1B96785-51E3-4B29-A5BD-3A03F43B72EC}" srcOrd="0" destOrd="0" presId="urn:microsoft.com/office/officeart/2018/2/layout/IconVerticalSolidList"/>
@@ -3651,31 +2763,25 @@
     <dgm:cxn modelId="{607D8AEF-19C7-4DE2-952D-873515D7C880}" type="presParOf" srcId="{B4E26E17-E4D2-4500-BC2F-13F2BDDAB031}" destId="{7E4A1402-B40A-432D-9784-832EC3D8AA83}" srcOrd="2" destOrd="0" presId="urn:microsoft.com/office/officeart/2018/2/layout/IconVerticalSolidList"/>
     <dgm:cxn modelId="{71E49340-28F5-440F-B4C0-562889623B45}" type="presParOf" srcId="{B4E26E17-E4D2-4500-BC2F-13F2BDDAB031}" destId="{A97B076E-AC35-43D3-A75A-B3E870830EED}" srcOrd="3" destOrd="0" presId="urn:microsoft.com/office/officeart/2018/2/layout/IconVerticalSolidList"/>
     <dgm:cxn modelId="{7747F85D-2FC5-41E9-B299-AA0F51B9E88B}" type="presParOf" srcId="{CEAF00B3-D3E6-46BB-8B73-A2B2B52571ED}" destId="{7ED7C197-470D-41D8-8B80-19601017CB04}" srcOrd="5" destOrd="0" presId="urn:microsoft.com/office/officeart/2018/2/layout/IconVerticalSolidList"/>
-    <dgm:cxn modelId="{567C02BF-C34D-472B-B403-881CD90F5B94}" type="presParOf" srcId="{CEAF00B3-D3E6-46BB-8B73-A2B2B52571ED}" destId="{84D0E5CB-E316-4C8C-91AE-3C2042EC25D4}" srcOrd="6" destOrd="0" presId="urn:microsoft.com/office/officeart/2018/2/layout/IconVerticalSolidList"/>
-    <dgm:cxn modelId="{A6CD2048-E6A3-4D50-BCF7-551869CFCC1E}" type="presParOf" srcId="{84D0E5CB-E316-4C8C-91AE-3C2042EC25D4}" destId="{5FFC7881-1C58-4382-B611-E8324561E510}" srcOrd="0" destOrd="0" presId="urn:microsoft.com/office/officeart/2018/2/layout/IconVerticalSolidList"/>
-    <dgm:cxn modelId="{6F54FE1C-68EC-4243-AFDA-FE240C06CE20}" type="presParOf" srcId="{84D0E5CB-E316-4C8C-91AE-3C2042EC25D4}" destId="{CBFC1ABC-1D54-40A5-B58A-001BA6B3D046}" srcOrd="1" destOrd="0" presId="urn:microsoft.com/office/officeart/2018/2/layout/IconVerticalSolidList"/>
-    <dgm:cxn modelId="{9AFB03B4-E59E-44B4-BBAF-A5025786DE74}" type="presParOf" srcId="{84D0E5CB-E316-4C8C-91AE-3C2042EC25D4}" destId="{05812BF2-73AB-4F73-B603-891460A519A7}" srcOrd="2" destOrd="0" presId="urn:microsoft.com/office/officeart/2018/2/layout/IconVerticalSolidList"/>
-    <dgm:cxn modelId="{EB72E5A3-0DF5-4428-A63E-2845693720BF}" type="presParOf" srcId="{84D0E5CB-E316-4C8C-91AE-3C2042EC25D4}" destId="{EB5647D7-A20A-4A3B-980C-FBF059C4712A}" srcOrd="3" destOrd="0" presId="urn:microsoft.com/office/officeart/2018/2/layout/IconVerticalSolidList"/>
-    <dgm:cxn modelId="{EB833B50-8584-4CF9-B12F-BD0D49835926}" type="presParOf" srcId="{CEAF00B3-D3E6-46BB-8B73-A2B2B52571ED}" destId="{C888DEEE-F836-4BCC-96F9-6B0EB5CEB244}" srcOrd="7" destOrd="0" presId="urn:microsoft.com/office/officeart/2018/2/layout/IconVerticalSolidList"/>
-    <dgm:cxn modelId="{0BC30646-1DCA-4488-9472-7087C5464242}" type="presParOf" srcId="{CEAF00B3-D3E6-46BB-8B73-A2B2B52571ED}" destId="{47C7E8CA-DDD9-4E4B-8C15-780F69FC386D}" srcOrd="8" destOrd="0" presId="urn:microsoft.com/office/officeart/2018/2/layout/IconVerticalSolidList"/>
+    <dgm:cxn modelId="{0BC30646-1DCA-4488-9472-7087C5464242}" type="presParOf" srcId="{CEAF00B3-D3E6-46BB-8B73-A2B2B52571ED}" destId="{47C7E8CA-DDD9-4E4B-8C15-780F69FC386D}" srcOrd="6" destOrd="0" presId="urn:microsoft.com/office/officeart/2018/2/layout/IconVerticalSolidList"/>
     <dgm:cxn modelId="{7B6DEB47-3011-43A8-8404-6873FEE9B28B}" type="presParOf" srcId="{47C7E8CA-DDD9-4E4B-8C15-780F69FC386D}" destId="{F35337BC-F527-462D-8C7B-D5156CC5566B}" srcOrd="0" destOrd="0" presId="urn:microsoft.com/office/officeart/2018/2/layout/IconVerticalSolidList"/>
     <dgm:cxn modelId="{74403F55-1D1F-434A-9A2E-AA4B0374E1C1}" type="presParOf" srcId="{47C7E8CA-DDD9-4E4B-8C15-780F69FC386D}" destId="{5F96A7EE-9FE9-46CA-B508-5C3329C9FA75}" srcOrd="1" destOrd="0" presId="urn:microsoft.com/office/officeart/2018/2/layout/IconVerticalSolidList"/>
     <dgm:cxn modelId="{B6E9A9E5-E765-48EB-8842-297FD412D10E}" type="presParOf" srcId="{47C7E8CA-DDD9-4E4B-8C15-780F69FC386D}" destId="{B74A0ECA-7752-4474-A8AD-B6ABFDDE3C2B}" srcOrd="2" destOrd="0" presId="urn:microsoft.com/office/officeart/2018/2/layout/IconVerticalSolidList"/>
     <dgm:cxn modelId="{123A25E1-2BEE-4778-9E00-97C99D13491E}" type="presParOf" srcId="{47C7E8CA-DDD9-4E4B-8C15-780F69FC386D}" destId="{0F84CDF7-296D-48CA-9E1D-37C67EADBC9A}" srcOrd="3" destOrd="0" presId="urn:microsoft.com/office/officeart/2018/2/layout/IconVerticalSolidList"/>
-    <dgm:cxn modelId="{2AF18CA3-1534-438F-B75F-C90D854D2FC2}" type="presParOf" srcId="{CEAF00B3-D3E6-46BB-8B73-A2B2B52571ED}" destId="{4E942D46-B114-4D7B-B8BA-B5D468A72F77}" srcOrd="9" destOrd="0" presId="urn:microsoft.com/office/officeart/2018/2/layout/IconVerticalSolidList"/>
-    <dgm:cxn modelId="{A94A60B5-6043-46AD-B9A5-2734E02233F1}" type="presParOf" srcId="{CEAF00B3-D3E6-46BB-8B73-A2B2B52571ED}" destId="{0BC0F924-54DF-4B0C-AC75-A47D71F07C69}" srcOrd="10" destOrd="0" presId="urn:microsoft.com/office/officeart/2018/2/layout/IconVerticalSolidList"/>
+    <dgm:cxn modelId="{2AF18CA3-1534-438F-B75F-C90D854D2FC2}" type="presParOf" srcId="{CEAF00B3-D3E6-46BB-8B73-A2B2B52571ED}" destId="{4E942D46-B114-4D7B-B8BA-B5D468A72F77}" srcOrd="7" destOrd="0" presId="urn:microsoft.com/office/officeart/2018/2/layout/IconVerticalSolidList"/>
+    <dgm:cxn modelId="{A94A60B5-6043-46AD-B9A5-2734E02233F1}" type="presParOf" srcId="{CEAF00B3-D3E6-46BB-8B73-A2B2B52571ED}" destId="{0BC0F924-54DF-4B0C-AC75-A47D71F07C69}" srcOrd="8" destOrd="0" presId="urn:microsoft.com/office/officeart/2018/2/layout/IconVerticalSolidList"/>
     <dgm:cxn modelId="{906D8C30-890F-48BF-AEC2-9D58C4685622}" type="presParOf" srcId="{0BC0F924-54DF-4B0C-AC75-A47D71F07C69}" destId="{2AC147EE-E589-4714-8167-719BDC87EF32}" srcOrd="0" destOrd="0" presId="urn:microsoft.com/office/officeart/2018/2/layout/IconVerticalSolidList"/>
     <dgm:cxn modelId="{5DC68F72-1003-4FA8-A0D9-F0FCB5DF9EB8}" type="presParOf" srcId="{0BC0F924-54DF-4B0C-AC75-A47D71F07C69}" destId="{0991F44A-4A48-40A3-B795-ACD691E1A778}" srcOrd="1" destOrd="0" presId="urn:microsoft.com/office/officeart/2018/2/layout/IconVerticalSolidList"/>
     <dgm:cxn modelId="{58544753-9C65-4766-8F73-65E641F14316}" type="presParOf" srcId="{0BC0F924-54DF-4B0C-AC75-A47D71F07C69}" destId="{6351E4E0-FF29-4F37-A841-8EE2EEEE7596}" srcOrd="2" destOrd="0" presId="urn:microsoft.com/office/officeart/2018/2/layout/IconVerticalSolidList"/>
     <dgm:cxn modelId="{3E21871D-B24B-4CD9-9A8A-0BFDABA609A7}" type="presParOf" srcId="{0BC0F924-54DF-4B0C-AC75-A47D71F07C69}" destId="{690A18B3-94D7-4BA0-8D76-4641BC204EAB}" srcOrd="3" destOrd="0" presId="urn:microsoft.com/office/officeart/2018/2/layout/IconVerticalSolidList"/>
-    <dgm:cxn modelId="{C1C9B370-2B7F-436F-B8AB-DD409D49956B}" type="presParOf" srcId="{CEAF00B3-D3E6-46BB-8B73-A2B2B52571ED}" destId="{6473787F-65D9-4E49-B11B-067223C2494B}" srcOrd="11" destOrd="0" presId="urn:microsoft.com/office/officeart/2018/2/layout/IconVerticalSolidList"/>
-    <dgm:cxn modelId="{7275202E-BB3E-4379-84AE-0229EE6B60C0}" type="presParOf" srcId="{CEAF00B3-D3E6-46BB-8B73-A2B2B52571ED}" destId="{60AA0BBD-EB93-42CE-9E6D-D241F4C65657}" srcOrd="12" destOrd="0" presId="urn:microsoft.com/office/officeart/2018/2/layout/IconVerticalSolidList"/>
+    <dgm:cxn modelId="{C1C9B370-2B7F-436F-B8AB-DD409D49956B}" type="presParOf" srcId="{CEAF00B3-D3E6-46BB-8B73-A2B2B52571ED}" destId="{6473787F-65D9-4E49-B11B-067223C2494B}" srcOrd="9" destOrd="0" presId="urn:microsoft.com/office/officeart/2018/2/layout/IconVerticalSolidList"/>
+    <dgm:cxn modelId="{7275202E-BB3E-4379-84AE-0229EE6B60C0}" type="presParOf" srcId="{CEAF00B3-D3E6-46BB-8B73-A2B2B52571ED}" destId="{60AA0BBD-EB93-42CE-9E6D-D241F4C65657}" srcOrd="10" destOrd="0" presId="urn:microsoft.com/office/officeart/2018/2/layout/IconVerticalSolidList"/>
     <dgm:cxn modelId="{EBCD65A5-A4AA-4A82-BDBB-87907FCD6342}" type="presParOf" srcId="{60AA0BBD-EB93-42CE-9E6D-D241F4C65657}" destId="{4D2E6744-CD7A-41AC-A3E9-E6C16469C8EE}" srcOrd="0" destOrd="0" presId="urn:microsoft.com/office/officeart/2018/2/layout/IconVerticalSolidList"/>
     <dgm:cxn modelId="{D014F4F1-A7F7-4EBA-BA31-C5F9318E1F30}" type="presParOf" srcId="{60AA0BBD-EB93-42CE-9E6D-D241F4C65657}" destId="{784C5D8D-5686-492B-BC01-B536E2A4C7C7}" srcOrd="1" destOrd="0" presId="urn:microsoft.com/office/officeart/2018/2/layout/IconVerticalSolidList"/>
     <dgm:cxn modelId="{41EFA96E-CAB2-4CA5-B4B3-37E3432E8396}" type="presParOf" srcId="{60AA0BBD-EB93-42CE-9E6D-D241F4C65657}" destId="{1A4F4124-087B-432F-A9A9-4EE3C4C3F27F}" srcOrd="2" destOrd="0" presId="urn:microsoft.com/office/officeart/2018/2/layout/IconVerticalSolidList"/>
     <dgm:cxn modelId="{4166AFC5-D31B-4D8C-BD4D-057D9367DB0A}" type="presParOf" srcId="{60AA0BBD-EB93-42CE-9E6D-D241F4C65657}" destId="{78D98252-44C3-4E27-B239-16811656A7E2}" srcOrd="3" destOrd="0" presId="urn:microsoft.com/office/officeart/2018/2/layout/IconVerticalSolidList"/>
-    <dgm:cxn modelId="{2288E963-3B3D-4571-BF65-3BDA9EA18BEE}" type="presParOf" srcId="{CEAF00B3-D3E6-46BB-8B73-A2B2B52571ED}" destId="{D2965E61-9025-432C-9463-F9FE8C16802E}" srcOrd="13" destOrd="0" presId="urn:microsoft.com/office/officeart/2018/2/layout/IconVerticalSolidList"/>
-    <dgm:cxn modelId="{3B8183F0-FA35-418D-9ED3-430B5E194CE3}" type="presParOf" srcId="{CEAF00B3-D3E6-46BB-8B73-A2B2B52571ED}" destId="{BEDD0D39-6810-434A-AE9A-337B63FC6030}" srcOrd="14" destOrd="0" presId="urn:microsoft.com/office/officeart/2018/2/layout/IconVerticalSolidList"/>
+    <dgm:cxn modelId="{2288E963-3B3D-4571-BF65-3BDA9EA18BEE}" type="presParOf" srcId="{CEAF00B3-D3E6-46BB-8B73-A2B2B52571ED}" destId="{D2965E61-9025-432C-9463-F9FE8C16802E}" srcOrd="11" destOrd="0" presId="urn:microsoft.com/office/officeart/2018/2/layout/IconVerticalSolidList"/>
+    <dgm:cxn modelId="{3B8183F0-FA35-418D-9ED3-430B5E194CE3}" type="presParOf" srcId="{CEAF00B3-D3E6-46BB-8B73-A2B2B52571ED}" destId="{BEDD0D39-6810-434A-AE9A-337B63FC6030}" srcOrd="12" destOrd="0" presId="urn:microsoft.com/office/officeart/2018/2/layout/IconVerticalSolidList"/>
     <dgm:cxn modelId="{47D8622B-8115-4018-A176-D35465A2F51D}" type="presParOf" srcId="{BEDD0D39-6810-434A-AE9A-337B63FC6030}" destId="{B11BA78A-5601-40BE-9876-619E20563CFE}" srcOrd="0" destOrd="0" presId="urn:microsoft.com/office/officeart/2018/2/layout/IconVerticalSolidList"/>
     <dgm:cxn modelId="{F9F5AFD4-3686-4A13-9A46-68A6620B02AE}" type="presParOf" srcId="{BEDD0D39-6810-434A-AE9A-337B63FC6030}" destId="{72CC751D-A9E6-41CB-814C-23A2631F3146}" srcOrd="1" destOrd="0" presId="urn:microsoft.com/office/officeart/2018/2/layout/IconVerticalSolidList"/>
     <dgm:cxn modelId="{E8582BF5-5A00-4471-83B7-EEC52A855191}" type="presParOf" srcId="{BEDD0D39-6810-434A-AE9A-337B63FC6030}" destId="{9DB33EF7-6ABD-4C82-949F-B0D11A243BB8}" srcOrd="2" destOrd="0" presId="urn:microsoft.com/office/officeart/2018/2/layout/IconVerticalSolidList"/>
@@ -3887,7 +2993,7 @@
                 <a14:useLocalDpi xmlns:a14="http://schemas.microsoft.com/office/drawing/2010/main" val="0"/>
               </a:ext>
               <a:ext uri="{96DAC541-7B7A-43D3-8B79-37D633B846F1}">
-                <asvg:svgBlip xmlns:asvg="http://schemas.microsoft.com/office/drawing/2016/SVG/main" xmlns="" r:embed="rId2"/>
+                <asvg:svgBlip xmlns="" xmlns:asvg="http://schemas.microsoft.com/office/drawing/2016/SVG/main" r:embed="rId2"/>
               </a:ext>
             </a:extLst>
           </a:blip>
@@ -3954,7 +3060,7 @@
                 <a14:useLocalDpi xmlns:a14="http://schemas.microsoft.com/office/drawing/2010/main" val="0"/>
               </a:ext>
               <a:ext uri="{96DAC541-7B7A-43D3-8B79-37D633B846F1}">
-                <asvg:svgBlip xmlns:asvg="http://schemas.microsoft.com/office/drawing/2016/SVG/main" xmlns="" r:embed="rId4"/>
+                <asvg:svgBlip xmlns="" xmlns:asvg="http://schemas.microsoft.com/office/drawing/2016/SVG/main" r:embed="rId4"/>
               </a:ext>
             </a:extLst>
           </a:blip>
@@ -4021,7 +3127,7 @@
                 <a14:useLocalDpi xmlns:a14="http://schemas.microsoft.com/office/drawing/2010/main" val="0"/>
               </a:ext>
               <a:ext uri="{96DAC541-7B7A-43D3-8B79-37D633B846F1}">
-                <asvg:svgBlip xmlns:asvg="http://schemas.microsoft.com/office/drawing/2016/SVG/main" xmlns="" r:embed="rId6"/>
+                <asvg:svgBlip xmlns="" xmlns:asvg="http://schemas.microsoft.com/office/drawing/2016/SVG/main" r:embed="rId6"/>
               </a:ext>
             </a:extLst>
           </a:blip>
@@ -4088,7 +3194,7 @@
                 <a14:useLocalDpi xmlns:a14="http://schemas.microsoft.com/office/drawing/2010/main" val="0"/>
               </a:ext>
               <a:ext uri="{96DAC541-7B7A-43D3-8B79-37D633B846F1}">
-                <asvg:svgBlip xmlns:asvg="http://schemas.microsoft.com/office/drawing/2016/SVG/main" xmlns="" r:embed="rId8"/>
+                <asvg:svgBlip xmlns="" xmlns:asvg="http://schemas.microsoft.com/office/drawing/2016/SVG/main" r:embed="rId8"/>
               </a:ext>
             </a:extLst>
           </a:blip>
@@ -4178,308 +3284,6 @@
 </dgm:dataModel>
 </file>
 
-<file path=ppt/diagrams/data3.xml><?xml version="1.0" encoding="utf-8"?>
-<dgm:dataModel xmlns:dgm="http://schemas.openxmlformats.org/drawingml/2006/diagram" xmlns:a="http://schemas.openxmlformats.org/drawingml/2006/main">
-  <dgm:ptLst>
-    <dgm:pt modelId="{6CC8AEFD-177B-4730-808F-07B0A29C6E5F}" type="doc">
-      <dgm:prSet loTypeId="urn:microsoft.com/office/officeart/2005/8/layout/vProcess5" loCatId="process" qsTypeId="urn:microsoft.com/office/officeart/2005/8/quickstyle/simple1" qsCatId="simple" csTypeId="urn:microsoft.com/office/officeart/2005/8/colors/colorful2" csCatId="colorful"/>
-      <dgm:spPr/>
-      <dgm:t>
-        <a:bodyPr/>
-        <a:lstStyle/>
-        <a:p>
-          <a:endParaRPr lang="en-US"/>
-        </a:p>
-      </dgm:t>
-    </dgm:pt>
-    <dgm:pt modelId="{08CC87B6-A235-4E9C-AAF8-6B8D6465C9CA}">
-      <dgm:prSet/>
-      <dgm:spPr/>
-      <dgm:t>
-        <a:bodyPr/>
-        <a:lstStyle/>
-        <a:p>
-          <a:r>
-            <a:rPr lang="fr-CH"/>
-            <a:t>Installation du framework</a:t>
-          </a:r>
-          <a:endParaRPr lang="en-US"/>
-        </a:p>
-      </dgm:t>
-    </dgm:pt>
-    <dgm:pt modelId="{621E3CFD-DFCB-4510-9BFE-8A5B0522CF28}" type="parTrans" cxnId="{4367318D-EDC9-47D7-A18C-423CF4F10EF2}">
-      <dgm:prSet/>
-      <dgm:spPr/>
-      <dgm:t>
-        <a:bodyPr/>
-        <a:lstStyle/>
-        <a:p>
-          <a:endParaRPr lang="en-US"/>
-        </a:p>
-      </dgm:t>
-    </dgm:pt>
-    <dgm:pt modelId="{1BDD2D3B-1AC9-4673-9582-FC00A3E4D2E3}" type="sibTrans" cxnId="{4367318D-EDC9-47D7-A18C-423CF4F10EF2}">
-      <dgm:prSet/>
-      <dgm:spPr/>
-      <dgm:t>
-        <a:bodyPr/>
-        <a:lstStyle/>
-        <a:p>
-          <a:endParaRPr lang="en-US"/>
-        </a:p>
-      </dgm:t>
-    </dgm:pt>
-    <dgm:pt modelId="{04A2AAFC-1F00-4E40-8178-1A02E80B82F8}">
-      <dgm:prSet/>
-      <dgm:spPr/>
-      <dgm:t>
-        <a:bodyPr/>
-        <a:lstStyle/>
-        <a:p>
-          <a:r>
-            <a:rPr lang="fr-CH" dirty="0"/>
-            <a:t>Validation des composants propres à Android Studio</a:t>
-          </a:r>
-          <a:endParaRPr lang="en-US" dirty="0"/>
-        </a:p>
-      </dgm:t>
-    </dgm:pt>
-    <dgm:pt modelId="{ABCD66D6-B14D-45CA-AE34-968058D7DA13}" type="parTrans" cxnId="{F93770BF-5815-49E5-9FB5-AB3A46DEB27E}">
-      <dgm:prSet/>
-      <dgm:spPr/>
-      <dgm:t>
-        <a:bodyPr/>
-        <a:lstStyle/>
-        <a:p>
-          <a:endParaRPr lang="en-US"/>
-        </a:p>
-      </dgm:t>
-    </dgm:pt>
-    <dgm:pt modelId="{BA933D3C-0F2C-4C56-93B6-B2A7BFA75C22}" type="sibTrans" cxnId="{F93770BF-5815-49E5-9FB5-AB3A46DEB27E}">
-      <dgm:prSet/>
-      <dgm:spPr/>
-      <dgm:t>
-        <a:bodyPr/>
-        <a:lstStyle/>
-        <a:p>
-          <a:endParaRPr lang="en-US"/>
-        </a:p>
-      </dgm:t>
-    </dgm:pt>
-    <dgm:pt modelId="{4FD74D1E-ABFF-4C05-A6C2-DBDC7460618B}">
-      <dgm:prSet/>
-      <dgm:spPr/>
-      <dgm:t>
-        <a:bodyPr/>
-        <a:lstStyle/>
-        <a:p>
-          <a:r>
-            <a:rPr lang="fr-CH"/>
-            <a:t>Création de l’émulateur</a:t>
-          </a:r>
-          <a:endParaRPr lang="en-US"/>
-        </a:p>
-      </dgm:t>
-    </dgm:pt>
-    <dgm:pt modelId="{AB52C8E6-5EFC-4E5D-B65B-996062E895D2}" type="parTrans" cxnId="{2BCA65A3-BDC8-4700-9C97-40FEF9F9E103}">
-      <dgm:prSet/>
-      <dgm:spPr/>
-      <dgm:t>
-        <a:bodyPr/>
-        <a:lstStyle/>
-        <a:p>
-          <a:endParaRPr lang="en-US"/>
-        </a:p>
-      </dgm:t>
-    </dgm:pt>
-    <dgm:pt modelId="{08BC65A2-DE0E-4AD2-987C-28CFCA8EE2AE}" type="sibTrans" cxnId="{2BCA65A3-BDC8-4700-9C97-40FEF9F9E103}">
-      <dgm:prSet/>
-      <dgm:spPr/>
-      <dgm:t>
-        <a:bodyPr/>
-        <a:lstStyle/>
-        <a:p>
-          <a:endParaRPr lang="en-US"/>
-        </a:p>
-      </dgm:t>
-    </dgm:pt>
-    <dgm:pt modelId="{F087323D-6912-4F52-B6C2-42DDECA77AAE}" type="pres">
-      <dgm:prSet presAssocID="{6CC8AEFD-177B-4730-808F-07B0A29C6E5F}" presName="outerComposite" presStyleCnt="0">
-        <dgm:presLayoutVars>
-          <dgm:chMax val="5"/>
-          <dgm:dir/>
-          <dgm:resizeHandles val="exact"/>
-        </dgm:presLayoutVars>
-      </dgm:prSet>
-      <dgm:spPr/>
-      <dgm:t>
-        <a:bodyPr/>
-        <a:lstStyle/>
-        <a:p>
-          <a:endParaRPr lang="fr-FR"/>
-        </a:p>
-      </dgm:t>
-    </dgm:pt>
-    <dgm:pt modelId="{DB5C5B7E-2EB0-463D-80E8-C78B4164943E}" type="pres">
-      <dgm:prSet presAssocID="{6CC8AEFD-177B-4730-808F-07B0A29C6E5F}" presName="dummyMaxCanvas" presStyleCnt="0">
-        <dgm:presLayoutVars/>
-      </dgm:prSet>
-      <dgm:spPr/>
-    </dgm:pt>
-    <dgm:pt modelId="{7FD6240B-A558-42B4-AFC4-568ECB3F5353}" type="pres">
-      <dgm:prSet presAssocID="{6CC8AEFD-177B-4730-808F-07B0A29C6E5F}" presName="ThreeNodes_1" presStyleLbl="node1" presStyleIdx="0" presStyleCnt="3">
-        <dgm:presLayoutVars>
-          <dgm:bulletEnabled val="1"/>
-        </dgm:presLayoutVars>
-      </dgm:prSet>
-      <dgm:spPr/>
-      <dgm:t>
-        <a:bodyPr/>
-        <a:lstStyle/>
-        <a:p>
-          <a:endParaRPr lang="fr-FR"/>
-        </a:p>
-      </dgm:t>
-    </dgm:pt>
-    <dgm:pt modelId="{0FF40E79-120E-496A-A190-8B41FDAF7CDF}" type="pres">
-      <dgm:prSet presAssocID="{6CC8AEFD-177B-4730-808F-07B0A29C6E5F}" presName="ThreeNodes_2" presStyleLbl="node1" presStyleIdx="1" presStyleCnt="3">
-        <dgm:presLayoutVars>
-          <dgm:bulletEnabled val="1"/>
-        </dgm:presLayoutVars>
-      </dgm:prSet>
-      <dgm:spPr/>
-      <dgm:t>
-        <a:bodyPr/>
-        <a:lstStyle/>
-        <a:p>
-          <a:endParaRPr lang="fr-FR"/>
-        </a:p>
-      </dgm:t>
-    </dgm:pt>
-    <dgm:pt modelId="{3504BC47-EA0E-40EA-92DD-3714799068DC}" type="pres">
-      <dgm:prSet presAssocID="{6CC8AEFD-177B-4730-808F-07B0A29C6E5F}" presName="ThreeNodes_3" presStyleLbl="node1" presStyleIdx="2" presStyleCnt="3">
-        <dgm:presLayoutVars>
-          <dgm:bulletEnabled val="1"/>
-        </dgm:presLayoutVars>
-      </dgm:prSet>
-      <dgm:spPr/>
-      <dgm:t>
-        <a:bodyPr/>
-        <a:lstStyle/>
-        <a:p>
-          <a:endParaRPr lang="fr-FR"/>
-        </a:p>
-      </dgm:t>
-    </dgm:pt>
-    <dgm:pt modelId="{3104EB2D-CAE3-40F4-B46F-20A298AA9F48}" type="pres">
-      <dgm:prSet presAssocID="{6CC8AEFD-177B-4730-808F-07B0A29C6E5F}" presName="ThreeConn_1-2" presStyleLbl="fgAccFollowNode1" presStyleIdx="0" presStyleCnt="2">
-        <dgm:presLayoutVars>
-          <dgm:bulletEnabled val="1"/>
-        </dgm:presLayoutVars>
-      </dgm:prSet>
-      <dgm:spPr/>
-      <dgm:t>
-        <a:bodyPr/>
-        <a:lstStyle/>
-        <a:p>
-          <a:endParaRPr lang="fr-FR"/>
-        </a:p>
-      </dgm:t>
-    </dgm:pt>
-    <dgm:pt modelId="{32E35066-B955-4D93-A1B7-954FCED7C604}" type="pres">
-      <dgm:prSet presAssocID="{6CC8AEFD-177B-4730-808F-07B0A29C6E5F}" presName="ThreeConn_2-3" presStyleLbl="fgAccFollowNode1" presStyleIdx="1" presStyleCnt="2">
-        <dgm:presLayoutVars>
-          <dgm:bulletEnabled val="1"/>
-        </dgm:presLayoutVars>
-      </dgm:prSet>
-      <dgm:spPr/>
-      <dgm:t>
-        <a:bodyPr/>
-        <a:lstStyle/>
-        <a:p>
-          <a:endParaRPr lang="fr-FR"/>
-        </a:p>
-      </dgm:t>
-    </dgm:pt>
-    <dgm:pt modelId="{C3C17F25-5D92-4055-B296-7A573B8A16DE}" type="pres">
-      <dgm:prSet presAssocID="{6CC8AEFD-177B-4730-808F-07B0A29C6E5F}" presName="ThreeNodes_1_text" presStyleLbl="node1" presStyleIdx="2" presStyleCnt="3">
-        <dgm:presLayoutVars>
-          <dgm:bulletEnabled val="1"/>
-        </dgm:presLayoutVars>
-      </dgm:prSet>
-      <dgm:spPr/>
-      <dgm:t>
-        <a:bodyPr/>
-        <a:lstStyle/>
-        <a:p>
-          <a:endParaRPr lang="fr-FR"/>
-        </a:p>
-      </dgm:t>
-    </dgm:pt>
-    <dgm:pt modelId="{D0F8D16E-82A7-4CFC-89CC-21854460BDB4}" type="pres">
-      <dgm:prSet presAssocID="{6CC8AEFD-177B-4730-808F-07B0A29C6E5F}" presName="ThreeNodes_2_text" presStyleLbl="node1" presStyleIdx="2" presStyleCnt="3">
-        <dgm:presLayoutVars>
-          <dgm:bulletEnabled val="1"/>
-        </dgm:presLayoutVars>
-      </dgm:prSet>
-      <dgm:spPr/>
-      <dgm:t>
-        <a:bodyPr/>
-        <a:lstStyle/>
-        <a:p>
-          <a:endParaRPr lang="fr-FR"/>
-        </a:p>
-      </dgm:t>
-    </dgm:pt>
-    <dgm:pt modelId="{950CACE8-C211-4B33-99A1-00631FA53249}" type="pres">
-      <dgm:prSet presAssocID="{6CC8AEFD-177B-4730-808F-07B0A29C6E5F}" presName="ThreeNodes_3_text" presStyleLbl="node1" presStyleIdx="2" presStyleCnt="3">
-        <dgm:presLayoutVars>
-          <dgm:bulletEnabled val="1"/>
-        </dgm:presLayoutVars>
-      </dgm:prSet>
-      <dgm:spPr/>
-      <dgm:t>
-        <a:bodyPr/>
-        <a:lstStyle/>
-        <a:p>
-          <a:endParaRPr lang="fr-FR"/>
-        </a:p>
-      </dgm:t>
-    </dgm:pt>
-  </dgm:ptLst>
-  <dgm:cxnLst>
-    <dgm:cxn modelId="{2BCA65A3-BDC8-4700-9C97-40FEF9F9E103}" srcId="{6CC8AEFD-177B-4730-808F-07B0A29C6E5F}" destId="{4FD74D1E-ABFF-4C05-A6C2-DBDC7460618B}" srcOrd="2" destOrd="0" parTransId="{AB52C8E6-5EFC-4E5D-B65B-996062E895D2}" sibTransId="{08BC65A2-DE0E-4AD2-987C-28CFCA8EE2AE}"/>
-    <dgm:cxn modelId="{0292964E-EC3D-4E00-88B2-B02F41BAAAC8}" type="presOf" srcId="{08CC87B6-A235-4E9C-AAF8-6B8D6465C9CA}" destId="{7FD6240B-A558-42B4-AFC4-568ECB3F5353}" srcOrd="0" destOrd="0" presId="urn:microsoft.com/office/officeart/2005/8/layout/vProcess5"/>
-    <dgm:cxn modelId="{72CD9462-0157-4799-A8B5-F8214A6468FE}" type="presOf" srcId="{04A2AAFC-1F00-4E40-8178-1A02E80B82F8}" destId="{0FF40E79-120E-496A-A190-8B41FDAF7CDF}" srcOrd="0" destOrd="0" presId="urn:microsoft.com/office/officeart/2005/8/layout/vProcess5"/>
-    <dgm:cxn modelId="{4367318D-EDC9-47D7-A18C-423CF4F10EF2}" srcId="{6CC8AEFD-177B-4730-808F-07B0A29C6E5F}" destId="{08CC87B6-A235-4E9C-AAF8-6B8D6465C9CA}" srcOrd="0" destOrd="0" parTransId="{621E3CFD-DFCB-4510-9BFE-8A5B0522CF28}" sibTransId="{1BDD2D3B-1AC9-4673-9582-FC00A3E4D2E3}"/>
-    <dgm:cxn modelId="{8E721BC7-0242-4D67-A7D4-7F6DCC4661D8}" type="presOf" srcId="{04A2AAFC-1F00-4E40-8178-1A02E80B82F8}" destId="{D0F8D16E-82A7-4CFC-89CC-21854460BDB4}" srcOrd="1" destOrd="0" presId="urn:microsoft.com/office/officeart/2005/8/layout/vProcess5"/>
-    <dgm:cxn modelId="{F93770BF-5815-49E5-9FB5-AB3A46DEB27E}" srcId="{6CC8AEFD-177B-4730-808F-07B0A29C6E5F}" destId="{04A2AAFC-1F00-4E40-8178-1A02E80B82F8}" srcOrd="1" destOrd="0" parTransId="{ABCD66D6-B14D-45CA-AE34-968058D7DA13}" sibTransId="{BA933D3C-0F2C-4C56-93B6-B2A7BFA75C22}"/>
-    <dgm:cxn modelId="{926CF849-F0E4-4823-BCA9-D5782A0CB4B3}" type="presOf" srcId="{4FD74D1E-ABFF-4C05-A6C2-DBDC7460618B}" destId="{950CACE8-C211-4B33-99A1-00631FA53249}" srcOrd="1" destOrd="0" presId="urn:microsoft.com/office/officeart/2005/8/layout/vProcess5"/>
-    <dgm:cxn modelId="{6FC1DC11-2376-40A8-8E1C-3015F85B7B25}" type="presOf" srcId="{08CC87B6-A235-4E9C-AAF8-6B8D6465C9CA}" destId="{C3C17F25-5D92-4055-B296-7A573B8A16DE}" srcOrd="1" destOrd="0" presId="urn:microsoft.com/office/officeart/2005/8/layout/vProcess5"/>
-    <dgm:cxn modelId="{1F82B683-A984-4A3C-A3A1-CE6B65DE699E}" type="presOf" srcId="{4FD74D1E-ABFF-4C05-A6C2-DBDC7460618B}" destId="{3504BC47-EA0E-40EA-92DD-3714799068DC}" srcOrd="0" destOrd="0" presId="urn:microsoft.com/office/officeart/2005/8/layout/vProcess5"/>
-    <dgm:cxn modelId="{6696DBFE-78E0-4A68-878E-0936FCE9D8A5}" type="presOf" srcId="{1BDD2D3B-1AC9-4673-9582-FC00A3E4D2E3}" destId="{3104EB2D-CAE3-40F4-B46F-20A298AA9F48}" srcOrd="0" destOrd="0" presId="urn:microsoft.com/office/officeart/2005/8/layout/vProcess5"/>
-    <dgm:cxn modelId="{F514DCD7-279F-4231-A6AE-A7B0453CCB90}" type="presOf" srcId="{6CC8AEFD-177B-4730-808F-07B0A29C6E5F}" destId="{F087323D-6912-4F52-B6C2-42DDECA77AAE}" srcOrd="0" destOrd="0" presId="urn:microsoft.com/office/officeart/2005/8/layout/vProcess5"/>
-    <dgm:cxn modelId="{4F61C052-3486-4730-8C91-B084FF3D1D30}" type="presOf" srcId="{BA933D3C-0F2C-4C56-93B6-B2A7BFA75C22}" destId="{32E35066-B955-4D93-A1B7-954FCED7C604}" srcOrd="0" destOrd="0" presId="urn:microsoft.com/office/officeart/2005/8/layout/vProcess5"/>
-    <dgm:cxn modelId="{081003F1-B352-4A85-A403-2E382D0B2B90}" type="presParOf" srcId="{F087323D-6912-4F52-B6C2-42DDECA77AAE}" destId="{DB5C5B7E-2EB0-463D-80E8-C78B4164943E}" srcOrd="0" destOrd="0" presId="urn:microsoft.com/office/officeart/2005/8/layout/vProcess5"/>
-    <dgm:cxn modelId="{5699E932-5646-4547-BC9D-FB5775FC03FC}" type="presParOf" srcId="{F087323D-6912-4F52-B6C2-42DDECA77AAE}" destId="{7FD6240B-A558-42B4-AFC4-568ECB3F5353}" srcOrd="1" destOrd="0" presId="urn:microsoft.com/office/officeart/2005/8/layout/vProcess5"/>
-    <dgm:cxn modelId="{A114A9B3-736F-4952-8680-91A83AE25E57}" type="presParOf" srcId="{F087323D-6912-4F52-B6C2-42DDECA77AAE}" destId="{0FF40E79-120E-496A-A190-8B41FDAF7CDF}" srcOrd="2" destOrd="0" presId="urn:microsoft.com/office/officeart/2005/8/layout/vProcess5"/>
-    <dgm:cxn modelId="{F563C608-E6C2-40C4-A85A-83B29FC6EAAF}" type="presParOf" srcId="{F087323D-6912-4F52-B6C2-42DDECA77AAE}" destId="{3504BC47-EA0E-40EA-92DD-3714799068DC}" srcOrd="3" destOrd="0" presId="urn:microsoft.com/office/officeart/2005/8/layout/vProcess5"/>
-    <dgm:cxn modelId="{CAF7182D-17E8-4263-A3DF-7A2FB2D0AFBD}" type="presParOf" srcId="{F087323D-6912-4F52-B6C2-42DDECA77AAE}" destId="{3104EB2D-CAE3-40F4-B46F-20A298AA9F48}" srcOrd="4" destOrd="0" presId="urn:microsoft.com/office/officeart/2005/8/layout/vProcess5"/>
-    <dgm:cxn modelId="{F5404349-D3BD-4FAB-88E8-E17C26C94FF6}" type="presParOf" srcId="{F087323D-6912-4F52-B6C2-42DDECA77AAE}" destId="{32E35066-B955-4D93-A1B7-954FCED7C604}" srcOrd="5" destOrd="0" presId="urn:microsoft.com/office/officeart/2005/8/layout/vProcess5"/>
-    <dgm:cxn modelId="{C48C5FC7-0916-4129-96F3-FFE7B8A6ACD5}" type="presParOf" srcId="{F087323D-6912-4F52-B6C2-42DDECA77AAE}" destId="{C3C17F25-5D92-4055-B296-7A573B8A16DE}" srcOrd="6" destOrd="0" presId="urn:microsoft.com/office/officeart/2005/8/layout/vProcess5"/>
-    <dgm:cxn modelId="{DA6D6930-7C4A-47C1-84AB-9118F14F3B33}" type="presParOf" srcId="{F087323D-6912-4F52-B6C2-42DDECA77AAE}" destId="{D0F8D16E-82A7-4CFC-89CC-21854460BDB4}" srcOrd="7" destOrd="0" presId="urn:microsoft.com/office/officeart/2005/8/layout/vProcess5"/>
-    <dgm:cxn modelId="{98DDB387-B037-4EE7-AE03-35980119B4E9}" type="presParOf" srcId="{F087323D-6912-4F52-B6C2-42DDECA77AAE}" destId="{950CACE8-C211-4B33-99A1-00631FA53249}" srcOrd="8" destOrd="0" presId="urn:microsoft.com/office/officeart/2005/8/layout/vProcess5"/>
-  </dgm:cxnLst>
-  <dgm:bg/>
-  <dgm:whole/>
-  <dgm:extLst>
-    <a:ext uri="http://schemas.microsoft.com/office/drawing/2008/diagram">
-      <dsp:dataModelExt xmlns:dsp="http://schemas.microsoft.com/office/drawing/2008/diagram" relId="rId6" minVer="http://schemas.openxmlformats.org/drawingml/2006/diagram"/>
-    </a:ext>
-  </dgm:extLst>
-</dgm:dataModel>
-</file>
-
 <file path=ppt/diagrams/drawing1.xml><?xml version="1.0" encoding="utf-8"?>
 <dsp:drawing xmlns:dgm="http://schemas.openxmlformats.org/drawingml/2006/diagram" xmlns:dsp="http://schemas.microsoft.com/office/drawing/2008/diagram" xmlns:a="http://schemas.openxmlformats.org/drawingml/2006/main">
   <dsp:spTree>
@@ -4495,8 +3299,8 @@
       </dsp:nvSpPr>
       <dsp:spPr>
         <a:xfrm>
-          <a:off x="0" y="499"/>
-          <a:ext cx="9618133" cy="419741"/>
+          <a:off x="0" y="349"/>
+          <a:ext cx="9618133" cy="481503"/>
         </a:xfrm>
         <a:prstGeom prst="roundRect">
           <a:avLst>
@@ -4537,8 +3341,8 @@
       </dsp:nvSpPr>
       <dsp:spPr>
         <a:xfrm>
-          <a:off x="126971" y="94941"/>
-          <a:ext cx="230857" cy="230857"/>
+          <a:off x="145654" y="108688"/>
+          <a:ext cx="264827" cy="264827"/>
         </a:xfrm>
         <a:prstGeom prst="rect">
           <a:avLst/>
@@ -4550,7 +3354,7 @@
                 <a14:useLocalDpi xmlns:a14="http://schemas.microsoft.com/office/drawing/2010/main" val="0"/>
               </a:ext>
               <a:ext uri="{96DAC541-7B7A-43D3-8B79-37D633B846F1}">
-                <asvg:svgBlip xmlns:asvg="http://schemas.microsoft.com/office/drawing/2016/SVG/main" xmlns="" r:embed="rId2"/>
+                <asvg:svgBlip xmlns="" xmlns:asvg="http://schemas.microsoft.com/office/drawing/2016/SVG/main" r:embed="rId2"/>
               </a:ext>
             </a:extLst>
           </a:blip>
@@ -4586,8 +3390,8 @@
       </dsp:nvSpPr>
       <dsp:spPr>
         <a:xfrm>
-          <a:off x="484801" y="499"/>
-          <a:ext cx="9133331" cy="419741"/>
+          <a:off x="556136" y="349"/>
+          <a:ext cx="9061996" cy="481503"/>
         </a:xfrm>
         <a:prstGeom prst="rect">
           <a:avLst/>
@@ -4611,7 +3415,7 @@
         <a:fontRef idx="minor"/>
       </dsp:style>
       <dsp:txBody>
-        <a:bodyPr spcFirstLastPara="0" vert="horz" wrap="square" lIns="44423" tIns="44423" rIns="44423" bIns="44423" numCol="1" spcCol="1270" anchor="ctr" anchorCtr="0">
+        <a:bodyPr spcFirstLastPara="0" vert="horz" wrap="square" lIns="50959" tIns="50959" rIns="50959" bIns="50959" numCol="1" spcCol="1270" anchor="ctr" anchorCtr="0">
           <a:noAutofit/>
         </a:bodyPr>
         <a:lstStyle/>
@@ -4635,8 +3439,8 @@
         </a:p>
       </dsp:txBody>
       <dsp:txXfrm>
-        <a:off x="484801" y="499"/>
-        <a:ext cx="9133331" cy="419741"/>
+        <a:off x="556136" y="349"/>
+        <a:ext cx="9061996" cy="481503"/>
       </dsp:txXfrm>
     </dsp:sp>
     <dsp:sp modelId="{956D8236-70F1-47AA-A8C2-2FEADC7ADE2A}">
@@ -4646,8 +3450,8 @@
       </dsp:nvSpPr>
       <dsp:spPr>
         <a:xfrm>
-          <a:off x="0" y="525176"/>
-          <a:ext cx="9618133" cy="419741"/>
+          <a:off x="0" y="602229"/>
+          <a:ext cx="9618133" cy="481503"/>
         </a:xfrm>
         <a:prstGeom prst="roundRect">
           <a:avLst>
@@ -4688,8 +3492,8 @@
       </dsp:nvSpPr>
       <dsp:spPr>
         <a:xfrm>
-          <a:off x="126971" y="619618"/>
-          <a:ext cx="230857" cy="230857"/>
+          <a:off x="145654" y="710567"/>
+          <a:ext cx="264827" cy="264827"/>
         </a:xfrm>
         <a:prstGeom prst="rect">
           <a:avLst/>
@@ -4701,7 +3505,7 @@
                 <a14:useLocalDpi xmlns:a14="http://schemas.microsoft.com/office/drawing/2010/main" val="0"/>
               </a:ext>
               <a:ext uri="{96DAC541-7B7A-43D3-8B79-37D633B846F1}">
-                <asvg:svgBlip xmlns:asvg="http://schemas.microsoft.com/office/drawing/2016/SVG/main" xmlns="" r:embed="rId4"/>
+                <asvg:svgBlip xmlns="" xmlns:asvg="http://schemas.microsoft.com/office/drawing/2016/SVG/main" r:embed="rId4"/>
               </a:ext>
             </a:extLst>
           </a:blip>
@@ -4737,8 +3541,8 @@
       </dsp:nvSpPr>
       <dsp:spPr>
         <a:xfrm>
-          <a:off x="484801" y="525176"/>
-          <a:ext cx="9133331" cy="419741"/>
+          <a:off x="556136" y="602229"/>
+          <a:ext cx="9061996" cy="481503"/>
         </a:xfrm>
         <a:prstGeom prst="rect">
           <a:avLst/>
@@ -4762,7 +3566,7 @@
         <a:fontRef idx="minor"/>
       </dsp:style>
       <dsp:txBody>
-        <a:bodyPr spcFirstLastPara="0" vert="horz" wrap="square" lIns="44423" tIns="44423" rIns="44423" bIns="44423" numCol="1" spcCol="1270" anchor="ctr" anchorCtr="0">
+        <a:bodyPr spcFirstLastPara="0" vert="horz" wrap="square" lIns="50959" tIns="50959" rIns="50959" bIns="50959" numCol="1" spcCol="1270" anchor="ctr" anchorCtr="0">
           <a:noAutofit/>
         </a:bodyPr>
         <a:lstStyle/>
@@ -4786,8 +3590,8 @@
         </a:p>
       </dsp:txBody>
       <dsp:txXfrm>
-        <a:off x="484801" y="525176"/>
-        <a:ext cx="9133331" cy="419741"/>
+        <a:off x="556136" y="602229"/>
+        <a:ext cx="9061996" cy="481503"/>
       </dsp:txXfrm>
     </dsp:sp>
     <dsp:sp modelId="{1D174C44-CF5A-49C5-A433-15AE74559D15}">
@@ -4797,8 +3601,8 @@
       </dsp:nvSpPr>
       <dsp:spPr>
         <a:xfrm>
-          <a:off x="0" y="1049854"/>
-          <a:ext cx="9618133" cy="419741"/>
+          <a:off x="0" y="1204109"/>
+          <a:ext cx="9618133" cy="481503"/>
         </a:xfrm>
         <a:prstGeom prst="roundRect">
           <a:avLst>
@@ -4839,8 +3643,8 @@
       </dsp:nvSpPr>
       <dsp:spPr>
         <a:xfrm>
-          <a:off x="126971" y="1144296"/>
-          <a:ext cx="230857" cy="230857"/>
+          <a:off x="145654" y="1312447"/>
+          <a:ext cx="264827" cy="264827"/>
         </a:xfrm>
         <a:prstGeom prst="rect">
           <a:avLst/>
@@ -4852,7 +3656,7 @@
                 <a14:useLocalDpi xmlns:a14="http://schemas.microsoft.com/office/drawing/2010/main" val="0"/>
               </a:ext>
               <a:ext uri="{96DAC541-7B7A-43D3-8B79-37D633B846F1}">
-                <asvg:svgBlip xmlns:asvg="http://schemas.microsoft.com/office/drawing/2016/SVG/main" xmlns="" r:embed="rId6"/>
+                <asvg:svgBlip xmlns="" xmlns:asvg="http://schemas.microsoft.com/office/drawing/2016/SVG/main" r:embed="rId6"/>
               </a:ext>
             </a:extLst>
           </a:blip>
@@ -4888,8 +3692,8 @@
       </dsp:nvSpPr>
       <dsp:spPr>
         <a:xfrm>
-          <a:off x="484801" y="1049854"/>
-          <a:ext cx="9133331" cy="419741"/>
+          <a:off x="556136" y="1204109"/>
+          <a:ext cx="9061996" cy="481503"/>
         </a:xfrm>
         <a:prstGeom prst="rect">
           <a:avLst/>
@@ -4913,7 +3717,7 @@
         <a:fontRef idx="minor"/>
       </dsp:style>
       <dsp:txBody>
-        <a:bodyPr spcFirstLastPara="0" vert="horz" wrap="square" lIns="44423" tIns="44423" rIns="44423" bIns="44423" numCol="1" spcCol="1270" anchor="ctr" anchorCtr="0">
+        <a:bodyPr spcFirstLastPara="0" vert="horz" wrap="square" lIns="50959" tIns="50959" rIns="50959" bIns="50959" numCol="1" spcCol="1270" anchor="ctr" anchorCtr="0">
           <a:noAutofit/>
         </a:bodyPr>
         <a:lstStyle/>
@@ -4930,166 +3734,15 @@
             </a:spcAft>
           </a:pPr>
           <a:r>
-            <a:rPr lang="fr-CH" sz="1600" kern="1200"/>
+            <a:rPr lang="fr-CH" sz="1600" kern="1200" smtClean="0"/>
             <a:t>Organisation</a:t>
-          </a:r>
-          <a:endParaRPr lang="en-US" sz="1600" kern="1200"/>
-        </a:p>
-      </dsp:txBody>
-      <dsp:txXfrm>
-        <a:off x="484801" y="1049854"/>
-        <a:ext cx="9133331" cy="419741"/>
-      </dsp:txXfrm>
-    </dsp:sp>
-    <dsp:sp modelId="{5FFC7881-1C58-4382-B611-E8324561E510}">
-      <dsp:nvSpPr>
-        <dsp:cNvPr id="0" name=""/>
-        <dsp:cNvSpPr/>
-      </dsp:nvSpPr>
-      <dsp:spPr>
-        <a:xfrm>
-          <a:off x="0" y="1574531"/>
-          <a:ext cx="9618133" cy="419741"/>
-        </a:xfrm>
-        <a:prstGeom prst="roundRect">
-          <a:avLst>
-            <a:gd name="adj" fmla="val 10000"/>
-          </a:avLst>
-        </a:prstGeom>
-        <a:solidFill>
-          <a:schemeClr val="bg1">
-            <a:lumMod val="95000"/>
-            <a:hueOff val="0"/>
-            <a:satOff val="0"/>
-            <a:lumOff val="0"/>
-            <a:alphaOff val="0"/>
-          </a:schemeClr>
-        </a:solidFill>
-        <a:ln>
-          <a:noFill/>
-        </a:ln>
-        <a:effectLst/>
-      </dsp:spPr>
-      <dsp:style>
-        <a:lnRef idx="0">
-          <a:scrgbClr r="0" g="0" b="0"/>
-        </a:lnRef>
-        <a:fillRef idx="1">
-          <a:scrgbClr r="0" g="0" b="0"/>
-        </a:fillRef>
-        <a:effectRef idx="0">
-          <a:scrgbClr r="0" g="0" b="0"/>
-        </a:effectRef>
-        <a:fontRef idx="minor"/>
-      </dsp:style>
-    </dsp:sp>
-    <dsp:sp modelId="{CBFC1ABC-1D54-40A5-B58A-001BA6B3D046}">
-      <dsp:nvSpPr>
-        <dsp:cNvPr id="0" name=""/>
-        <dsp:cNvSpPr/>
-      </dsp:nvSpPr>
-      <dsp:spPr>
-        <a:xfrm>
-          <a:off x="126971" y="1668973"/>
-          <a:ext cx="230857" cy="230857"/>
-        </a:xfrm>
-        <a:prstGeom prst="rect">
-          <a:avLst/>
-        </a:prstGeom>
-        <a:blipFill>
-          <a:blip xmlns:r="http://schemas.openxmlformats.org/officeDocument/2006/relationships" r:embed="rId7" cstate="print">
-            <a:extLst>
-              <a:ext uri="{28A0092B-C50C-407E-A947-70E740481C1C}">
-                <a14:useLocalDpi xmlns:a14="http://schemas.microsoft.com/office/drawing/2010/main" val="0"/>
-              </a:ext>
-              <a:ext uri="{96DAC541-7B7A-43D3-8B79-37D633B846F1}">
-                <asvg:svgBlip xmlns:asvg="http://schemas.microsoft.com/office/drawing/2016/SVG/main" xmlns="" r:embed="rId8"/>
-              </a:ext>
-            </a:extLst>
-          </a:blip>
-          <a:stretch>
-            <a:fillRect/>
-          </a:stretch>
-        </a:blipFill>
-        <a:ln w="19050" cap="rnd" cmpd="sng" algn="ctr">
-          <a:noFill/>
-          <a:prstDash val="solid"/>
-        </a:ln>
-        <a:effectLst/>
-      </dsp:spPr>
-      <dsp:style>
-        <a:lnRef idx="2">
-          <a:scrgbClr r="0" g="0" b="0"/>
-        </a:lnRef>
-        <a:fillRef idx="1">
-          <a:scrgbClr r="0" g="0" b="0"/>
-        </a:fillRef>
-        <a:effectRef idx="0">
-          <a:scrgbClr r="0" g="0" b="0"/>
-        </a:effectRef>
-        <a:fontRef idx="minor">
-          <a:schemeClr val="lt1"/>
-        </a:fontRef>
-      </dsp:style>
-    </dsp:sp>
-    <dsp:sp modelId="{EB5647D7-A20A-4A3B-980C-FBF059C4712A}">
-      <dsp:nvSpPr>
-        <dsp:cNvPr id="0" name=""/>
-        <dsp:cNvSpPr/>
-      </dsp:nvSpPr>
-      <dsp:spPr>
-        <a:xfrm>
-          <a:off x="484801" y="1574531"/>
-          <a:ext cx="9133331" cy="419741"/>
-        </a:xfrm>
-        <a:prstGeom prst="rect">
-          <a:avLst/>
-        </a:prstGeom>
-        <a:noFill/>
-        <a:ln>
-          <a:noFill/>
-        </a:ln>
-        <a:effectLst/>
-      </dsp:spPr>
-      <dsp:style>
-        <a:lnRef idx="0">
-          <a:scrgbClr r="0" g="0" b="0"/>
-        </a:lnRef>
-        <a:fillRef idx="0">
-          <a:scrgbClr r="0" g="0" b="0"/>
-        </a:fillRef>
-        <a:effectRef idx="0">
-          <a:scrgbClr r="0" g="0" b="0"/>
-        </a:effectRef>
-        <a:fontRef idx="minor"/>
-      </dsp:style>
-      <dsp:txBody>
-        <a:bodyPr spcFirstLastPara="0" vert="horz" wrap="square" lIns="44423" tIns="44423" rIns="44423" bIns="44423" numCol="1" spcCol="1270" anchor="ctr" anchorCtr="0">
-          <a:noAutofit/>
-        </a:bodyPr>
-        <a:lstStyle/>
-        <a:p>
-          <a:pPr lvl="0" algn="l" defTabSz="711200">
-            <a:lnSpc>
-              <a:spcPct val="90000"/>
-            </a:lnSpc>
-            <a:spcBef>
-              <a:spcPct val="0"/>
-            </a:spcBef>
-            <a:spcAft>
-              <a:spcPct val="35000"/>
-            </a:spcAft>
-          </a:pPr>
-          <a:r>
-            <a:rPr lang="fr-CH" sz="1600" kern="1200" dirty="0"/>
-            <a:t>Analyse</a:t>
           </a:r>
           <a:endParaRPr lang="en-US" sz="1600" kern="1200" dirty="0"/>
         </a:p>
       </dsp:txBody>
       <dsp:txXfrm>
-        <a:off x="484801" y="1574531"/>
-        <a:ext cx="9133331" cy="419741"/>
+        <a:off x="556136" y="1204109"/>
+        <a:ext cx="9061996" cy="481503"/>
       </dsp:txXfrm>
     </dsp:sp>
     <dsp:sp modelId="{F35337BC-F527-462D-8C7B-D5156CC5566B}">
@@ -5099,8 +3752,8 @@
       </dsp:nvSpPr>
       <dsp:spPr>
         <a:xfrm>
-          <a:off x="0" y="2099208"/>
-          <a:ext cx="9618133" cy="419741"/>
+          <a:off x="0" y="1805989"/>
+          <a:ext cx="9618133" cy="481503"/>
         </a:xfrm>
         <a:prstGeom prst="roundRect">
           <a:avLst>
@@ -5141,20 +3794,20 @@
       </dsp:nvSpPr>
       <dsp:spPr>
         <a:xfrm>
-          <a:off x="126971" y="2193650"/>
-          <a:ext cx="230857" cy="230857"/>
+          <a:off x="145654" y="1914327"/>
+          <a:ext cx="264827" cy="264827"/>
         </a:xfrm>
         <a:prstGeom prst="rect">
           <a:avLst/>
         </a:prstGeom>
         <a:blipFill>
-          <a:blip xmlns:r="http://schemas.openxmlformats.org/officeDocument/2006/relationships" r:embed="rId9" cstate="print">
+          <a:blip xmlns:r="http://schemas.openxmlformats.org/officeDocument/2006/relationships" r:embed="rId7" cstate="print">
             <a:extLst>
               <a:ext uri="{28A0092B-C50C-407E-A947-70E740481C1C}">
                 <a14:useLocalDpi xmlns:a14="http://schemas.microsoft.com/office/drawing/2010/main" val="0"/>
               </a:ext>
               <a:ext uri="{96DAC541-7B7A-43D3-8B79-37D633B846F1}">
-                <asvg:svgBlip xmlns:asvg="http://schemas.microsoft.com/office/drawing/2016/SVG/main" xmlns="" r:embed="rId10"/>
+                <asvg:svgBlip xmlns="" xmlns:asvg="http://schemas.microsoft.com/office/drawing/2016/SVG/main" r:embed="rId10"/>
               </a:ext>
             </a:extLst>
           </a:blip>
@@ -5190,8 +3843,8 @@
       </dsp:nvSpPr>
       <dsp:spPr>
         <a:xfrm>
-          <a:off x="484801" y="2099208"/>
-          <a:ext cx="9133331" cy="419741"/>
+          <a:off x="556136" y="1805989"/>
+          <a:ext cx="9061996" cy="481503"/>
         </a:xfrm>
         <a:prstGeom prst="rect">
           <a:avLst/>
@@ -5215,7 +3868,7 @@
         <a:fontRef idx="minor"/>
       </dsp:style>
       <dsp:txBody>
-        <a:bodyPr spcFirstLastPara="0" vert="horz" wrap="square" lIns="44423" tIns="44423" rIns="44423" bIns="44423" numCol="1" spcCol="1270" anchor="ctr" anchorCtr="0">
+        <a:bodyPr spcFirstLastPara="0" vert="horz" wrap="square" lIns="50959" tIns="50959" rIns="50959" bIns="50959" numCol="1" spcCol="1270" anchor="ctr" anchorCtr="0">
           <a:noAutofit/>
         </a:bodyPr>
         <a:lstStyle/>
@@ -5239,8 +3892,8 @@
         </a:p>
       </dsp:txBody>
       <dsp:txXfrm>
-        <a:off x="484801" y="2099208"/>
-        <a:ext cx="9133331" cy="419741"/>
+        <a:off x="556136" y="1805989"/>
+        <a:ext cx="9061996" cy="481503"/>
       </dsp:txXfrm>
     </dsp:sp>
     <dsp:sp modelId="{2AC147EE-E589-4714-8167-719BDC87EF32}">
@@ -5250,8 +3903,8 @@
       </dsp:nvSpPr>
       <dsp:spPr>
         <a:xfrm>
-          <a:off x="0" y="2623885"/>
-          <a:ext cx="9618133" cy="419741"/>
+          <a:off x="0" y="2407868"/>
+          <a:ext cx="9618133" cy="481503"/>
         </a:xfrm>
         <a:prstGeom prst="roundRect">
           <a:avLst>
@@ -5292,8 +3945,8 @@
       </dsp:nvSpPr>
       <dsp:spPr>
         <a:xfrm>
-          <a:off x="126971" y="2718327"/>
-          <a:ext cx="230857" cy="230857"/>
+          <a:off x="145654" y="2516207"/>
+          <a:ext cx="264827" cy="264827"/>
         </a:xfrm>
         <a:prstGeom prst="rect">
           <a:avLst/>
@@ -5305,7 +3958,7 @@
                 <a14:useLocalDpi xmlns:a14="http://schemas.microsoft.com/office/drawing/2010/main" val="0"/>
               </a:ext>
               <a:ext uri="{96DAC541-7B7A-43D3-8B79-37D633B846F1}">
-                <asvg:svgBlip xmlns:asvg="http://schemas.microsoft.com/office/drawing/2016/SVG/main" xmlns="" r:embed="rId12"/>
+                <asvg:svgBlip xmlns="" xmlns:asvg="http://schemas.microsoft.com/office/drawing/2016/SVG/main" r:embed="rId12"/>
               </a:ext>
             </a:extLst>
           </a:blip>
@@ -5341,8 +3994,8 @@
       </dsp:nvSpPr>
       <dsp:spPr>
         <a:xfrm>
-          <a:off x="484801" y="2623885"/>
-          <a:ext cx="9133331" cy="419741"/>
+          <a:off x="556136" y="2407868"/>
+          <a:ext cx="9061996" cy="481503"/>
         </a:xfrm>
         <a:prstGeom prst="rect">
           <a:avLst/>
@@ -5366,7 +4019,7 @@
         <a:fontRef idx="minor"/>
       </dsp:style>
       <dsp:txBody>
-        <a:bodyPr spcFirstLastPara="0" vert="horz" wrap="square" lIns="44423" tIns="44423" rIns="44423" bIns="44423" numCol="1" spcCol="1270" anchor="ctr" anchorCtr="0">
+        <a:bodyPr spcFirstLastPara="0" vert="horz" wrap="square" lIns="50959" tIns="50959" rIns="50959" bIns="50959" numCol="1" spcCol="1270" anchor="ctr" anchorCtr="0">
           <a:noAutofit/>
         </a:bodyPr>
         <a:lstStyle/>
@@ -5383,15 +4036,15 @@
             </a:spcAft>
           </a:pPr>
           <a:r>
-            <a:rPr lang="fr-CH" sz="1600" kern="1200"/>
+            <a:rPr lang="fr-CH" sz="1600" kern="1200" dirty="0"/>
             <a:t>Réalisation</a:t>
           </a:r>
-          <a:endParaRPr lang="en-US" sz="1600" kern="1200"/>
+          <a:endParaRPr lang="en-US" sz="1600" kern="1200" dirty="0"/>
         </a:p>
       </dsp:txBody>
       <dsp:txXfrm>
-        <a:off x="484801" y="2623885"/>
-        <a:ext cx="9133331" cy="419741"/>
+        <a:off x="556136" y="2407868"/>
+        <a:ext cx="9061996" cy="481503"/>
       </dsp:txXfrm>
     </dsp:sp>
     <dsp:sp modelId="{4D2E6744-CD7A-41AC-A3E9-E6C16469C8EE}">
@@ -5401,8 +4054,8 @@
       </dsp:nvSpPr>
       <dsp:spPr>
         <a:xfrm>
-          <a:off x="0" y="3148563"/>
-          <a:ext cx="9618133" cy="419741"/>
+          <a:off x="0" y="3009748"/>
+          <a:ext cx="9618133" cy="481503"/>
         </a:xfrm>
         <a:prstGeom prst="roundRect">
           <a:avLst>
@@ -5443,8 +4096,8 @@
       </dsp:nvSpPr>
       <dsp:spPr>
         <a:xfrm>
-          <a:off x="126971" y="3243005"/>
-          <a:ext cx="230857" cy="230857"/>
+          <a:off x="145654" y="3118086"/>
+          <a:ext cx="264827" cy="264827"/>
         </a:xfrm>
         <a:prstGeom prst="rect">
           <a:avLst/>
@@ -5456,7 +4109,7 @@
                 <a14:useLocalDpi xmlns:a14="http://schemas.microsoft.com/office/drawing/2010/main" val="0"/>
               </a:ext>
               <a:ext uri="{96DAC541-7B7A-43D3-8B79-37D633B846F1}">
-                <asvg:svgBlip xmlns:asvg="http://schemas.microsoft.com/office/drawing/2016/SVG/main" xmlns="" r:embed="rId14"/>
+                <asvg:svgBlip xmlns="" xmlns:asvg="http://schemas.microsoft.com/office/drawing/2016/SVG/main" r:embed="rId14"/>
               </a:ext>
             </a:extLst>
           </a:blip>
@@ -5492,8 +4145,8 @@
       </dsp:nvSpPr>
       <dsp:spPr>
         <a:xfrm>
-          <a:off x="484801" y="3148563"/>
-          <a:ext cx="9133331" cy="419741"/>
+          <a:off x="556136" y="3009748"/>
+          <a:ext cx="9061996" cy="481503"/>
         </a:xfrm>
         <a:prstGeom prst="rect">
           <a:avLst/>
@@ -5517,7 +4170,7 @@
         <a:fontRef idx="minor"/>
       </dsp:style>
       <dsp:txBody>
-        <a:bodyPr spcFirstLastPara="0" vert="horz" wrap="square" lIns="44423" tIns="44423" rIns="44423" bIns="44423" numCol="1" spcCol="1270" anchor="ctr" anchorCtr="0">
+        <a:bodyPr spcFirstLastPara="0" vert="horz" wrap="square" lIns="50959" tIns="50959" rIns="50959" bIns="50959" numCol="1" spcCol="1270" anchor="ctr" anchorCtr="0">
           <a:noAutofit/>
         </a:bodyPr>
         <a:lstStyle/>
@@ -5534,15 +4187,15 @@
             </a:spcAft>
           </a:pPr>
           <a:r>
-            <a:rPr lang="fr-CH" sz="1600" kern="1200"/>
+            <a:rPr lang="fr-CH" sz="1600" kern="1200" dirty="0"/>
             <a:t>Démonstration de l’application</a:t>
           </a:r>
-          <a:endParaRPr lang="en-US" sz="1600" kern="1200"/>
+          <a:endParaRPr lang="en-US" sz="1600" kern="1200" dirty="0"/>
         </a:p>
       </dsp:txBody>
       <dsp:txXfrm>
-        <a:off x="484801" y="3148563"/>
-        <a:ext cx="9133331" cy="419741"/>
+        <a:off x="556136" y="3009748"/>
+        <a:ext cx="9061996" cy="481503"/>
       </dsp:txXfrm>
     </dsp:sp>
     <dsp:sp modelId="{B11BA78A-5601-40BE-9876-619E20563CFE}">
@@ -5552,8 +4205,8 @@
       </dsp:nvSpPr>
       <dsp:spPr>
         <a:xfrm>
-          <a:off x="0" y="3673240"/>
-          <a:ext cx="9618133" cy="419741"/>
+          <a:off x="0" y="3611628"/>
+          <a:ext cx="9618133" cy="481503"/>
         </a:xfrm>
         <a:prstGeom prst="roundRect">
           <a:avLst>
@@ -5594,8 +4247,8 @@
       </dsp:nvSpPr>
       <dsp:spPr>
         <a:xfrm>
-          <a:off x="126971" y="3767682"/>
-          <a:ext cx="230857" cy="230857"/>
+          <a:off x="145654" y="3719966"/>
+          <a:ext cx="264827" cy="264827"/>
         </a:xfrm>
         <a:prstGeom prst="rect">
           <a:avLst/>
@@ -5607,7 +4260,7 @@
                 <a14:useLocalDpi xmlns:a14="http://schemas.microsoft.com/office/drawing/2010/main" val="0"/>
               </a:ext>
               <a:ext uri="{96DAC541-7B7A-43D3-8B79-37D633B846F1}">
-                <asvg:svgBlip xmlns:asvg="http://schemas.microsoft.com/office/drawing/2016/SVG/main" xmlns="" r:embed="rId16"/>
+                <asvg:svgBlip xmlns="" xmlns:asvg="http://schemas.microsoft.com/office/drawing/2016/SVG/main" r:embed="rId16"/>
               </a:ext>
             </a:extLst>
           </a:blip>
@@ -5643,8 +4296,8 @@
       </dsp:nvSpPr>
       <dsp:spPr>
         <a:xfrm>
-          <a:off x="484801" y="3673240"/>
-          <a:ext cx="9133331" cy="419741"/>
+          <a:off x="556136" y="3611628"/>
+          <a:ext cx="9061996" cy="481503"/>
         </a:xfrm>
         <a:prstGeom prst="rect">
           <a:avLst/>
@@ -5668,7 +4321,7 @@
         <a:fontRef idx="minor"/>
       </dsp:style>
       <dsp:txBody>
-        <a:bodyPr spcFirstLastPara="0" vert="horz" wrap="square" lIns="44423" tIns="44423" rIns="44423" bIns="44423" numCol="1" spcCol="1270" anchor="ctr" anchorCtr="0">
+        <a:bodyPr spcFirstLastPara="0" vert="horz" wrap="square" lIns="50959" tIns="50959" rIns="50959" bIns="50959" numCol="1" spcCol="1270" anchor="ctr" anchorCtr="0">
           <a:noAutofit/>
         </a:bodyPr>
         <a:lstStyle/>
@@ -5692,8 +4345,8 @@
         </a:p>
       </dsp:txBody>
       <dsp:txXfrm>
-        <a:off x="484801" y="3673240"/>
-        <a:ext cx="9133331" cy="419741"/>
+        <a:off x="556136" y="3611628"/>
+        <a:ext cx="9061996" cy="481503"/>
       </dsp:txXfrm>
     </dsp:sp>
   </dsp:spTree>
@@ -5770,7 +4423,7 @@
                 <a14:useLocalDpi xmlns:a14="http://schemas.microsoft.com/office/drawing/2010/main" val="0"/>
               </a:ext>
               <a:ext uri="{96DAC541-7B7A-43D3-8B79-37D633B846F1}">
-                <asvg:svgBlip xmlns:asvg="http://schemas.microsoft.com/office/drawing/2016/SVG/main" xmlns="" r:embed="rId2"/>
+                <asvg:svgBlip xmlns="" xmlns:asvg="http://schemas.microsoft.com/office/drawing/2016/SVG/main" r:embed="rId2"/>
               </a:ext>
             </a:extLst>
           </a:blip>
@@ -5921,7 +4574,7 @@
                 <a14:useLocalDpi xmlns:a14="http://schemas.microsoft.com/office/drawing/2010/main" val="0"/>
               </a:ext>
               <a:ext uri="{96DAC541-7B7A-43D3-8B79-37D633B846F1}">
-                <asvg:svgBlip xmlns:asvg="http://schemas.microsoft.com/office/drawing/2016/SVG/main" xmlns="" r:embed="rId4"/>
+                <asvg:svgBlip xmlns="" xmlns:asvg="http://schemas.microsoft.com/office/drawing/2016/SVG/main" r:embed="rId4"/>
               </a:ext>
             </a:extLst>
           </a:blip>
@@ -6072,7 +4725,7 @@
                 <a14:useLocalDpi xmlns:a14="http://schemas.microsoft.com/office/drawing/2010/main" val="0"/>
               </a:ext>
               <a:ext uri="{96DAC541-7B7A-43D3-8B79-37D633B846F1}">
-                <asvg:svgBlip xmlns:asvg="http://schemas.microsoft.com/office/drawing/2016/SVG/main" xmlns="" r:embed="rId6"/>
+                <asvg:svgBlip xmlns="" xmlns:asvg="http://schemas.microsoft.com/office/drawing/2016/SVG/main" r:embed="rId6"/>
               </a:ext>
             </a:extLst>
           </a:blip>
@@ -6223,7 +4876,7 @@
                 <a14:useLocalDpi xmlns:a14="http://schemas.microsoft.com/office/drawing/2010/main" val="0"/>
               </a:ext>
               <a:ext uri="{96DAC541-7B7A-43D3-8B79-37D633B846F1}">
-                <asvg:svgBlip xmlns:asvg="http://schemas.microsoft.com/office/drawing/2016/SVG/main" xmlns="" r:embed="rId8"/>
+                <asvg:svgBlip xmlns="" xmlns:asvg="http://schemas.microsoft.com/office/drawing/2016/SVG/main" r:embed="rId8"/>
               </a:ext>
             </a:extLst>
           </a:blip>
@@ -6310,411 +4963,6 @@
       <dsp:txXfrm>
         <a:off x="1209819" y="3930051"/>
         <a:ext cx="5418984" cy="1047462"/>
-      </dsp:txXfrm>
-    </dsp:sp>
-  </dsp:spTree>
-</dsp:drawing>
-</file>
-
-<file path=ppt/diagrams/drawing3.xml><?xml version="1.0" encoding="utf-8"?>
-<dsp:drawing xmlns:dgm="http://schemas.openxmlformats.org/drawingml/2006/diagram" xmlns:dsp="http://schemas.microsoft.com/office/drawing/2008/diagram" xmlns:a="http://schemas.openxmlformats.org/drawingml/2006/main">
-  <dsp:spTree>
-    <dsp:nvGrpSpPr>
-      <dsp:cNvPr id="0" name=""/>
-      <dsp:cNvGrpSpPr/>
-    </dsp:nvGrpSpPr>
-    <dsp:grpSpPr/>
-    <dsp:sp modelId="{7FD6240B-A558-42B4-AFC4-568ECB3F5353}">
-      <dsp:nvSpPr>
-        <dsp:cNvPr id="0" name=""/>
-        <dsp:cNvSpPr/>
-      </dsp:nvSpPr>
-      <dsp:spPr>
-        <a:xfrm>
-          <a:off x="0" y="0"/>
-          <a:ext cx="6203216" cy="877819"/>
-        </a:xfrm>
-        <a:prstGeom prst="roundRect">
-          <a:avLst>
-            <a:gd name="adj" fmla="val 10000"/>
-          </a:avLst>
-        </a:prstGeom>
-        <a:solidFill>
-          <a:schemeClr val="accent2">
-            <a:hueOff val="0"/>
-            <a:satOff val="0"/>
-            <a:lumOff val="0"/>
-            <a:alphaOff val="0"/>
-          </a:schemeClr>
-        </a:solidFill>
-        <a:ln w="19050" cap="rnd" cmpd="sng" algn="ctr">
-          <a:solidFill>
-            <a:schemeClr val="lt1">
-              <a:hueOff val="0"/>
-              <a:satOff val="0"/>
-              <a:lumOff val="0"/>
-              <a:alphaOff val="0"/>
-            </a:schemeClr>
-          </a:solidFill>
-          <a:prstDash val="solid"/>
-        </a:ln>
-        <a:effectLst/>
-      </dsp:spPr>
-      <dsp:style>
-        <a:lnRef idx="2">
-          <a:scrgbClr r="0" g="0" b="0"/>
-        </a:lnRef>
-        <a:fillRef idx="1">
-          <a:scrgbClr r="0" g="0" b="0"/>
-        </a:fillRef>
-        <a:effectRef idx="0">
-          <a:scrgbClr r="0" g="0" b="0"/>
-        </a:effectRef>
-        <a:fontRef idx="minor">
-          <a:schemeClr val="lt1"/>
-        </a:fontRef>
-      </dsp:style>
-      <dsp:txBody>
-        <a:bodyPr spcFirstLastPara="0" vert="horz" wrap="square" lIns="91440" tIns="91440" rIns="91440" bIns="91440" numCol="1" spcCol="1270" anchor="ctr" anchorCtr="0">
-          <a:noAutofit/>
-        </a:bodyPr>
-        <a:lstStyle/>
-        <a:p>
-          <a:pPr lvl="0" algn="l" defTabSz="1066800">
-            <a:lnSpc>
-              <a:spcPct val="90000"/>
-            </a:lnSpc>
-            <a:spcBef>
-              <a:spcPct val="0"/>
-            </a:spcBef>
-            <a:spcAft>
-              <a:spcPct val="35000"/>
-            </a:spcAft>
-          </a:pPr>
-          <a:r>
-            <a:rPr lang="fr-CH" sz="2400" kern="1200"/>
-            <a:t>Installation du framework</a:t>
-          </a:r>
-          <a:endParaRPr lang="en-US" sz="2400" kern="1200"/>
-        </a:p>
-      </dsp:txBody>
-      <dsp:txXfrm>
-        <a:off x="25710" y="25710"/>
-        <a:ext cx="5255982" cy="826399"/>
-      </dsp:txXfrm>
-    </dsp:sp>
-    <dsp:sp modelId="{0FF40E79-120E-496A-A190-8B41FDAF7CDF}">
-      <dsp:nvSpPr>
-        <dsp:cNvPr id="0" name=""/>
-        <dsp:cNvSpPr/>
-      </dsp:nvSpPr>
-      <dsp:spPr>
-        <a:xfrm>
-          <a:off x="547342" y="1024122"/>
-          <a:ext cx="6203216" cy="877819"/>
-        </a:xfrm>
-        <a:prstGeom prst="roundRect">
-          <a:avLst>
-            <a:gd name="adj" fmla="val 10000"/>
-          </a:avLst>
-        </a:prstGeom>
-        <a:solidFill>
-          <a:schemeClr val="accent2">
-            <a:hueOff val="0"/>
-            <a:satOff val="0"/>
-            <a:lumOff val="0"/>
-            <a:alphaOff val="0"/>
-          </a:schemeClr>
-        </a:solidFill>
-        <a:ln w="19050" cap="rnd" cmpd="sng" algn="ctr">
-          <a:solidFill>
-            <a:schemeClr val="lt1">
-              <a:hueOff val="0"/>
-              <a:satOff val="0"/>
-              <a:lumOff val="0"/>
-              <a:alphaOff val="0"/>
-            </a:schemeClr>
-          </a:solidFill>
-          <a:prstDash val="solid"/>
-        </a:ln>
-        <a:effectLst/>
-      </dsp:spPr>
-      <dsp:style>
-        <a:lnRef idx="2">
-          <a:scrgbClr r="0" g="0" b="0"/>
-        </a:lnRef>
-        <a:fillRef idx="1">
-          <a:scrgbClr r="0" g="0" b="0"/>
-        </a:fillRef>
-        <a:effectRef idx="0">
-          <a:scrgbClr r="0" g="0" b="0"/>
-        </a:effectRef>
-        <a:fontRef idx="minor">
-          <a:schemeClr val="lt1"/>
-        </a:fontRef>
-      </dsp:style>
-      <dsp:txBody>
-        <a:bodyPr spcFirstLastPara="0" vert="horz" wrap="square" lIns="91440" tIns="91440" rIns="91440" bIns="91440" numCol="1" spcCol="1270" anchor="ctr" anchorCtr="0">
-          <a:noAutofit/>
-        </a:bodyPr>
-        <a:lstStyle/>
-        <a:p>
-          <a:pPr lvl="0" algn="l" defTabSz="1066800">
-            <a:lnSpc>
-              <a:spcPct val="90000"/>
-            </a:lnSpc>
-            <a:spcBef>
-              <a:spcPct val="0"/>
-            </a:spcBef>
-            <a:spcAft>
-              <a:spcPct val="35000"/>
-            </a:spcAft>
-          </a:pPr>
-          <a:r>
-            <a:rPr lang="fr-CH" sz="2400" kern="1200" dirty="0"/>
-            <a:t>Validation des composants propres à Android Studio</a:t>
-          </a:r>
-          <a:endParaRPr lang="en-US" sz="2400" kern="1200" dirty="0"/>
-        </a:p>
-      </dsp:txBody>
-      <dsp:txXfrm>
-        <a:off x="573052" y="1049832"/>
-        <a:ext cx="5033871" cy="826399"/>
-      </dsp:txXfrm>
-    </dsp:sp>
-    <dsp:sp modelId="{3504BC47-EA0E-40EA-92DD-3714799068DC}">
-      <dsp:nvSpPr>
-        <dsp:cNvPr id="0" name=""/>
-        <dsp:cNvSpPr/>
-      </dsp:nvSpPr>
-      <dsp:spPr>
-        <a:xfrm>
-          <a:off x="1094685" y="2048244"/>
-          <a:ext cx="6203216" cy="877819"/>
-        </a:xfrm>
-        <a:prstGeom prst="roundRect">
-          <a:avLst>
-            <a:gd name="adj" fmla="val 10000"/>
-          </a:avLst>
-        </a:prstGeom>
-        <a:solidFill>
-          <a:schemeClr val="accent2">
-            <a:hueOff val="0"/>
-            <a:satOff val="0"/>
-            <a:lumOff val="0"/>
-            <a:alphaOff val="0"/>
-          </a:schemeClr>
-        </a:solidFill>
-        <a:ln w="19050" cap="rnd" cmpd="sng" algn="ctr">
-          <a:solidFill>
-            <a:schemeClr val="lt1">
-              <a:hueOff val="0"/>
-              <a:satOff val="0"/>
-              <a:lumOff val="0"/>
-              <a:alphaOff val="0"/>
-            </a:schemeClr>
-          </a:solidFill>
-          <a:prstDash val="solid"/>
-        </a:ln>
-        <a:effectLst/>
-      </dsp:spPr>
-      <dsp:style>
-        <a:lnRef idx="2">
-          <a:scrgbClr r="0" g="0" b="0"/>
-        </a:lnRef>
-        <a:fillRef idx="1">
-          <a:scrgbClr r="0" g="0" b="0"/>
-        </a:fillRef>
-        <a:effectRef idx="0">
-          <a:scrgbClr r="0" g="0" b="0"/>
-        </a:effectRef>
-        <a:fontRef idx="minor">
-          <a:schemeClr val="lt1"/>
-        </a:fontRef>
-      </dsp:style>
-      <dsp:txBody>
-        <a:bodyPr spcFirstLastPara="0" vert="horz" wrap="square" lIns="91440" tIns="91440" rIns="91440" bIns="91440" numCol="1" spcCol="1270" anchor="ctr" anchorCtr="0">
-          <a:noAutofit/>
-        </a:bodyPr>
-        <a:lstStyle/>
-        <a:p>
-          <a:pPr lvl="0" algn="l" defTabSz="1066800">
-            <a:lnSpc>
-              <a:spcPct val="90000"/>
-            </a:lnSpc>
-            <a:spcBef>
-              <a:spcPct val="0"/>
-            </a:spcBef>
-            <a:spcAft>
-              <a:spcPct val="35000"/>
-            </a:spcAft>
-          </a:pPr>
-          <a:r>
-            <a:rPr lang="fr-CH" sz="2400" kern="1200"/>
-            <a:t>Création de l’émulateur</a:t>
-          </a:r>
-          <a:endParaRPr lang="en-US" sz="2400" kern="1200"/>
-        </a:p>
-      </dsp:txBody>
-      <dsp:txXfrm>
-        <a:off x="1120395" y="2073954"/>
-        <a:ext cx="5033871" cy="826399"/>
-      </dsp:txXfrm>
-    </dsp:sp>
-    <dsp:sp modelId="{3104EB2D-CAE3-40F4-B46F-20A298AA9F48}">
-      <dsp:nvSpPr>
-        <dsp:cNvPr id="0" name=""/>
-        <dsp:cNvSpPr/>
-      </dsp:nvSpPr>
-      <dsp:spPr>
-        <a:xfrm>
-          <a:off x="5632634" y="665679"/>
-          <a:ext cx="570582" cy="570582"/>
-        </a:xfrm>
-        <a:prstGeom prst="downArrow">
-          <a:avLst>
-            <a:gd name="adj1" fmla="val 55000"/>
-            <a:gd name="adj2" fmla="val 45000"/>
-          </a:avLst>
-        </a:prstGeom>
-        <a:solidFill>
-          <a:schemeClr val="accent2">
-            <a:tint val="40000"/>
-            <a:alpha val="90000"/>
-            <a:hueOff val="0"/>
-            <a:satOff val="0"/>
-            <a:lumOff val="0"/>
-            <a:alphaOff val="0"/>
-          </a:schemeClr>
-        </a:solidFill>
-        <a:ln w="19050" cap="rnd" cmpd="sng" algn="ctr">
-          <a:solidFill>
-            <a:schemeClr val="accent2">
-              <a:tint val="40000"/>
-              <a:alpha val="90000"/>
-              <a:hueOff val="0"/>
-              <a:satOff val="0"/>
-              <a:lumOff val="0"/>
-              <a:alphaOff val="0"/>
-            </a:schemeClr>
-          </a:solidFill>
-          <a:prstDash val="solid"/>
-        </a:ln>
-        <a:effectLst/>
-      </dsp:spPr>
-      <dsp:style>
-        <a:lnRef idx="2">
-          <a:scrgbClr r="0" g="0" b="0"/>
-        </a:lnRef>
-        <a:fillRef idx="1">
-          <a:scrgbClr r="0" g="0" b="0"/>
-        </a:fillRef>
-        <a:effectRef idx="0">
-          <a:scrgbClr r="0" g="0" b="0"/>
-        </a:effectRef>
-        <a:fontRef idx="minor"/>
-      </dsp:style>
-      <dsp:txBody>
-        <a:bodyPr spcFirstLastPara="0" vert="horz" wrap="square" lIns="34290" tIns="34290" rIns="34290" bIns="34290" numCol="1" spcCol="1270" anchor="ctr" anchorCtr="0">
-          <a:noAutofit/>
-        </a:bodyPr>
-        <a:lstStyle/>
-        <a:p>
-          <a:pPr lvl="0" algn="ctr" defTabSz="1200150">
-            <a:lnSpc>
-              <a:spcPct val="90000"/>
-            </a:lnSpc>
-            <a:spcBef>
-              <a:spcPct val="0"/>
-            </a:spcBef>
-            <a:spcAft>
-              <a:spcPct val="35000"/>
-            </a:spcAft>
-          </a:pPr>
-          <a:endParaRPr lang="en-US" sz="2700" kern="1200"/>
-        </a:p>
-      </dsp:txBody>
-      <dsp:txXfrm>
-        <a:off x="5761015" y="665679"/>
-        <a:ext cx="313820" cy="429363"/>
-      </dsp:txXfrm>
-    </dsp:sp>
-    <dsp:sp modelId="{32E35066-B955-4D93-A1B7-954FCED7C604}">
-      <dsp:nvSpPr>
-        <dsp:cNvPr id="0" name=""/>
-        <dsp:cNvSpPr/>
-      </dsp:nvSpPr>
-      <dsp:spPr>
-        <a:xfrm>
-          <a:off x="6179976" y="1683949"/>
-          <a:ext cx="570582" cy="570582"/>
-        </a:xfrm>
-        <a:prstGeom prst="downArrow">
-          <a:avLst>
-            <a:gd name="adj1" fmla="val 55000"/>
-            <a:gd name="adj2" fmla="val 45000"/>
-          </a:avLst>
-        </a:prstGeom>
-        <a:solidFill>
-          <a:schemeClr val="accent2">
-            <a:tint val="40000"/>
-            <a:alpha val="90000"/>
-            <a:hueOff val="0"/>
-            <a:satOff val="0"/>
-            <a:lumOff val="0"/>
-            <a:alphaOff val="0"/>
-          </a:schemeClr>
-        </a:solidFill>
-        <a:ln w="19050" cap="rnd" cmpd="sng" algn="ctr">
-          <a:solidFill>
-            <a:schemeClr val="accent2">
-              <a:tint val="40000"/>
-              <a:alpha val="90000"/>
-              <a:hueOff val="0"/>
-              <a:satOff val="0"/>
-              <a:lumOff val="0"/>
-              <a:alphaOff val="0"/>
-            </a:schemeClr>
-          </a:solidFill>
-          <a:prstDash val="solid"/>
-        </a:ln>
-        <a:effectLst/>
-      </dsp:spPr>
-      <dsp:style>
-        <a:lnRef idx="2">
-          <a:scrgbClr r="0" g="0" b="0"/>
-        </a:lnRef>
-        <a:fillRef idx="1">
-          <a:scrgbClr r="0" g="0" b="0"/>
-        </a:fillRef>
-        <a:effectRef idx="0">
-          <a:scrgbClr r="0" g="0" b="0"/>
-        </a:effectRef>
-        <a:fontRef idx="minor"/>
-      </dsp:style>
-      <dsp:txBody>
-        <a:bodyPr spcFirstLastPara="0" vert="horz" wrap="square" lIns="34290" tIns="34290" rIns="34290" bIns="34290" numCol="1" spcCol="1270" anchor="ctr" anchorCtr="0">
-          <a:noAutofit/>
-        </a:bodyPr>
-        <a:lstStyle/>
-        <a:p>
-          <a:pPr lvl="0" algn="ctr" defTabSz="1200150">
-            <a:lnSpc>
-              <a:spcPct val="90000"/>
-            </a:lnSpc>
-            <a:spcBef>
-              <a:spcPct val="0"/>
-            </a:spcBef>
-            <a:spcAft>
-              <a:spcPct val="35000"/>
-            </a:spcAft>
-          </a:pPr>
-          <a:endParaRPr lang="en-US" sz="2700" kern="1200"/>
-        </a:p>
-      </dsp:txBody>
-      <dsp:txXfrm>
-        <a:off x="6308357" y="1683949"/>
-        <a:ext cx="313820" cy="429363"/>
       </dsp:txXfrm>
     </dsp:sp>
   </dsp:spTree>
@@ -6998,7 +5246,7 @@
   </dgm:layoutNode>
   <dgm:extLst>
     <a:ext uri="{68A01E43-0DF5-4B5B-8FA6-DAF915123BFB}">
-      <dgm1612:lstStyle xmlns:dgm1612="http://schemas.microsoft.com/office/drawing/2016/12/diagram" xmlns="">
+      <dgm1612:lstStyle xmlns="" xmlns:dgm1612="http://schemas.microsoft.com/office/drawing/2016/12/diagram">
         <a:lvl1pPr>
           <a:lnSpc>
             <a:spcPct val="100000"/>
@@ -7292,7 +5540,7 @@
   </dgm:layoutNode>
   <dgm:extLst>
     <a:ext uri="{68A01E43-0DF5-4B5B-8FA6-DAF915123BFB}">
-      <dgm1612:lstStyle xmlns:dgm1612="http://schemas.microsoft.com/office/drawing/2016/12/diagram" xmlns="">
+      <dgm1612:lstStyle xmlns="" xmlns:dgm1612="http://schemas.microsoft.com/office/drawing/2016/12/diagram">
         <a:lvl1pPr>
           <a:lnSpc>
             <a:spcPct val="100000"/>
@@ -7306,1232 +5554,6 @@
       </dgm1612:lstStyle>
     </a:ext>
   </dgm:extLst>
-</dgm:layoutDef>
-</file>
-
-<file path=ppt/diagrams/layout3.xml><?xml version="1.0" encoding="utf-8"?>
-<dgm:layoutDef xmlns:dgm="http://schemas.openxmlformats.org/drawingml/2006/diagram" xmlns:a="http://schemas.openxmlformats.org/drawingml/2006/main" uniqueId="urn:microsoft.com/office/officeart/2005/8/layout/vProcess5">
-  <dgm:title val=""/>
-  <dgm:desc val=""/>
-  <dgm:catLst>
-    <dgm:cat type="process" pri="14000"/>
-  </dgm:catLst>
-  <dgm:sampData>
-    <dgm:dataModel>
-      <dgm:ptLst>
-        <dgm:pt modelId="0" type="doc"/>
-        <dgm:pt modelId="1">
-          <dgm:prSet phldr="1"/>
-        </dgm:pt>
-        <dgm:pt modelId="2">
-          <dgm:prSet phldr="1"/>
-        </dgm:pt>
-        <dgm:pt modelId="3">
-          <dgm:prSet phldr="1"/>
-        </dgm:pt>
-      </dgm:ptLst>
-      <dgm:cxnLst>
-        <dgm:cxn modelId="5" srcId="0" destId="1" srcOrd="0" destOrd="0"/>
-        <dgm:cxn modelId="6" srcId="0" destId="2" srcOrd="1" destOrd="0"/>
-        <dgm:cxn modelId="7" srcId="0" destId="3" srcOrd="2" destOrd="0"/>
-      </dgm:cxnLst>
-      <dgm:bg/>
-      <dgm:whole/>
-    </dgm:dataModel>
-  </dgm:sampData>
-  <dgm:styleData>
-    <dgm:dataModel>
-      <dgm:ptLst>
-        <dgm:pt modelId="0" type="doc"/>
-        <dgm:pt modelId="1"/>
-        <dgm:pt modelId="2"/>
-      </dgm:ptLst>
-      <dgm:cxnLst>
-        <dgm:cxn modelId="3" srcId="0" destId="1" srcOrd="0" destOrd="0"/>
-        <dgm:cxn modelId="4" srcId="0" destId="2" srcOrd="1" destOrd="0"/>
-      </dgm:cxnLst>
-      <dgm:bg/>
-      <dgm:whole/>
-    </dgm:dataModel>
-  </dgm:styleData>
-  <dgm:clrData>
-    <dgm:dataModel>
-      <dgm:ptLst>
-        <dgm:pt modelId="0" type="doc"/>
-        <dgm:pt modelId="1"/>
-        <dgm:pt modelId="2"/>
-        <dgm:pt modelId="3"/>
-        <dgm:pt modelId="4"/>
-      </dgm:ptLst>
-      <dgm:cxnLst>
-        <dgm:cxn modelId="6" srcId="0" destId="1" srcOrd="0" destOrd="0"/>
-        <dgm:cxn modelId="7" srcId="0" destId="2" srcOrd="1" destOrd="0"/>
-        <dgm:cxn modelId="8" srcId="0" destId="3" srcOrd="2" destOrd="0"/>
-        <dgm:cxn modelId="9" srcId="0" destId="4" srcOrd="3" destOrd="0"/>
-      </dgm:cxnLst>
-      <dgm:bg/>
-      <dgm:whole/>
-    </dgm:dataModel>
-  </dgm:clrData>
-  <dgm:layoutNode name="outerComposite">
-    <dgm:varLst>
-      <dgm:chMax val="5"/>
-      <dgm:dir/>
-      <dgm:resizeHandles val="exact"/>
-    </dgm:varLst>
-    <dgm:alg type="composite"/>
-    <dgm:shape xmlns:r="http://schemas.openxmlformats.org/officeDocument/2006/relationships" r:blip="">
-      <dgm:adjLst/>
-    </dgm:shape>
-    <dgm:presOf/>
-    <dgm:choose name="Name0">
-      <dgm:if name="Name1" func="var" arg="dir" op="equ" val="norm">
-        <dgm:constrLst>
-          <dgm:constr type="primFontSz" for="ch" ptType="node" op="equ" val="65"/>
-          <dgm:constr type="w" for="ch" forName="dummyMaxCanvas" refType="w"/>
-          <dgm:constr type="h" for="ch" forName="dummyMaxCanvas" refType="h"/>
-          <dgm:constr type="w" for="ch" forName="OneNode_1" refType="w"/>
-          <dgm:constr type="h" for="ch" forName="OneNode_1" refType="h" fact="0.5"/>
-          <dgm:constr type="ctrY" for="ch" forName="OneNode_1" refType="h" fact="0.5"/>
-          <dgm:constr type="w" for="ch" forName="TwoNodes_1" refType="w" fact="0.85"/>
-          <dgm:constr type="h" for="ch" forName="TwoNodes_1" refType="h" fact="0.45"/>
-          <dgm:constr type="t" for="ch" forName="TwoNodes_1"/>
-          <dgm:constr type="l" for="ch" forName="TwoNodes_1"/>
-          <dgm:constr type="w" for="ch" forName="TwoNodes_2" refType="w" fact="0.85"/>
-          <dgm:constr type="h" for="ch" forName="TwoNodes_2" refType="h" fact="0.45"/>
-          <dgm:constr type="b" for="ch" forName="TwoNodes_2" refType="h"/>
-          <dgm:constr type="r" for="ch" forName="TwoNodes_2" refType="w"/>
-          <dgm:constr type="w" for="ch" forName="TwoConn_1-2" refType="h" refFor="ch" refForName="TwoNodes_1" fact="0.65"/>
-          <dgm:constr type="h" for="ch" forName="TwoConn_1-2" refType="h" refFor="ch" refForName="TwoNodes_1" fact="0.65"/>
-          <dgm:constr type="ctrY" for="ch" forName="TwoConn_1-2" refType="h" fact="0.5"/>
-          <dgm:constr type="r" for="ch" forName="TwoConn_1-2" refType="r" refFor="ch" refForName="TwoNodes_1"/>
-          <dgm:constr type="r" for="ch" forName="TwoNodes_1_text" refType="l" refFor="ch" refForName="TwoConn_1-2"/>
-          <dgm:constr type="rOff" for="ch" forName="TwoNodes_1_text" refType="w" refFor="ch" refForName="TwoConn_1-2" fact="-0.5"/>
-          <dgm:constr type="t" for="ch" forName="TwoNodes_1_text" refType="t" refFor="ch" refForName="TwoNodes_1"/>
-          <dgm:constr type="b" for="ch" forName="TwoNodes_1_text" refType="b" refFor="ch" refForName="TwoNodes_1"/>
-          <dgm:constr type="l" for="ch" forName="TwoNodes_1_text" refType="l" refFor="ch" refForName="TwoNodes_1"/>
-          <dgm:constr type="r" for="ch" forName="TwoNodes_2_text" refType="l" refFor="ch" refForName="TwoConn_1-2"/>
-          <dgm:constr type="t" for="ch" forName="TwoNodes_2_text" refType="t" refFor="ch" refForName="TwoNodes_2"/>
-          <dgm:constr type="b" for="ch" forName="TwoNodes_2_text" refType="b" refFor="ch" refForName="TwoNodes_2"/>
-          <dgm:constr type="l" for="ch" forName="TwoNodes_2_text" refType="l" refFor="ch" refForName="TwoNodes_2"/>
-          <dgm:constr type="w" for="ch" forName="ThreeNodes_1" refType="w" fact="0.85"/>
-          <dgm:constr type="h" for="ch" forName="ThreeNodes_1" refType="h" fact="0.3"/>
-          <dgm:constr type="t" for="ch" forName="ThreeNodes_1"/>
-          <dgm:constr type="l" for="ch" forName="ThreeNodes_1"/>
-          <dgm:constr type="w" for="ch" forName="ThreeNodes_2" refType="w" fact="0.85"/>
-          <dgm:constr type="h" for="ch" forName="ThreeNodes_2" refType="h" fact="0.3"/>
-          <dgm:constr type="ctrY" for="ch" forName="ThreeNodes_2" refType="h" fact="0.5"/>
-          <dgm:constr type="ctrX" for="ch" forName="ThreeNodes_2" refType="w" fact="0.5"/>
-          <dgm:constr type="w" for="ch" forName="ThreeNodes_3" refType="w" fact="0.85"/>
-          <dgm:constr type="h" for="ch" forName="ThreeNodes_3" refType="h" fact="0.3"/>
-          <dgm:constr type="b" for="ch" forName="ThreeNodes_3" refType="h"/>
-          <dgm:constr type="r" for="ch" forName="ThreeNodes_3" refType="w"/>
-          <dgm:constr type="w" for="ch" forName="ThreeConn_1-2" refType="h" refFor="ch" refForName="ThreeNodes_1" fact="0.65"/>
-          <dgm:constr type="h" for="ch" forName="ThreeConn_1-2" refType="h" refFor="ch" refForName="ThreeNodes_1" fact="0.65"/>
-          <dgm:constr type="ctrY" for="ch" forName="ThreeConn_1-2" refType="h" fact="0.325"/>
-          <dgm:constr type="r" for="ch" forName="ThreeConn_1-2" refType="r" refFor="ch" refForName="ThreeNodes_1"/>
-          <dgm:constr type="w" for="ch" forName="ThreeConn_2-3" refType="h" refFor="ch" refForName="ThreeNodes_2" fact="0.65"/>
-          <dgm:constr type="h" for="ch" forName="ThreeConn_2-3" refType="h" refFor="ch" refForName="ThreeNodes_2" fact="0.65"/>
-          <dgm:constr type="ctrY" for="ch" forName="ThreeConn_2-3" refType="h" fact="0.673"/>
-          <dgm:constr type="r" for="ch" forName="ThreeConn_2-3" refType="r" refFor="ch" refForName="ThreeNodes_2"/>
-          <dgm:constr type="r" for="ch" forName="ThreeNodes_1_text" refType="l" refFor="ch" refForName="ThreeConn_1-2"/>
-          <dgm:constr type="rOff" for="ch" forName="ThreeNodes_1_text" refType="w" refFor="ch" refForName="ThreeConn_1-2" fact="-0.57"/>
-          <dgm:constr type="t" for="ch" forName="ThreeNodes_1_text" refType="t" refFor="ch" refForName="ThreeNodes_1"/>
-          <dgm:constr type="b" for="ch" forName="ThreeNodes_1_text" refType="b" refFor="ch" refForName="ThreeNodes_1"/>
-          <dgm:constr type="l" for="ch" forName="ThreeNodes_1_text" refType="l" refFor="ch" refForName="ThreeNodes_1"/>
-          <dgm:constr type="r" for="ch" forName="ThreeNodes_2_text" refType="l" refFor="ch" refForName="ThreeConn_1-2"/>
-          <dgm:constr type="t" for="ch" forName="ThreeNodes_2_text" refType="t" refFor="ch" refForName="ThreeNodes_2"/>
-          <dgm:constr type="b" for="ch" forName="ThreeNodes_2_text" refType="b" refFor="ch" refForName="ThreeNodes_2"/>
-          <dgm:constr type="l" for="ch" forName="ThreeNodes_2_text" refType="l" refFor="ch" refForName="ThreeNodes_2"/>
-          <dgm:constr type="r" for="ch" forName="ThreeNodes_3_text" refType="l" refFor="ch" refForName="ThreeConn_2-3"/>
-          <dgm:constr type="t" for="ch" forName="ThreeNodes_3_text" refType="t" refFor="ch" refForName="ThreeNodes_3"/>
-          <dgm:constr type="b" for="ch" forName="ThreeNodes_3_text" refType="b" refFor="ch" refForName="ThreeNodes_3"/>
-          <dgm:constr type="l" for="ch" forName="ThreeNodes_3_text" refType="l" refFor="ch" refForName="ThreeNodes_3"/>
-          <dgm:constr type="w" for="ch" forName="FourNodes_1" refType="w" fact="0.8"/>
-          <dgm:constr type="h" for="ch" forName="FourNodes_1" refType="h" fact="0.22"/>
-          <dgm:constr type="t" for="ch" forName="FourNodes_1"/>
-          <dgm:constr type="l" for="ch" forName="FourNodes_1"/>
-          <dgm:constr type="w" for="ch" forName="FourNodes_2" refType="w" fact="0.8"/>
-          <dgm:constr type="h" for="ch" forName="FourNodes_2" refType="h" fact="0.22"/>
-          <dgm:constr type="ctrY" for="ch" forName="FourNodes_2" refType="h" fact="0.37"/>
-          <dgm:constr type="ctrX" for="ch" forName="FourNodes_2" refType="w" fact="0.467"/>
-          <dgm:constr type="w" for="ch" forName="FourNodes_3" refType="w" fact="0.8"/>
-          <dgm:constr type="h" for="ch" forName="FourNodes_3" refType="h" fact="0.22"/>
-          <dgm:constr type="ctrY" for="ch" forName="FourNodes_3" refType="h" fact="0.63"/>
-          <dgm:constr type="ctrX" for="ch" forName="FourNodes_3" refType="w" fact="0.533"/>
-          <dgm:constr type="w" for="ch" forName="FourNodes_4" refType="w" fact="0.8"/>
-          <dgm:constr type="h" for="ch" forName="FourNodes_4" refType="h" fact="0.22"/>
-          <dgm:constr type="b" for="ch" forName="FourNodes_4" refType="h"/>
-          <dgm:constr type="r" for="ch" forName="FourNodes_4" refType="w"/>
-          <dgm:constr type="w" for="ch" forName="FourConn_1-2" refType="h" refFor="ch" refForName="FourNodes_1" fact="0.65"/>
-          <dgm:constr type="h" for="ch" forName="FourConn_1-2" refType="h" refFor="ch" refForName="FourNodes_1" fact="0.65"/>
-          <dgm:constr type="ctrY" for="ch" forName="FourConn_1-2" refType="h" fact="0.24"/>
-          <dgm:constr type="r" for="ch" forName="FourConn_1-2" refType="r" refFor="ch" refForName="FourNodes_1"/>
-          <dgm:constr type="w" for="ch" forName="FourConn_2-3" refType="h" refFor="ch" refForName="FourNodes_2" fact="0.65"/>
-          <dgm:constr type="h" for="ch" forName="FourConn_2-3" refType="h" refFor="ch" refForName="FourNodes_2" fact="0.65"/>
-          <dgm:constr type="ctrY" for="ch" forName="FourConn_2-3" refType="h" fact="0.5"/>
-          <dgm:constr type="r" for="ch" forName="FourConn_2-3" refType="r" refFor="ch" refForName="FourNodes_2"/>
-          <dgm:constr type="w" for="ch" forName="FourConn_3-4" refType="h" refFor="ch" refForName="FourNodes_3" fact="0.65"/>
-          <dgm:constr type="h" for="ch" forName="FourConn_3-4" refType="h" refFor="ch" refForName="FourNodes_3" fact="0.65"/>
-          <dgm:constr type="ctrY" for="ch" forName="FourConn_3-4" refType="h" fact="0.76"/>
-          <dgm:constr type="r" for="ch" forName="FourConn_3-4" refType="r" refFor="ch" refForName="FourNodes_3"/>
-          <dgm:constr type="r" for="ch" forName="FourNodes_1_text" refType="l" refFor="ch" refForName="FourConn_1-2"/>
-          <dgm:constr type="rOff" for="ch" forName="FourNodes_1_text" refType="w" refFor="ch" refForName="FourConn_1-2" fact="-0.7"/>
-          <dgm:constr type="t" for="ch" forName="FourNodes_1_text" refType="t" refFor="ch" refForName="FourNodes_1"/>
-          <dgm:constr type="b" for="ch" forName="FourNodes_1_text" refType="b" refFor="ch" refForName="FourNodes_1"/>
-          <dgm:constr type="l" for="ch" forName="FourNodes_1_text" refType="l" refFor="ch" refForName="FourNodes_1"/>
-          <dgm:constr type="r" for="ch" forName="FourNodes_2_text" refType="l" refFor="ch" refForName="FourConn_1-2"/>
-          <dgm:constr type="t" for="ch" forName="FourNodes_2_text" refType="t" refFor="ch" refForName="FourNodes_2"/>
-          <dgm:constr type="b" for="ch" forName="FourNodes_2_text" refType="b" refFor="ch" refForName="FourNodes_2"/>
-          <dgm:constr type="l" for="ch" forName="FourNodes_2_text" refType="l" refFor="ch" refForName="FourNodes_2"/>
-          <dgm:constr type="r" for="ch" forName="FourNodes_3_text" refType="l" refFor="ch" refForName="FourConn_2-3"/>
-          <dgm:constr type="t" for="ch" forName="FourNodes_3_text" refType="t" refFor="ch" refForName="FourNodes_3"/>
-          <dgm:constr type="b" for="ch" forName="FourNodes_3_text" refType="b" refFor="ch" refForName="FourNodes_3"/>
-          <dgm:constr type="l" for="ch" forName="FourNodes_3_text" refType="l" refFor="ch" refForName="FourNodes_3"/>
-          <dgm:constr type="r" for="ch" forName="FourNodes_4_text" refType="l" refFor="ch" refForName="FourConn_3-4"/>
-          <dgm:constr type="t" for="ch" forName="FourNodes_4_text" refType="t" refFor="ch" refForName="FourNodes_4"/>
-          <dgm:constr type="b" for="ch" forName="FourNodes_4_text" refType="b" refFor="ch" refForName="FourNodes_4"/>
-          <dgm:constr type="l" for="ch" forName="FourNodes_4_text" refType="l" refFor="ch" refForName="FourNodes_4"/>
-          <dgm:constr type="w" for="ch" forName="FiveNodes_1" refType="w" fact="0.77"/>
-          <dgm:constr type="h" for="ch" forName="FiveNodes_1" refType="h" fact="0.18"/>
-          <dgm:constr type="t" for="ch" forName="FiveNodes_1"/>
-          <dgm:constr type="l" for="ch" forName="FiveNodes_1"/>
-          <dgm:constr type="w" for="ch" forName="FiveNodes_2" refType="w" fact="0.77"/>
-          <dgm:constr type="h" for="ch" forName="FiveNodes_2" refType="h" fact="0.18"/>
-          <dgm:constr type="ctrY" for="ch" forName="FiveNodes_2" refType="h" fact="0.295"/>
-          <dgm:constr type="ctrX" for="ch" forName="FiveNodes_2" refType="w" fact="0.4425"/>
-          <dgm:constr type="w" for="ch" forName="FiveNodes_3" refType="w" fact="0.77"/>
-          <dgm:constr type="h" for="ch" forName="FiveNodes_3" refType="h" fact="0.18"/>
-          <dgm:constr type="ctrY" for="ch" forName="FiveNodes_3" refType="h" fact="0.5"/>
-          <dgm:constr type="ctrX" for="ch" forName="FiveNodes_3" refType="w" fact="0.5"/>
-          <dgm:constr type="w" for="ch" forName="FiveNodes_4" refType="w" fact="0.77"/>
-          <dgm:constr type="h" for="ch" forName="FiveNodes_4" refType="h" fact="0.18"/>
-          <dgm:constr type="ctrY" for="ch" forName="FiveNodes_4" refType="h" fact="0.705"/>
-          <dgm:constr type="ctrX" for="ch" forName="FiveNodes_4" refType="w" fact="0.5575"/>
-          <dgm:constr type="w" for="ch" forName="FiveNodes_5" refType="w" fact="0.77"/>
-          <dgm:constr type="h" for="ch" forName="FiveNodes_5" refType="h" fact="0.18"/>
-          <dgm:constr type="b" for="ch" forName="FiveNodes_5" refType="h"/>
-          <dgm:constr type="r" for="ch" forName="FiveNodes_5" refType="w"/>
-          <dgm:constr type="w" for="ch" forName="FiveConn_1-2" refType="h" refFor="ch" refForName="FiveNodes_1" fact="0.65"/>
-          <dgm:constr type="h" for="ch" forName="FiveConn_1-2" refType="h" refFor="ch" refForName="FiveNodes_1" fact="0.65"/>
-          <dgm:constr type="ctrY" for="ch" forName="FiveConn_1-2" refType="h" fact="0.19"/>
-          <dgm:constr type="r" for="ch" forName="FiveConn_1-2" refType="r" refFor="ch" refForName="FiveNodes_1"/>
-          <dgm:constr type="w" for="ch" forName="FiveConn_2-3" refType="h" refFor="ch" refForName="FiveNodes_2" fact="0.65"/>
-          <dgm:constr type="h" for="ch" forName="FiveConn_2-3" refType="h" refFor="ch" refForName="FiveNodes_2" fact="0.65"/>
-          <dgm:constr type="ctrY" for="ch" forName="FiveConn_2-3" refType="h" fact="0.395"/>
-          <dgm:constr type="r" for="ch" forName="FiveConn_2-3" refType="r" refFor="ch" refForName="FiveNodes_2"/>
-          <dgm:constr type="w" for="ch" forName="FiveConn_3-4" refType="h" refFor="ch" refForName="FiveNodes_3" fact="0.65"/>
-          <dgm:constr type="h" for="ch" forName="FiveConn_3-4" refType="h" refFor="ch" refForName="FiveNodes_3" fact="0.65"/>
-          <dgm:constr type="ctrY" for="ch" forName="FiveConn_3-4" refType="h" fact="0.597"/>
-          <dgm:constr type="r" for="ch" forName="FiveConn_3-4" refType="r" refFor="ch" refForName="FiveNodes_3"/>
-          <dgm:constr type="w" for="ch" forName="FiveConn_4-5" refType="h" refFor="ch" refForName="FiveNodes_4" fact="0.65"/>
-          <dgm:constr type="h" for="ch" forName="FiveConn_4-5" refType="h" refFor="ch" refForName="FiveNodes_4" fact="0.65"/>
-          <dgm:constr type="ctrY" for="ch" forName="FiveConn_4-5" refType="h" fact="0.804"/>
-          <dgm:constr type="r" for="ch" forName="FiveConn_4-5" refType="r" refFor="ch" refForName="FiveNodes_4"/>
-          <dgm:constr type="r" for="ch" forName="FiveNodes_1_text" refType="l" refFor="ch" refForName="FiveConn_1-2"/>
-          <dgm:constr type="rOff" for="ch" forName="FiveNodes_1_text" refType="w" refFor="ch" refForName="FiveConn_1-2" fact="-0.75"/>
-          <dgm:constr type="t" for="ch" forName="FiveNodes_1_text" refType="t" refFor="ch" refForName="FiveNodes_1"/>
-          <dgm:constr type="b" for="ch" forName="FiveNodes_1_text" refType="b" refFor="ch" refForName="FiveNodes_1"/>
-          <dgm:constr type="l" for="ch" forName="FiveNodes_1_text" refType="l" refFor="ch" refForName="FiveNodes_1"/>
-          <dgm:constr type="r" for="ch" forName="FiveNodes_2_text" refType="l" refFor="ch" refForName="FiveConn_1-2"/>
-          <dgm:constr type="t" for="ch" forName="FiveNodes_2_text" refType="t" refFor="ch" refForName="FiveNodes_2"/>
-          <dgm:constr type="b" for="ch" forName="FiveNodes_2_text" refType="b" refFor="ch" refForName="FiveNodes_2"/>
-          <dgm:constr type="l" for="ch" forName="FiveNodes_2_text" refType="l" refFor="ch" refForName="FiveNodes_2"/>
-          <dgm:constr type="r" for="ch" forName="FiveNodes_3_text" refType="l" refFor="ch" refForName="FiveConn_2-3"/>
-          <dgm:constr type="t" for="ch" forName="FiveNodes_3_text" refType="t" refFor="ch" refForName="FiveNodes_3"/>
-          <dgm:constr type="b" for="ch" forName="FiveNodes_3_text" refType="b" refFor="ch" refForName="FiveNodes_3"/>
-          <dgm:constr type="l" for="ch" forName="FiveNodes_3_text" refType="l" refFor="ch" refForName="FiveNodes_3"/>
-          <dgm:constr type="r" for="ch" forName="FiveNodes_4_text" refType="l" refFor="ch" refForName="FiveConn_3-4"/>
-          <dgm:constr type="t" for="ch" forName="FiveNodes_4_text" refType="t" refFor="ch" refForName="FiveNodes_4"/>
-          <dgm:constr type="b" for="ch" forName="FiveNodes_4_text" refType="b" refFor="ch" refForName="FiveNodes_4"/>
-          <dgm:constr type="l" for="ch" forName="FiveNodes_4_text" refType="l" refFor="ch" refForName="FiveNodes_4"/>
-          <dgm:constr type="r" for="ch" forName="FiveNodes_5_text" refType="l" refFor="ch" refForName="FiveConn_4-5"/>
-          <dgm:constr type="t" for="ch" forName="FiveNodes_5_text" refType="t" refFor="ch" refForName="FiveNodes_5"/>
-          <dgm:constr type="b" for="ch" forName="FiveNodes_5_text" refType="b" refFor="ch" refForName="FiveNodes_5"/>
-          <dgm:constr type="l" for="ch" forName="FiveNodes_5_text" refType="l" refFor="ch" refForName="FiveNodes_5"/>
-        </dgm:constrLst>
-      </dgm:if>
-      <dgm:else name="Name2">
-        <dgm:constrLst>
-          <dgm:constr type="primFontSz" for="ch" ptType="node" op="equ" val="65"/>
-          <dgm:constr type="w" for="ch" forName="dummyMaxCanvas" refType="w"/>
-          <dgm:constr type="h" for="ch" forName="dummyMaxCanvas" refType="h"/>
-          <dgm:constr type="w" for="ch" forName="OneNode_1" refType="w"/>
-          <dgm:constr type="h" for="ch" forName="OneNode_1" refType="h" fact="0.5"/>
-          <dgm:constr type="ctrY" for="ch" forName="OneNode_1" refType="h" fact="0.5"/>
-          <dgm:constr type="w" for="ch" forName="TwoNodes_1" refType="w" fact="0.85"/>
-          <dgm:constr type="h" for="ch" forName="TwoNodes_1" refType="h" fact="0.45"/>
-          <dgm:constr type="t" for="ch" forName="TwoNodes_1"/>
-          <dgm:constr type="r" for="ch" forName="TwoNodes_1" refType="w"/>
-          <dgm:constr type="w" for="ch" forName="TwoNodes_2" refType="w" fact="0.85"/>
-          <dgm:constr type="h" for="ch" forName="TwoNodes_2" refType="h" fact="0.45"/>
-          <dgm:constr type="b" for="ch" forName="TwoNodes_2" refType="h"/>
-          <dgm:constr type="l" for="ch" forName="TwoNodes_2"/>
-          <dgm:constr type="w" for="ch" forName="TwoConn_1-2" refType="h" refFor="ch" refForName="TwoNodes_1" fact="0.65"/>
-          <dgm:constr type="h" for="ch" forName="TwoConn_1-2" refType="h" refFor="ch" refForName="TwoNodes_1" fact="0.65"/>
-          <dgm:constr type="ctrY" for="ch" forName="TwoConn_1-2" refType="h" fact="0.5"/>
-          <dgm:constr type="l" for="ch" forName="TwoConn_1-2" refType="l" refFor="ch" refForName="TwoNodes_1"/>
-          <dgm:constr type="l" for="ch" forName="TwoNodes_1_text" refType="r" refFor="ch" refForName="TwoConn_1-2"/>
-          <dgm:constr type="lOff" for="ch" forName="TwoNodes_1_text" refType="w" refFor="ch" refForName="TwoConn_1-2" fact="0.5"/>
-          <dgm:constr type="t" for="ch" forName="TwoNodes_1_text" refType="t" refFor="ch" refForName="TwoNodes_1"/>
-          <dgm:constr type="b" for="ch" forName="TwoNodes_1_text" refType="b" refFor="ch" refForName="TwoNodes_1"/>
-          <dgm:constr type="r" for="ch" forName="TwoNodes_1_text" refType="r" refFor="ch" refForName="TwoNodes_1"/>
-          <dgm:constr type="l" for="ch" forName="TwoNodes_2_text" refType="r" refFor="ch" refForName="TwoConn_1-2"/>
-          <dgm:constr type="t" for="ch" forName="TwoNodes_2_text" refType="t" refFor="ch" refForName="TwoNodes_2"/>
-          <dgm:constr type="b" for="ch" forName="TwoNodes_2_text" refType="b" refFor="ch" refForName="TwoNodes_2"/>
-          <dgm:constr type="r" for="ch" forName="TwoNodes_2_text" refType="r" refFor="ch" refForName="TwoNodes_2"/>
-          <dgm:constr type="w" for="ch" forName="ThreeNodes_1" refType="w" fact="0.85"/>
-          <dgm:constr type="h" for="ch" forName="ThreeNodes_1" refType="h" fact="0.3"/>
-          <dgm:constr type="t" for="ch" forName="ThreeNodes_1"/>
-          <dgm:constr type="r" for="ch" forName="ThreeNodes_1" refType="w"/>
-          <dgm:constr type="w" for="ch" forName="ThreeNodes_2" refType="w" fact="0.85"/>
-          <dgm:constr type="h" for="ch" forName="ThreeNodes_2" refType="h" fact="0.3"/>
-          <dgm:constr type="ctrY" for="ch" forName="ThreeNodes_2" refType="h" fact="0.5"/>
-          <dgm:constr type="ctrX" for="ch" forName="ThreeNodes_2" refType="w" fact="0.5"/>
-          <dgm:constr type="w" for="ch" forName="ThreeNodes_3" refType="w" fact="0.85"/>
-          <dgm:constr type="h" for="ch" forName="ThreeNodes_3" refType="h" fact="0.3"/>
-          <dgm:constr type="b" for="ch" forName="ThreeNodes_3" refType="h"/>
-          <dgm:constr type="l" for="ch" forName="ThreeNodes_3"/>
-          <dgm:constr type="w" for="ch" forName="ThreeConn_1-2" refType="h" refFor="ch" refForName="ThreeNodes_1" fact="0.65"/>
-          <dgm:constr type="h" for="ch" forName="ThreeConn_1-2" refType="h" refFor="ch" refForName="ThreeNodes_1" fact="0.65"/>
-          <dgm:constr type="ctrY" for="ch" forName="ThreeConn_1-2" refType="h" fact="0.325"/>
-          <dgm:constr type="l" for="ch" forName="ThreeConn_1-2" refType="l" refFor="ch" refForName="ThreeNodes_1"/>
-          <dgm:constr type="w" for="ch" forName="ThreeConn_2-3" refType="h" refFor="ch" refForName="ThreeNodes_2" fact="0.65"/>
-          <dgm:constr type="h" for="ch" forName="ThreeConn_2-3" refType="h" refFor="ch" refForName="ThreeNodes_2" fact="0.65"/>
-          <dgm:constr type="ctrY" for="ch" forName="ThreeConn_2-3" refType="h" fact="0.673"/>
-          <dgm:constr type="l" for="ch" forName="ThreeConn_2-3" refType="l" refFor="ch" refForName="ThreeNodes_2"/>
-          <dgm:constr type="l" for="ch" forName="ThreeNodes_1_text" refType="r" refFor="ch" refForName="ThreeConn_1-2"/>
-          <dgm:constr type="lOff" for="ch" forName="ThreeNodes_1_text" refType="w" refFor="ch" refForName="ThreeConn_1-2" fact="0.55"/>
-          <dgm:constr type="t" for="ch" forName="ThreeNodes_1_text" refType="t" refFor="ch" refForName="ThreeNodes_1"/>
-          <dgm:constr type="b" for="ch" forName="ThreeNodes_1_text" refType="b" refFor="ch" refForName="ThreeNodes_1"/>
-          <dgm:constr type="r" for="ch" forName="ThreeNodes_1_text" refType="r" refFor="ch" refForName="ThreeNodes_1"/>
-          <dgm:constr type="l" for="ch" forName="ThreeNodes_2_text" refType="r" refFor="ch" refForName="ThreeConn_1-2"/>
-          <dgm:constr type="t" for="ch" forName="ThreeNodes_2_text" refType="t" refFor="ch" refForName="ThreeNodes_2"/>
-          <dgm:constr type="b" for="ch" forName="ThreeNodes_2_text" refType="b" refFor="ch" refForName="ThreeNodes_2"/>
-          <dgm:constr type="r" for="ch" forName="ThreeNodes_2_text" refType="r" refFor="ch" refForName="ThreeNodes_2"/>
-          <dgm:constr type="l" for="ch" forName="ThreeNodes_3_text" refType="r" refFor="ch" refForName="ThreeConn_2-3"/>
-          <dgm:constr type="t" for="ch" forName="ThreeNodes_3_text" refType="t" refFor="ch" refForName="ThreeNodes_3"/>
-          <dgm:constr type="b" for="ch" forName="ThreeNodes_3_text" refType="b" refFor="ch" refForName="ThreeNodes_3"/>
-          <dgm:constr type="r" for="ch" forName="ThreeNodes_3_text" refType="r" refFor="ch" refForName="ThreeNodes_3"/>
-          <dgm:constr type="w" for="ch" forName="FourNodes_1" refType="w" fact="0.8"/>
-          <dgm:constr type="h" for="ch" forName="FourNodes_1" refType="h" fact="0.22"/>
-          <dgm:constr type="t" for="ch" forName="FourNodes_1"/>
-          <dgm:constr type="r" for="ch" forName="FourNodes_1" refType="w"/>
-          <dgm:constr type="w" for="ch" forName="FourNodes_2" refType="w" fact="0.8"/>
-          <dgm:constr type="h" for="ch" forName="FourNodes_2" refType="h" fact="0.22"/>
-          <dgm:constr type="ctrY" for="ch" forName="FourNodes_2" refType="h" fact="0.37"/>
-          <dgm:constr type="ctrX" for="ch" forName="FourNodes_2" refType="w" fact="0.533"/>
-          <dgm:constr type="w" for="ch" forName="FourNodes_3" refType="w" fact="0.8"/>
-          <dgm:constr type="h" for="ch" forName="FourNodes_3" refType="h" fact="0.22"/>
-          <dgm:constr type="ctrY" for="ch" forName="FourNodes_3" refType="h" fact="0.63"/>
-          <dgm:constr type="ctrX" for="ch" forName="FourNodes_3" refType="w" fact="0.467"/>
-          <dgm:constr type="w" for="ch" forName="FourNodes_4" refType="w" fact="0.8"/>
-          <dgm:constr type="h" for="ch" forName="FourNodes_4" refType="h" fact="0.22"/>
-          <dgm:constr type="b" for="ch" forName="FourNodes_4" refType="h"/>
-          <dgm:constr type="l" for="ch" forName="FourNodes_4"/>
-          <dgm:constr type="w" for="ch" forName="FourConn_1-2" refType="h" refFor="ch" refForName="FourNodes_1" fact="0.65"/>
-          <dgm:constr type="h" for="ch" forName="FourConn_1-2" refType="h" refFor="ch" refForName="FourNodes_1" fact="0.65"/>
-          <dgm:constr type="ctrY" for="ch" forName="FourConn_1-2" refType="h" fact="0.24"/>
-          <dgm:constr type="l" for="ch" forName="FourConn_1-2" refType="l" refFor="ch" refForName="FourNodes_1"/>
-          <dgm:constr type="w" for="ch" forName="FourConn_2-3" refType="h" refFor="ch" refForName="FourNodes_2" fact="0.65"/>
-          <dgm:constr type="h" for="ch" forName="FourConn_2-3" refType="h" refFor="ch" refForName="FourNodes_2" fact="0.65"/>
-          <dgm:constr type="ctrY" for="ch" forName="FourConn_2-3" refType="h" fact="0.5"/>
-          <dgm:constr type="l" for="ch" forName="FourConn_2-3" refType="l" refFor="ch" refForName="FourNodes_2"/>
-          <dgm:constr type="w" for="ch" forName="FourConn_3-4" refType="h" refFor="ch" refForName="FourNodes_3" fact="0.65"/>
-          <dgm:constr type="h" for="ch" forName="FourConn_3-4" refType="h" refFor="ch" refForName="FourNodes_3" fact="0.65"/>
-          <dgm:constr type="ctrY" for="ch" forName="FourConn_3-4" refType="h" fact="0.76"/>
-          <dgm:constr type="l" for="ch" forName="FourConn_3-4" refType="l" refFor="ch" refForName="FourNodes_3"/>
-          <dgm:constr type="l" for="ch" forName="FourNodes_1_text" refType="r" refFor="ch" refForName="FourConn_1-2"/>
-          <dgm:constr type="lOff" for="ch" forName="FourNodes_1_text" refType="w" refFor="ch" refForName="FourConn_1-2" fact="0.69"/>
-          <dgm:constr type="t" for="ch" forName="FourNodes_1_text" refType="t" refFor="ch" refForName="FourNodes_1"/>
-          <dgm:constr type="b" for="ch" forName="FourNodes_1_text" refType="b" refFor="ch" refForName="FourNodes_1"/>
-          <dgm:constr type="r" for="ch" forName="FourNodes_1_text" refType="r" refFor="ch" refForName="FourNodes_1"/>
-          <dgm:constr type="l" for="ch" forName="FourNodes_2_text" refType="r" refFor="ch" refForName="FourConn_1-2"/>
-          <dgm:constr type="t" for="ch" forName="FourNodes_2_text" refType="t" refFor="ch" refForName="FourNodes_2"/>
-          <dgm:constr type="b" for="ch" forName="FourNodes_2_text" refType="b" refFor="ch" refForName="FourNodes_2"/>
-          <dgm:constr type="r" for="ch" forName="FourNodes_2_text" refType="r" refFor="ch" refForName="FourNodes_2"/>
-          <dgm:constr type="l" for="ch" forName="FourNodes_3_text" refType="r" refFor="ch" refForName="FourConn_2-3"/>
-          <dgm:constr type="t" for="ch" forName="FourNodes_3_text" refType="t" refFor="ch" refForName="FourNodes_3"/>
-          <dgm:constr type="b" for="ch" forName="FourNodes_3_text" refType="b" refFor="ch" refForName="FourNodes_3"/>
-          <dgm:constr type="r" for="ch" forName="FourNodes_3_text" refType="r" refFor="ch" refForName="FourNodes_3"/>
-          <dgm:constr type="l" for="ch" forName="FourNodes_4_text" refType="r" refFor="ch" refForName="FourConn_3-4"/>
-          <dgm:constr type="t" for="ch" forName="FourNodes_4_text" refType="t" refFor="ch" refForName="FourNodes_4"/>
-          <dgm:constr type="b" for="ch" forName="FourNodes_4_text" refType="b" refFor="ch" refForName="FourNodes_4"/>
-          <dgm:constr type="r" for="ch" forName="FourNodes_4_text" refType="r" refFor="ch" refForName="FourNodes_4"/>
-          <dgm:constr type="w" for="ch" forName="FiveNodes_1" refType="w" fact="0.77"/>
-          <dgm:constr type="h" for="ch" forName="FiveNodes_1" refType="h" fact="0.18"/>
-          <dgm:constr type="t" for="ch" forName="FiveNodes_1"/>
-          <dgm:constr type="r" for="ch" forName="FiveNodes_1" refType="w"/>
-          <dgm:constr type="w" for="ch" forName="FiveNodes_2" refType="w" fact="0.77"/>
-          <dgm:constr type="h" for="ch" forName="FiveNodes_2" refType="h" fact="0.18"/>
-          <dgm:constr type="ctrY" for="ch" forName="FiveNodes_2" refType="h" fact="0.295"/>
-          <dgm:constr type="ctrX" for="ch" forName="FiveNodes_2" refType="w" fact="0.5575"/>
-          <dgm:constr type="w" for="ch" forName="FiveNodes_3" refType="w" fact="0.77"/>
-          <dgm:constr type="h" for="ch" forName="FiveNodes_3" refType="h" fact="0.18"/>
-          <dgm:constr type="ctrY" for="ch" forName="FiveNodes_3" refType="h" fact="0.5"/>
-          <dgm:constr type="ctrX" for="ch" forName="FiveNodes_3" refType="w" fact="0.5"/>
-          <dgm:constr type="w" for="ch" forName="FiveNodes_4" refType="w" fact="0.77"/>
-          <dgm:constr type="h" for="ch" forName="FiveNodes_4" refType="h" fact="0.18"/>
-          <dgm:constr type="ctrY" for="ch" forName="FiveNodes_4" refType="h" fact="0.705"/>
-          <dgm:constr type="ctrX" for="ch" forName="FiveNodes_4" refType="w" fact="0.4425"/>
-          <dgm:constr type="w" for="ch" forName="FiveNodes_5" refType="w" fact="0.77"/>
-          <dgm:constr type="h" for="ch" forName="FiveNodes_5" refType="h" fact="0.18"/>
-          <dgm:constr type="b" for="ch" forName="FiveNodes_5" refType="h"/>
-          <dgm:constr type="l" for="ch" forName="FiveNodes_5"/>
-          <dgm:constr type="w" for="ch" forName="FiveConn_1-2" refType="h" refFor="ch" refForName="FiveNodes_1" fact="0.65"/>
-          <dgm:constr type="h" for="ch" forName="FiveConn_1-2" refType="h" refFor="ch" refForName="FiveNodes_1" fact="0.65"/>
-          <dgm:constr type="ctrY" for="ch" forName="FiveConn_1-2" refType="h" fact="0.19"/>
-          <dgm:constr type="l" for="ch" forName="FiveConn_1-2" refType="l" refFor="ch" refForName="FiveNodes_1"/>
-          <dgm:constr type="w" for="ch" forName="FiveConn_2-3" refType="h" refFor="ch" refForName="FiveNodes_2" fact="0.65"/>
-          <dgm:constr type="h" for="ch" forName="FiveConn_2-3" refType="h" refFor="ch" refForName="FiveNodes_2" fact="0.65"/>
-          <dgm:constr type="ctrY" for="ch" forName="FiveConn_2-3" refType="h" fact="0.395"/>
-          <dgm:constr type="l" for="ch" forName="FiveConn_2-3" refType="l" refFor="ch" refForName="FiveNodes_2"/>
-          <dgm:constr type="w" for="ch" forName="FiveConn_3-4" refType="h" refFor="ch" refForName="FiveNodes_3" fact="0.65"/>
-          <dgm:constr type="h" for="ch" forName="FiveConn_3-4" refType="h" refFor="ch" refForName="FiveNodes_3" fact="0.65"/>
-          <dgm:constr type="ctrY" for="ch" forName="FiveConn_3-4" refType="h" fact="0.597"/>
-          <dgm:constr type="l" for="ch" forName="FiveConn_3-4" refType="l" refFor="ch" refForName="FiveNodes_3"/>
-          <dgm:constr type="w" for="ch" forName="FiveConn_4-5" refType="h" refFor="ch" refForName="FiveNodes_4" fact="0.65"/>
-          <dgm:constr type="h" for="ch" forName="FiveConn_4-5" refType="h" refFor="ch" refForName="FiveNodes_4" fact="0.65"/>
-          <dgm:constr type="ctrY" for="ch" forName="FiveConn_4-5" refType="h" fact="0.804"/>
-          <dgm:constr type="l" for="ch" forName="FiveConn_4-5" refType="l" refFor="ch" refForName="FiveNodes_4"/>
-          <dgm:constr type="l" for="ch" forName="FiveNodes_1_text" refType="r" refFor="ch" refForName="FiveConn_1-2"/>
-          <dgm:constr type="lOff" for="ch" forName="FiveNodes_1_text" refType="w" refFor="ch" refForName="FiveConn_1-2" fact="0.73"/>
-          <dgm:constr type="t" for="ch" forName="FiveNodes_1_text" refType="t" refFor="ch" refForName="FiveNodes_1"/>
-          <dgm:constr type="b" for="ch" forName="FiveNodes_1_text" refType="b" refFor="ch" refForName="FiveNodes_1"/>
-          <dgm:constr type="r" for="ch" forName="FiveNodes_1_text" refType="r" refFor="ch" refForName="FiveNodes_1"/>
-          <dgm:constr type="l" for="ch" forName="FiveNodes_2_text" refType="r" refFor="ch" refForName="FiveConn_1-2"/>
-          <dgm:constr type="t" for="ch" forName="FiveNodes_2_text" refType="t" refFor="ch" refForName="FiveNodes_2"/>
-          <dgm:constr type="b" for="ch" forName="FiveNodes_2_text" refType="b" refFor="ch" refForName="FiveNodes_2"/>
-          <dgm:constr type="r" for="ch" forName="FiveNodes_2_text" refType="r" refFor="ch" refForName="FiveNodes_2"/>
-          <dgm:constr type="l" for="ch" forName="FiveNodes_3_text" refType="r" refFor="ch" refForName="FiveConn_2-3"/>
-          <dgm:constr type="t" for="ch" forName="FiveNodes_3_text" refType="t" refFor="ch" refForName="FiveNodes_3"/>
-          <dgm:constr type="b" for="ch" forName="FiveNodes_3_text" refType="b" refFor="ch" refForName="FiveNodes_3"/>
-          <dgm:constr type="r" for="ch" forName="FiveNodes_3_text" refType="r" refFor="ch" refForName="FiveNodes_3"/>
-          <dgm:constr type="l" for="ch" forName="FiveNodes_4_text" refType="r" refFor="ch" refForName="FiveConn_3-4"/>
-          <dgm:constr type="t" for="ch" forName="FiveNodes_4_text" refType="t" refFor="ch" refForName="FiveNodes_4"/>
-          <dgm:constr type="b" for="ch" forName="FiveNodes_4_text" refType="b" refFor="ch" refForName="FiveNodes_4"/>
-          <dgm:constr type="r" for="ch" forName="FiveNodes_4_text" refType="r" refFor="ch" refForName="FiveNodes_4"/>
-          <dgm:constr type="l" for="ch" forName="FiveNodes_5_text" refType="r" refFor="ch" refForName="FiveConn_4-5"/>
-          <dgm:constr type="t" for="ch" forName="FiveNodes_5_text" refType="t" refFor="ch" refForName="FiveNodes_5"/>
-          <dgm:constr type="b" for="ch" forName="FiveNodes_5_text" refType="b" refFor="ch" refForName="FiveNodes_5"/>
-          <dgm:constr type="r" for="ch" forName="FiveNodes_5_text" refType="r" refFor="ch" refForName="FiveNodes_5"/>
-        </dgm:constrLst>
-      </dgm:else>
-    </dgm:choose>
-    <dgm:ruleLst/>
-    <dgm:layoutNode name="dummyMaxCanvas">
-      <dgm:varLst/>
-      <dgm:alg type="sp"/>
-      <dgm:shape xmlns:r="http://schemas.openxmlformats.org/officeDocument/2006/relationships" r:blip="">
-        <dgm:adjLst/>
-      </dgm:shape>
-      <dgm:presOf/>
-      <dgm:constrLst/>
-      <dgm:ruleLst/>
-    </dgm:layoutNode>
-    <dgm:choose name="Name3">
-      <dgm:if name="Name4" axis="ch" ptType="node" func="cnt" op="equ" val="1">
-        <dgm:layoutNode name="OneNode_1">
-          <dgm:varLst>
-            <dgm:bulletEnabled val="1"/>
-          </dgm:varLst>
-          <dgm:alg type="tx"/>
-          <dgm:shape xmlns:r="http://schemas.openxmlformats.org/officeDocument/2006/relationships" type="roundRect" r:blip="">
-            <dgm:adjLst>
-              <dgm:adj idx="1" val="0.1"/>
-            </dgm:adjLst>
-          </dgm:shape>
-          <dgm:presOf axis="ch desOrSelf" ptType="node node" st="1 1" cnt="1 0"/>
-          <dgm:constrLst>
-            <dgm:constr type="lMarg" refType="primFontSz" fact="0.3"/>
-            <dgm:constr type="rMarg" refType="primFontSz" fact="0.3"/>
-            <dgm:constr type="tMarg" refType="primFontSz" fact="0.3"/>
-            <dgm:constr type="bMarg" refType="primFontSz" fact="0.3"/>
-          </dgm:constrLst>
-          <dgm:ruleLst>
-            <dgm:rule type="primFontSz" val="5" fact="NaN" max="NaN"/>
-          </dgm:ruleLst>
-        </dgm:layoutNode>
-      </dgm:if>
-      <dgm:else name="Name5">
-        <dgm:choose name="Name6">
-          <dgm:if name="Name7" axis="ch" ptType="node" func="cnt" op="equ" val="2">
-            <dgm:layoutNode name="TwoNodes_1">
-              <dgm:varLst>
-                <dgm:bulletEnabled val="1"/>
-              </dgm:varLst>
-              <dgm:alg type="sp"/>
-              <dgm:shape xmlns:r="http://schemas.openxmlformats.org/officeDocument/2006/relationships" type="roundRect" r:blip="">
-                <dgm:adjLst>
-                  <dgm:adj idx="1" val="0.1"/>
-                </dgm:adjLst>
-              </dgm:shape>
-              <dgm:presOf axis="ch desOrSelf" ptType="node node" st="1 1" cnt="1 0"/>
-              <dgm:constrLst/>
-              <dgm:ruleLst/>
-            </dgm:layoutNode>
-            <dgm:layoutNode name="TwoNodes_2">
-              <dgm:varLst>
-                <dgm:bulletEnabled val="1"/>
-              </dgm:varLst>
-              <dgm:alg type="sp"/>
-              <dgm:shape xmlns:r="http://schemas.openxmlformats.org/officeDocument/2006/relationships" type="roundRect" r:blip="">
-                <dgm:adjLst>
-                  <dgm:adj idx="1" val="0.1"/>
-                </dgm:adjLst>
-              </dgm:shape>
-              <dgm:presOf axis="ch desOrSelf" ptType="node node" st="2 1" cnt="1 0"/>
-              <dgm:constrLst/>
-              <dgm:ruleLst/>
-            </dgm:layoutNode>
-            <dgm:layoutNode name="TwoConn_1-2" styleLbl="fgAccFollowNode1">
-              <dgm:varLst>
-                <dgm:bulletEnabled val="1"/>
-              </dgm:varLst>
-              <dgm:alg type="tx"/>
-              <dgm:shape xmlns:r="http://schemas.openxmlformats.org/officeDocument/2006/relationships" type="downArrow" r:blip="">
-                <dgm:adjLst>
-                  <dgm:adj idx="1" val="0.55"/>
-                  <dgm:adj idx="2" val="0.45"/>
-                </dgm:adjLst>
-              </dgm:shape>
-              <dgm:presOf axis="ch" ptType="sibTrans" cnt="1"/>
-              <dgm:constrLst>
-                <dgm:constr type="lMarg" refType="primFontSz" fact="0.1"/>
-                <dgm:constr type="rMarg" refType="primFontSz" fact="0.1"/>
-                <dgm:constr type="tMarg" refType="primFontSz" fact="0.1"/>
-                <dgm:constr type="bMarg" refType="primFontSz" fact="0.1"/>
-              </dgm:constrLst>
-              <dgm:ruleLst>
-                <dgm:rule type="primFontSz" val="5" fact="NaN" max="NaN"/>
-              </dgm:ruleLst>
-            </dgm:layoutNode>
-            <dgm:layoutNode name="TwoNodes_1_text">
-              <dgm:varLst>
-                <dgm:bulletEnabled val="1"/>
-              </dgm:varLst>
-              <dgm:alg type="tx">
-                <dgm:param type="parTxLTRAlign" val="l"/>
-                <dgm:param type="txAnchorVertCh" val="mid"/>
-              </dgm:alg>
-              <dgm:shape xmlns:r="http://schemas.openxmlformats.org/officeDocument/2006/relationships" type="roundRect" r:blip="" hideGeom="1">
-                <dgm:adjLst>
-                  <dgm:adj idx="1" val="0.1"/>
-                </dgm:adjLst>
-              </dgm:shape>
-              <dgm:presOf axis="ch desOrSelf" ptType="node node" st="1 1" cnt="1 0"/>
-              <dgm:constrLst>
-                <dgm:constr type="lMarg" refType="primFontSz" fact="0.3"/>
-                <dgm:constr type="rMarg" refType="primFontSz" fact="0.3"/>
-                <dgm:constr type="tMarg" refType="primFontSz" fact="0.3"/>
-                <dgm:constr type="bMarg" refType="primFontSz" fact="0.3"/>
-              </dgm:constrLst>
-              <dgm:ruleLst>
-                <dgm:rule type="primFontSz" val="5" fact="NaN" max="NaN"/>
-              </dgm:ruleLst>
-            </dgm:layoutNode>
-            <dgm:layoutNode name="TwoNodes_2_text">
-              <dgm:varLst>
-                <dgm:bulletEnabled val="1"/>
-              </dgm:varLst>
-              <dgm:alg type="tx">
-                <dgm:param type="parTxLTRAlign" val="l"/>
-                <dgm:param type="txAnchorVertCh" val="mid"/>
-              </dgm:alg>
-              <dgm:shape xmlns:r="http://schemas.openxmlformats.org/officeDocument/2006/relationships" type="roundRect" r:blip="" hideGeom="1">
-                <dgm:adjLst>
-                  <dgm:adj idx="1" val="0.1"/>
-                </dgm:adjLst>
-              </dgm:shape>
-              <dgm:presOf axis="ch desOrSelf" ptType="node node" st="2 1" cnt="1 0"/>
-              <dgm:constrLst>
-                <dgm:constr type="lMarg" refType="primFontSz" fact="0.3"/>
-                <dgm:constr type="rMarg" refType="primFontSz" fact="0.3"/>
-                <dgm:constr type="tMarg" refType="primFontSz" fact="0.3"/>
-                <dgm:constr type="bMarg" refType="primFontSz" fact="0.3"/>
-              </dgm:constrLst>
-              <dgm:ruleLst>
-                <dgm:rule type="primFontSz" val="5" fact="NaN" max="NaN"/>
-              </dgm:ruleLst>
-            </dgm:layoutNode>
-          </dgm:if>
-          <dgm:else name="Name8">
-            <dgm:choose name="Name9">
-              <dgm:if name="Name10" axis="ch" ptType="node" func="cnt" op="equ" val="3">
-                <dgm:layoutNode name="ThreeNodes_1">
-                  <dgm:varLst>
-                    <dgm:bulletEnabled val="1"/>
-                  </dgm:varLst>
-                  <dgm:alg type="sp"/>
-                  <dgm:shape xmlns:r="http://schemas.openxmlformats.org/officeDocument/2006/relationships" type="roundRect" r:blip="">
-                    <dgm:adjLst>
-                      <dgm:adj idx="1" val="0.1"/>
-                    </dgm:adjLst>
-                  </dgm:shape>
-                  <dgm:presOf axis="ch desOrSelf" ptType="node node" st="1 1" cnt="1 0"/>
-                  <dgm:constrLst/>
-                  <dgm:ruleLst/>
-                </dgm:layoutNode>
-                <dgm:layoutNode name="ThreeNodes_2">
-                  <dgm:varLst>
-                    <dgm:bulletEnabled val="1"/>
-                  </dgm:varLst>
-                  <dgm:alg type="sp"/>
-                  <dgm:shape xmlns:r="http://schemas.openxmlformats.org/officeDocument/2006/relationships" type="roundRect" r:blip="">
-                    <dgm:adjLst>
-                      <dgm:adj idx="1" val="0.1"/>
-                    </dgm:adjLst>
-                  </dgm:shape>
-                  <dgm:presOf axis="ch desOrSelf" ptType="node node" st="2 1" cnt="1 0"/>
-                  <dgm:constrLst/>
-                  <dgm:ruleLst/>
-                </dgm:layoutNode>
-                <dgm:layoutNode name="ThreeNodes_3">
-                  <dgm:varLst>
-                    <dgm:bulletEnabled val="1"/>
-                  </dgm:varLst>
-                  <dgm:alg type="sp"/>
-                  <dgm:shape xmlns:r="http://schemas.openxmlformats.org/officeDocument/2006/relationships" type="roundRect" r:blip="">
-                    <dgm:adjLst>
-                      <dgm:adj idx="1" val="0.1"/>
-                    </dgm:adjLst>
-                  </dgm:shape>
-                  <dgm:presOf axis="ch desOrSelf" ptType="node node" st="3 1" cnt="1 0"/>
-                  <dgm:constrLst/>
-                  <dgm:ruleLst/>
-                </dgm:layoutNode>
-                <dgm:layoutNode name="ThreeConn_1-2" styleLbl="fgAccFollowNode1">
-                  <dgm:varLst>
-                    <dgm:bulletEnabled val="1"/>
-                  </dgm:varLst>
-                  <dgm:alg type="tx"/>
-                  <dgm:shape xmlns:r="http://schemas.openxmlformats.org/officeDocument/2006/relationships" type="downArrow" r:blip="">
-                    <dgm:adjLst>
-                      <dgm:adj idx="1" val="0.55"/>
-                      <dgm:adj idx="2" val="0.45"/>
-                    </dgm:adjLst>
-                  </dgm:shape>
-                  <dgm:presOf axis="ch" ptType="sibTrans" cnt="1"/>
-                  <dgm:constrLst>
-                    <dgm:constr type="lMarg" refType="primFontSz" fact="0.1"/>
-                    <dgm:constr type="rMarg" refType="primFontSz" fact="0.1"/>
-                    <dgm:constr type="tMarg" refType="primFontSz" fact="0.1"/>
-                    <dgm:constr type="bMarg" refType="primFontSz" fact="0.1"/>
-                  </dgm:constrLst>
-                  <dgm:ruleLst>
-                    <dgm:rule type="primFontSz" val="5" fact="NaN" max="NaN"/>
-                  </dgm:ruleLst>
-                </dgm:layoutNode>
-                <dgm:layoutNode name="ThreeConn_2-3" styleLbl="fgAccFollowNode1">
-                  <dgm:varLst>
-                    <dgm:bulletEnabled val="1"/>
-                  </dgm:varLst>
-                  <dgm:alg type="tx"/>
-                  <dgm:shape xmlns:r="http://schemas.openxmlformats.org/officeDocument/2006/relationships" type="downArrow" r:blip="">
-                    <dgm:adjLst>
-                      <dgm:adj idx="1" val="0.55"/>
-                      <dgm:adj idx="2" val="0.45"/>
-                    </dgm:adjLst>
-                  </dgm:shape>
-                  <dgm:presOf axis="ch" ptType="sibTrans" st="2" cnt="1"/>
-                  <dgm:constrLst>
-                    <dgm:constr type="lMarg" refType="primFontSz" fact="0.1"/>
-                    <dgm:constr type="rMarg" refType="primFontSz" fact="0.1"/>
-                    <dgm:constr type="tMarg" refType="primFontSz" fact="0.1"/>
-                    <dgm:constr type="bMarg" refType="primFontSz" fact="0.1"/>
-                  </dgm:constrLst>
-                  <dgm:ruleLst>
-                    <dgm:rule type="primFontSz" val="5" fact="NaN" max="NaN"/>
-                  </dgm:ruleLst>
-                </dgm:layoutNode>
-                <dgm:layoutNode name="ThreeNodes_1_text">
-                  <dgm:varLst>
-                    <dgm:bulletEnabled val="1"/>
-                  </dgm:varLst>
-                  <dgm:alg type="tx">
-                    <dgm:param type="parTxLTRAlign" val="l"/>
-                    <dgm:param type="txAnchorVertCh" val="mid"/>
-                  </dgm:alg>
-                  <dgm:shape xmlns:r="http://schemas.openxmlformats.org/officeDocument/2006/relationships" type="roundRect" r:blip="" hideGeom="1">
-                    <dgm:adjLst>
-                      <dgm:adj idx="1" val="0.1"/>
-                    </dgm:adjLst>
-                  </dgm:shape>
-                  <dgm:presOf axis="ch desOrSelf" ptType="node node" st="1 1" cnt="1 0"/>
-                  <dgm:constrLst>
-                    <dgm:constr type="lMarg" refType="primFontSz" fact="0.3"/>
-                    <dgm:constr type="rMarg" refType="primFontSz" fact="0.3"/>
-                    <dgm:constr type="tMarg" refType="primFontSz" fact="0.3"/>
-                    <dgm:constr type="bMarg" refType="primFontSz" fact="0.3"/>
-                  </dgm:constrLst>
-                  <dgm:ruleLst>
-                    <dgm:rule type="primFontSz" val="5" fact="NaN" max="NaN"/>
-                  </dgm:ruleLst>
-                </dgm:layoutNode>
-                <dgm:layoutNode name="ThreeNodes_2_text">
-                  <dgm:varLst>
-                    <dgm:bulletEnabled val="1"/>
-                  </dgm:varLst>
-                  <dgm:alg type="tx">
-                    <dgm:param type="parTxLTRAlign" val="l"/>
-                    <dgm:param type="txAnchorVertCh" val="mid"/>
-                  </dgm:alg>
-                  <dgm:shape xmlns:r="http://schemas.openxmlformats.org/officeDocument/2006/relationships" type="roundRect" r:blip="" hideGeom="1">
-                    <dgm:adjLst>
-                      <dgm:adj idx="1" val="0.1"/>
-                    </dgm:adjLst>
-                  </dgm:shape>
-                  <dgm:presOf axis="ch desOrSelf" ptType="node node" st="2 1" cnt="1 0"/>
-                  <dgm:constrLst>
-                    <dgm:constr type="lMarg" refType="primFontSz" fact="0.3"/>
-                    <dgm:constr type="rMarg" refType="primFontSz" fact="0.3"/>
-                    <dgm:constr type="tMarg" refType="primFontSz" fact="0.3"/>
-                    <dgm:constr type="bMarg" refType="primFontSz" fact="0.3"/>
-                  </dgm:constrLst>
-                  <dgm:ruleLst>
-                    <dgm:rule type="primFontSz" val="5" fact="NaN" max="NaN"/>
-                  </dgm:ruleLst>
-                </dgm:layoutNode>
-                <dgm:layoutNode name="ThreeNodes_3_text">
-                  <dgm:varLst>
-                    <dgm:bulletEnabled val="1"/>
-                  </dgm:varLst>
-                  <dgm:alg type="tx">
-                    <dgm:param type="parTxLTRAlign" val="l"/>
-                    <dgm:param type="txAnchorVertCh" val="mid"/>
-                  </dgm:alg>
-                  <dgm:shape xmlns:r="http://schemas.openxmlformats.org/officeDocument/2006/relationships" type="roundRect" r:blip="" hideGeom="1">
-                    <dgm:adjLst>
-                      <dgm:adj idx="1" val="0.1"/>
-                    </dgm:adjLst>
-                  </dgm:shape>
-                  <dgm:presOf axis="ch desOrSelf" ptType="node node" st="3 1" cnt="1 0"/>
-                  <dgm:constrLst>
-                    <dgm:constr type="lMarg" refType="primFontSz" fact="0.3"/>
-                    <dgm:constr type="rMarg" refType="primFontSz" fact="0.3"/>
-                    <dgm:constr type="tMarg" refType="primFontSz" fact="0.3"/>
-                    <dgm:constr type="bMarg" refType="primFontSz" fact="0.3"/>
-                  </dgm:constrLst>
-                  <dgm:ruleLst>
-                    <dgm:rule type="primFontSz" val="5" fact="NaN" max="NaN"/>
-                  </dgm:ruleLst>
-                </dgm:layoutNode>
-              </dgm:if>
-              <dgm:else name="Name11">
-                <dgm:choose name="Name12">
-                  <dgm:if name="Name13" axis="ch" ptType="node" func="cnt" op="equ" val="4">
-                    <dgm:layoutNode name="FourNodes_1">
-                      <dgm:varLst>
-                        <dgm:bulletEnabled val="1"/>
-                      </dgm:varLst>
-                      <dgm:alg type="sp"/>
-                      <dgm:shape xmlns:r="http://schemas.openxmlformats.org/officeDocument/2006/relationships" type="roundRect" r:blip="">
-                        <dgm:adjLst>
-                          <dgm:adj idx="1" val="0.1"/>
-                        </dgm:adjLst>
-                      </dgm:shape>
-                      <dgm:presOf axis="ch desOrSelf" ptType="node node" st="1 1" cnt="1 0"/>
-                      <dgm:constrLst/>
-                      <dgm:ruleLst/>
-                    </dgm:layoutNode>
-                    <dgm:layoutNode name="FourNodes_2">
-                      <dgm:varLst>
-                        <dgm:bulletEnabled val="1"/>
-                      </dgm:varLst>
-                      <dgm:alg type="sp"/>
-                      <dgm:shape xmlns:r="http://schemas.openxmlformats.org/officeDocument/2006/relationships" type="roundRect" r:blip="">
-                        <dgm:adjLst>
-                          <dgm:adj idx="1" val="0.1"/>
-                        </dgm:adjLst>
-                      </dgm:shape>
-                      <dgm:presOf axis="ch desOrSelf" ptType="node node" st="2 1" cnt="1 0"/>
-                      <dgm:constrLst/>
-                      <dgm:ruleLst/>
-                    </dgm:layoutNode>
-                    <dgm:layoutNode name="FourNodes_3">
-                      <dgm:varLst>
-                        <dgm:bulletEnabled val="1"/>
-                      </dgm:varLst>
-                      <dgm:alg type="sp"/>
-                      <dgm:shape xmlns:r="http://schemas.openxmlformats.org/officeDocument/2006/relationships" type="roundRect" r:blip="">
-                        <dgm:adjLst>
-                          <dgm:adj idx="1" val="0.1"/>
-                        </dgm:adjLst>
-                      </dgm:shape>
-                      <dgm:presOf axis="ch desOrSelf" ptType="node node" st="3 1" cnt="1 0"/>
-                      <dgm:constrLst/>
-                      <dgm:ruleLst/>
-                    </dgm:layoutNode>
-                    <dgm:layoutNode name="FourNodes_4">
-                      <dgm:varLst>
-                        <dgm:bulletEnabled val="1"/>
-                      </dgm:varLst>
-                      <dgm:alg type="sp"/>
-                      <dgm:shape xmlns:r="http://schemas.openxmlformats.org/officeDocument/2006/relationships" type="roundRect" r:blip="">
-                        <dgm:adjLst>
-                          <dgm:adj idx="1" val="0.1"/>
-                        </dgm:adjLst>
-                      </dgm:shape>
-                      <dgm:presOf axis="ch desOrSelf" ptType="node node" st="4 1" cnt="1 0"/>
-                      <dgm:constrLst/>
-                      <dgm:ruleLst/>
-                    </dgm:layoutNode>
-                    <dgm:layoutNode name="FourConn_1-2" styleLbl="fgAccFollowNode1">
-                      <dgm:varLst>
-                        <dgm:bulletEnabled val="1"/>
-                      </dgm:varLst>
-                      <dgm:alg type="tx"/>
-                      <dgm:shape xmlns:r="http://schemas.openxmlformats.org/officeDocument/2006/relationships" type="downArrow" r:blip="">
-                        <dgm:adjLst>
-                          <dgm:adj idx="1" val="0.55"/>
-                          <dgm:adj idx="2" val="0.45"/>
-                        </dgm:adjLst>
-                      </dgm:shape>
-                      <dgm:presOf axis="ch" ptType="sibTrans" cnt="1"/>
-                      <dgm:constrLst>
-                        <dgm:constr type="lMarg" refType="primFontSz" fact="0.1"/>
-                        <dgm:constr type="rMarg" refType="primFontSz" fact="0.1"/>
-                        <dgm:constr type="tMarg" refType="primFontSz" fact="0.1"/>
-                        <dgm:constr type="bMarg" refType="primFontSz" fact="0.1"/>
-                      </dgm:constrLst>
-                      <dgm:ruleLst>
-                        <dgm:rule type="primFontSz" val="5" fact="NaN" max="NaN"/>
-                      </dgm:ruleLst>
-                    </dgm:layoutNode>
-                    <dgm:layoutNode name="FourConn_2-3" styleLbl="fgAccFollowNode1">
-                      <dgm:varLst>
-                        <dgm:bulletEnabled val="1"/>
-                      </dgm:varLst>
-                      <dgm:alg type="tx"/>
-                      <dgm:shape xmlns:r="http://schemas.openxmlformats.org/officeDocument/2006/relationships" type="downArrow" r:blip="">
-                        <dgm:adjLst>
-                          <dgm:adj idx="1" val="0.55"/>
-                          <dgm:adj idx="2" val="0.45"/>
-                        </dgm:adjLst>
-                      </dgm:shape>
-                      <dgm:presOf axis="ch" ptType="sibTrans" st="2" cnt="1"/>
-                      <dgm:constrLst>
-                        <dgm:constr type="lMarg" refType="primFontSz" fact="0.1"/>
-                        <dgm:constr type="rMarg" refType="primFontSz" fact="0.1"/>
-                        <dgm:constr type="tMarg" refType="primFontSz" fact="0.1"/>
-                        <dgm:constr type="bMarg" refType="primFontSz" fact="0.1"/>
-                      </dgm:constrLst>
-                      <dgm:ruleLst>
-                        <dgm:rule type="primFontSz" val="5" fact="NaN" max="NaN"/>
-                      </dgm:ruleLst>
-                    </dgm:layoutNode>
-                    <dgm:layoutNode name="FourConn_3-4" styleLbl="fgAccFollowNode1">
-                      <dgm:varLst>
-                        <dgm:bulletEnabled val="1"/>
-                      </dgm:varLst>
-                      <dgm:alg type="tx"/>
-                      <dgm:shape xmlns:r="http://schemas.openxmlformats.org/officeDocument/2006/relationships" type="downArrow" r:blip="">
-                        <dgm:adjLst>
-                          <dgm:adj idx="1" val="0.55"/>
-                          <dgm:adj idx="2" val="0.45"/>
-                        </dgm:adjLst>
-                      </dgm:shape>
-                      <dgm:presOf axis="ch" ptType="sibTrans" st="3" cnt="1"/>
-                      <dgm:constrLst>
-                        <dgm:constr type="lMarg" refType="primFontSz" fact="0.1"/>
-                        <dgm:constr type="rMarg" refType="primFontSz" fact="0.1"/>
-                        <dgm:constr type="tMarg" refType="primFontSz" fact="0.1"/>
-                        <dgm:constr type="bMarg" refType="primFontSz" fact="0.1"/>
-                      </dgm:constrLst>
-                      <dgm:ruleLst>
-                        <dgm:rule type="primFontSz" val="5" fact="NaN" max="NaN"/>
-                      </dgm:ruleLst>
-                    </dgm:layoutNode>
-                    <dgm:layoutNode name="FourNodes_1_text">
-                      <dgm:varLst>
-                        <dgm:bulletEnabled val="1"/>
-                      </dgm:varLst>
-                      <dgm:alg type="tx">
-                        <dgm:param type="parTxLTRAlign" val="l"/>
-                        <dgm:param type="txAnchorVertCh" val="mid"/>
-                      </dgm:alg>
-                      <dgm:shape xmlns:r="http://schemas.openxmlformats.org/officeDocument/2006/relationships" type="roundRect" r:blip="" hideGeom="1">
-                        <dgm:adjLst>
-                          <dgm:adj idx="1" val="0.1"/>
-                        </dgm:adjLst>
-                      </dgm:shape>
-                      <dgm:presOf axis="ch desOrSelf" ptType="node node" st="1 1" cnt="1 0"/>
-                      <dgm:constrLst>
-                        <dgm:constr type="lMarg" refType="primFontSz" fact="0.3"/>
-                        <dgm:constr type="rMarg" refType="primFontSz" fact="0.3"/>
-                        <dgm:constr type="tMarg" refType="primFontSz" fact="0.3"/>
-                        <dgm:constr type="bMarg" refType="primFontSz" fact="0.3"/>
-                      </dgm:constrLst>
-                      <dgm:ruleLst>
-                        <dgm:rule type="primFontSz" val="5" fact="NaN" max="NaN"/>
-                      </dgm:ruleLst>
-                    </dgm:layoutNode>
-                    <dgm:layoutNode name="FourNodes_2_text">
-                      <dgm:varLst>
-                        <dgm:bulletEnabled val="1"/>
-                      </dgm:varLst>
-                      <dgm:alg type="tx">
-                        <dgm:param type="parTxLTRAlign" val="l"/>
-                        <dgm:param type="txAnchorVertCh" val="mid"/>
-                      </dgm:alg>
-                      <dgm:shape xmlns:r="http://schemas.openxmlformats.org/officeDocument/2006/relationships" type="roundRect" r:blip="" hideGeom="1">
-                        <dgm:adjLst>
-                          <dgm:adj idx="1" val="0.1"/>
-                        </dgm:adjLst>
-                      </dgm:shape>
-                      <dgm:presOf axis="ch desOrSelf" ptType="node node" st="2 1" cnt="1 0"/>
-                      <dgm:constrLst>
-                        <dgm:constr type="lMarg" refType="primFontSz" fact="0.3"/>
-                        <dgm:constr type="rMarg" refType="primFontSz" fact="0.3"/>
-                        <dgm:constr type="tMarg" refType="primFontSz" fact="0.3"/>
-                        <dgm:constr type="bMarg" refType="primFontSz" fact="0.3"/>
-                      </dgm:constrLst>
-                      <dgm:ruleLst>
-                        <dgm:rule type="primFontSz" val="5" fact="NaN" max="NaN"/>
-                      </dgm:ruleLst>
-                    </dgm:layoutNode>
-                    <dgm:layoutNode name="FourNodes_3_text">
-                      <dgm:varLst>
-                        <dgm:bulletEnabled val="1"/>
-                      </dgm:varLst>
-                      <dgm:alg type="tx">
-                        <dgm:param type="parTxLTRAlign" val="l"/>
-                        <dgm:param type="txAnchorVertCh" val="mid"/>
-                      </dgm:alg>
-                      <dgm:shape xmlns:r="http://schemas.openxmlformats.org/officeDocument/2006/relationships" type="roundRect" r:blip="" hideGeom="1">
-                        <dgm:adjLst>
-                          <dgm:adj idx="1" val="0.1"/>
-                        </dgm:adjLst>
-                      </dgm:shape>
-                      <dgm:presOf axis="ch desOrSelf" ptType="node node" st="3 1" cnt="1 0"/>
-                      <dgm:constrLst>
-                        <dgm:constr type="lMarg" refType="primFontSz" fact="0.3"/>
-                        <dgm:constr type="rMarg" refType="primFontSz" fact="0.3"/>
-                        <dgm:constr type="tMarg" refType="primFontSz" fact="0.3"/>
-                        <dgm:constr type="bMarg" refType="primFontSz" fact="0.3"/>
-                      </dgm:constrLst>
-                      <dgm:ruleLst>
-                        <dgm:rule type="primFontSz" val="5" fact="NaN" max="NaN"/>
-                      </dgm:ruleLst>
-                    </dgm:layoutNode>
-                    <dgm:layoutNode name="FourNodes_4_text">
-                      <dgm:varLst>
-                        <dgm:bulletEnabled val="1"/>
-                      </dgm:varLst>
-                      <dgm:alg type="tx">
-                        <dgm:param type="parTxLTRAlign" val="l"/>
-                        <dgm:param type="txAnchorVertCh" val="mid"/>
-                      </dgm:alg>
-                      <dgm:shape xmlns:r="http://schemas.openxmlformats.org/officeDocument/2006/relationships" type="roundRect" r:blip="" hideGeom="1">
-                        <dgm:adjLst>
-                          <dgm:adj idx="1" val="0.1"/>
-                        </dgm:adjLst>
-                      </dgm:shape>
-                      <dgm:presOf axis="ch desOrSelf" ptType="node node" st="4 1" cnt="1 0"/>
-                      <dgm:constrLst>
-                        <dgm:constr type="lMarg" refType="primFontSz" fact="0.3"/>
-                        <dgm:constr type="rMarg" refType="primFontSz" fact="0.3"/>
-                        <dgm:constr type="tMarg" refType="primFontSz" fact="0.3"/>
-                        <dgm:constr type="bMarg" refType="primFontSz" fact="0.3"/>
-                      </dgm:constrLst>
-                      <dgm:ruleLst>
-                        <dgm:rule type="primFontSz" val="5" fact="NaN" max="NaN"/>
-                      </dgm:ruleLst>
-                    </dgm:layoutNode>
-                  </dgm:if>
-                  <dgm:else name="Name14">
-                    <dgm:choose name="Name15">
-                      <dgm:if name="Name16" axis="ch" ptType="node" func="cnt" op="gte" val="5">
-                        <dgm:layoutNode name="FiveNodes_1">
-                          <dgm:varLst>
-                            <dgm:bulletEnabled val="1"/>
-                          </dgm:varLst>
-                          <dgm:alg type="sp"/>
-                          <dgm:shape xmlns:r="http://schemas.openxmlformats.org/officeDocument/2006/relationships" type="roundRect" r:blip="">
-                            <dgm:adjLst>
-                              <dgm:adj idx="1" val="0.1"/>
-                            </dgm:adjLst>
-                          </dgm:shape>
-                          <dgm:presOf axis="ch desOrSelf" ptType="node node" st="1 1" cnt="1 0"/>
-                          <dgm:constrLst/>
-                          <dgm:ruleLst/>
-                        </dgm:layoutNode>
-                        <dgm:layoutNode name="FiveNodes_2">
-                          <dgm:varLst>
-                            <dgm:bulletEnabled val="1"/>
-                          </dgm:varLst>
-                          <dgm:alg type="sp"/>
-                          <dgm:shape xmlns:r="http://schemas.openxmlformats.org/officeDocument/2006/relationships" type="roundRect" r:blip="">
-                            <dgm:adjLst>
-                              <dgm:adj idx="1" val="0.1"/>
-                            </dgm:adjLst>
-                          </dgm:shape>
-                          <dgm:presOf axis="ch desOrSelf" ptType="node node" st="2 1" cnt="1 0"/>
-                          <dgm:constrLst/>
-                          <dgm:ruleLst/>
-                        </dgm:layoutNode>
-                        <dgm:layoutNode name="FiveNodes_3">
-                          <dgm:varLst>
-                            <dgm:bulletEnabled val="1"/>
-                          </dgm:varLst>
-                          <dgm:alg type="sp"/>
-                          <dgm:shape xmlns:r="http://schemas.openxmlformats.org/officeDocument/2006/relationships" type="roundRect" r:blip="">
-                            <dgm:adjLst>
-                              <dgm:adj idx="1" val="0.1"/>
-                            </dgm:adjLst>
-                          </dgm:shape>
-                          <dgm:presOf axis="ch desOrSelf" ptType="node node" st="3 1" cnt="1 0"/>
-                          <dgm:constrLst/>
-                          <dgm:ruleLst/>
-                        </dgm:layoutNode>
-                        <dgm:layoutNode name="FiveNodes_4">
-                          <dgm:varLst>
-                            <dgm:bulletEnabled val="1"/>
-                          </dgm:varLst>
-                          <dgm:alg type="sp"/>
-                          <dgm:shape xmlns:r="http://schemas.openxmlformats.org/officeDocument/2006/relationships" type="roundRect" r:blip="">
-                            <dgm:adjLst>
-                              <dgm:adj idx="1" val="0.1"/>
-                            </dgm:adjLst>
-                          </dgm:shape>
-                          <dgm:presOf axis="ch desOrSelf" ptType="node node" st="4 1" cnt="1 0"/>
-                          <dgm:constrLst/>
-                          <dgm:ruleLst/>
-                        </dgm:layoutNode>
-                        <dgm:layoutNode name="FiveNodes_5">
-                          <dgm:varLst>
-                            <dgm:bulletEnabled val="1"/>
-                          </dgm:varLst>
-                          <dgm:alg type="sp"/>
-                          <dgm:shape xmlns:r="http://schemas.openxmlformats.org/officeDocument/2006/relationships" type="roundRect" r:blip="">
-                            <dgm:adjLst>
-                              <dgm:adj idx="1" val="0.1"/>
-                            </dgm:adjLst>
-                          </dgm:shape>
-                          <dgm:presOf axis="ch desOrSelf" ptType="node node" st="5 1" cnt="1 0"/>
-                          <dgm:constrLst/>
-                          <dgm:ruleLst/>
-                        </dgm:layoutNode>
-                        <dgm:layoutNode name="FiveConn_1-2" styleLbl="fgAccFollowNode1">
-                          <dgm:varLst>
-                            <dgm:bulletEnabled val="1"/>
-                          </dgm:varLst>
-                          <dgm:alg type="tx"/>
-                          <dgm:shape xmlns:r="http://schemas.openxmlformats.org/officeDocument/2006/relationships" type="downArrow" r:blip="">
-                            <dgm:adjLst>
-                              <dgm:adj idx="1" val="0.55"/>
-                              <dgm:adj idx="2" val="0.45"/>
-                            </dgm:adjLst>
-                          </dgm:shape>
-                          <dgm:presOf axis="ch" ptType="sibTrans" cnt="1"/>
-                          <dgm:constrLst>
-                            <dgm:constr type="lMarg" refType="primFontSz" fact="0.1"/>
-                            <dgm:constr type="rMarg" refType="primFontSz" fact="0.1"/>
-                            <dgm:constr type="tMarg" refType="primFontSz" fact="0.1"/>
-                            <dgm:constr type="bMarg" refType="primFontSz" fact="0.1"/>
-                          </dgm:constrLst>
-                          <dgm:ruleLst>
-                            <dgm:rule type="primFontSz" val="5" fact="NaN" max="NaN"/>
-                          </dgm:ruleLst>
-                        </dgm:layoutNode>
-                        <dgm:layoutNode name="FiveConn_2-3" styleLbl="fgAccFollowNode1">
-                          <dgm:varLst>
-                            <dgm:bulletEnabled val="1"/>
-                          </dgm:varLst>
-                          <dgm:alg type="tx"/>
-                          <dgm:shape xmlns:r="http://schemas.openxmlformats.org/officeDocument/2006/relationships" type="downArrow" r:blip="">
-                            <dgm:adjLst>
-                              <dgm:adj idx="1" val="0.55"/>
-                              <dgm:adj idx="2" val="0.45"/>
-                            </dgm:adjLst>
-                          </dgm:shape>
-                          <dgm:presOf axis="ch" ptType="sibTrans" st="2" cnt="1"/>
-                          <dgm:constrLst>
-                            <dgm:constr type="lMarg" refType="primFontSz" fact="0.1"/>
-                            <dgm:constr type="rMarg" refType="primFontSz" fact="0.1"/>
-                            <dgm:constr type="tMarg" refType="primFontSz" fact="0.1"/>
-                            <dgm:constr type="bMarg" refType="primFontSz" fact="0.1"/>
-                          </dgm:constrLst>
-                          <dgm:ruleLst>
-                            <dgm:rule type="primFontSz" val="5" fact="NaN" max="NaN"/>
-                          </dgm:ruleLst>
-                        </dgm:layoutNode>
-                        <dgm:layoutNode name="FiveConn_3-4" styleLbl="fgAccFollowNode1">
-                          <dgm:varLst>
-                            <dgm:bulletEnabled val="1"/>
-                          </dgm:varLst>
-                          <dgm:alg type="tx"/>
-                          <dgm:shape xmlns:r="http://schemas.openxmlformats.org/officeDocument/2006/relationships" type="downArrow" r:blip="">
-                            <dgm:adjLst>
-                              <dgm:adj idx="1" val="0.55"/>
-                              <dgm:adj idx="2" val="0.45"/>
-                            </dgm:adjLst>
-                          </dgm:shape>
-                          <dgm:presOf axis="ch" ptType="sibTrans" st="3" cnt="1"/>
-                          <dgm:constrLst>
-                            <dgm:constr type="lMarg" refType="primFontSz" fact="0.1"/>
-                            <dgm:constr type="rMarg" refType="primFontSz" fact="0.1"/>
-                            <dgm:constr type="tMarg" refType="primFontSz" fact="0.1"/>
-                            <dgm:constr type="bMarg" refType="primFontSz" fact="0.1"/>
-                          </dgm:constrLst>
-                          <dgm:ruleLst>
-                            <dgm:rule type="primFontSz" val="5" fact="NaN" max="NaN"/>
-                          </dgm:ruleLst>
-                        </dgm:layoutNode>
-                        <dgm:layoutNode name="FiveConn_4-5" styleLbl="fgAccFollowNode1">
-                          <dgm:varLst>
-                            <dgm:bulletEnabled val="1"/>
-                          </dgm:varLst>
-                          <dgm:alg type="tx"/>
-                          <dgm:shape xmlns:r="http://schemas.openxmlformats.org/officeDocument/2006/relationships" type="downArrow" r:blip="">
-                            <dgm:adjLst>
-                              <dgm:adj idx="1" val="0.55"/>
-                              <dgm:adj idx="2" val="0.45"/>
-                            </dgm:adjLst>
-                          </dgm:shape>
-                          <dgm:presOf axis="ch" ptType="sibTrans" st="4" cnt="1"/>
-                          <dgm:constrLst>
-                            <dgm:constr type="lMarg" refType="primFontSz" fact="0.1"/>
-                            <dgm:constr type="rMarg" refType="primFontSz" fact="0.1"/>
-                            <dgm:constr type="tMarg" refType="primFontSz" fact="0.1"/>
-                            <dgm:constr type="bMarg" refType="primFontSz" fact="0.1"/>
-                          </dgm:constrLst>
-                          <dgm:ruleLst>
-                            <dgm:rule type="primFontSz" val="5" fact="NaN" max="NaN"/>
-                          </dgm:ruleLst>
-                        </dgm:layoutNode>
-                        <dgm:layoutNode name="FiveNodes_1_text">
-                          <dgm:varLst>
-                            <dgm:bulletEnabled val="1"/>
-                          </dgm:varLst>
-                          <dgm:alg type="tx">
-                            <dgm:param type="parTxLTRAlign" val="l"/>
-                            <dgm:param type="txAnchorVertCh" val="mid"/>
-                          </dgm:alg>
-                          <dgm:shape xmlns:r="http://schemas.openxmlformats.org/officeDocument/2006/relationships" type="roundRect" r:blip="" hideGeom="1">
-                            <dgm:adjLst>
-                              <dgm:adj idx="1" val="0.1"/>
-                            </dgm:adjLst>
-                          </dgm:shape>
-                          <dgm:presOf axis="ch desOrSelf" ptType="node node" st="1 1" cnt="1 0"/>
-                          <dgm:constrLst>
-                            <dgm:constr type="lMarg" refType="primFontSz" fact="0.3"/>
-                            <dgm:constr type="rMarg" refType="primFontSz" fact="0.3"/>
-                            <dgm:constr type="tMarg" refType="primFontSz" fact="0.3"/>
-                            <dgm:constr type="bMarg" refType="primFontSz" fact="0.3"/>
-                          </dgm:constrLst>
-                          <dgm:ruleLst>
-                            <dgm:rule type="primFontSz" val="5" fact="NaN" max="NaN"/>
-                          </dgm:ruleLst>
-                        </dgm:layoutNode>
-                        <dgm:layoutNode name="FiveNodes_2_text">
-                          <dgm:varLst>
-                            <dgm:bulletEnabled val="1"/>
-                          </dgm:varLst>
-                          <dgm:alg type="tx">
-                            <dgm:param type="parTxLTRAlign" val="l"/>
-                            <dgm:param type="txAnchorVertCh" val="mid"/>
-                          </dgm:alg>
-                          <dgm:shape xmlns:r="http://schemas.openxmlformats.org/officeDocument/2006/relationships" type="roundRect" r:blip="" hideGeom="1">
-                            <dgm:adjLst>
-                              <dgm:adj idx="1" val="0.1"/>
-                            </dgm:adjLst>
-                          </dgm:shape>
-                          <dgm:presOf axis="ch desOrSelf" ptType="node node" st="2 1" cnt="1 0"/>
-                          <dgm:constrLst>
-                            <dgm:constr type="lMarg" refType="primFontSz" fact="0.3"/>
-                            <dgm:constr type="rMarg" refType="primFontSz" fact="0.3"/>
-                            <dgm:constr type="tMarg" refType="primFontSz" fact="0.3"/>
-                            <dgm:constr type="bMarg" refType="primFontSz" fact="0.3"/>
-                          </dgm:constrLst>
-                          <dgm:ruleLst>
-                            <dgm:rule type="primFontSz" val="5" fact="NaN" max="NaN"/>
-                          </dgm:ruleLst>
-                        </dgm:layoutNode>
-                        <dgm:layoutNode name="FiveNodes_3_text">
-                          <dgm:varLst>
-                            <dgm:bulletEnabled val="1"/>
-                          </dgm:varLst>
-                          <dgm:alg type="tx">
-                            <dgm:param type="parTxLTRAlign" val="l"/>
-                            <dgm:param type="txAnchorVertCh" val="mid"/>
-                          </dgm:alg>
-                          <dgm:shape xmlns:r="http://schemas.openxmlformats.org/officeDocument/2006/relationships" type="roundRect" r:blip="" hideGeom="1">
-                            <dgm:adjLst>
-                              <dgm:adj idx="1" val="0.1"/>
-                            </dgm:adjLst>
-                          </dgm:shape>
-                          <dgm:presOf axis="ch desOrSelf" ptType="node node" st="3 1" cnt="1 0"/>
-                          <dgm:constrLst>
-                            <dgm:constr type="lMarg" refType="primFontSz" fact="0.3"/>
-                            <dgm:constr type="rMarg" refType="primFontSz" fact="0.3"/>
-                            <dgm:constr type="tMarg" refType="primFontSz" fact="0.3"/>
-                            <dgm:constr type="bMarg" refType="primFontSz" fact="0.3"/>
-                          </dgm:constrLst>
-                          <dgm:ruleLst>
-                            <dgm:rule type="primFontSz" val="5" fact="NaN" max="NaN"/>
-                          </dgm:ruleLst>
-                        </dgm:layoutNode>
-                        <dgm:layoutNode name="FiveNodes_4_text">
-                          <dgm:varLst>
-                            <dgm:bulletEnabled val="1"/>
-                          </dgm:varLst>
-                          <dgm:alg type="tx">
-                            <dgm:param type="parTxLTRAlign" val="l"/>
-                            <dgm:param type="txAnchorVertCh" val="mid"/>
-                          </dgm:alg>
-                          <dgm:shape xmlns:r="http://schemas.openxmlformats.org/officeDocument/2006/relationships" type="roundRect" r:blip="" hideGeom="1">
-                            <dgm:adjLst>
-                              <dgm:adj idx="1" val="0.1"/>
-                            </dgm:adjLst>
-                          </dgm:shape>
-                          <dgm:presOf axis="ch desOrSelf" ptType="node node" st="4 1" cnt="1 0"/>
-                          <dgm:constrLst>
-                            <dgm:constr type="lMarg" refType="primFontSz" fact="0.3"/>
-                            <dgm:constr type="rMarg" refType="primFontSz" fact="0.3"/>
-                            <dgm:constr type="tMarg" refType="primFontSz" fact="0.3"/>
-                            <dgm:constr type="bMarg" refType="primFontSz" fact="0.3"/>
-                          </dgm:constrLst>
-                          <dgm:ruleLst>
-                            <dgm:rule type="primFontSz" val="5" fact="NaN" max="NaN"/>
-                          </dgm:ruleLst>
-                        </dgm:layoutNode>
-                        <dgm:layoutNode name="FiveNodes_5_text">
-                          <dgm:varLst>
-                            <dgm:bulletEnabled val="1"/>
-                          </dgm:varLst>
-                          <dgm:alg type="tx">
-                            <dgm:param type="parTxLTRAlign" val="l"/>
-                            <dgm:param type="txAnchorVertCh" val="mid"/>
-                          </dgm:alg>
-                          <dgm:shape xmlns:r="http://schemas.openxmlformats.org/officeDocument/2006/relationships" type="roundRect" r:blip="" hideGeom="1">
-                            <dgm:adjLst>
-                              <dgm:adj idx="1" val="0.1"/>
-                            </dgm:adjLst>
-                          </dgm:shape>
-                          <dgm:presOf axis="ch desOrSelf" ptType="node node" st="5 1" cnt="1 0"/>
-                          <dgm:constrLst>
-                            <dgm:constr type="lMarg" refType="primFontSz" fact="0.3"/>
-                            <dgm:constr type="rMarg" refType="primFontSz" fact="0.3"/>
-                            <dgm:constr type="tMarg" refType="primFontSz" fact="0.3"/>
-                            <dgm:constr type="bMarg" refType="primFontSz" fact="0.3"/>
-                          </dgm:constrLst>
-                          <dgm:ruleLst>
-                            <dgm:rule type="primFontSz" val="5" fact="NaN" max="NaN"/>
-                          </dgm:ruleLst>
-                        </dgm:layoutNode>
-                      </dgm:if>
-                      <dgm:else name="Name17"/>
-                    </dgm:choose>
-                  </dgm:else>
-                </dgm:choose>
-              </dgm:else>
-            </dgm:choose>
-          </dgm:else>
-        </dgm:choose>
-      </dgm:else>
-    </dgm:choose>
-  </dgm:layoutNode>
 </dgm:layoutDef>
 </file>
 
@@ -9570,1040 +6592,6 @@
 </file>
 
 <file path=ppt/diagrams/quickStyle2.xml><?xml version="1.0" encoding="utf-8"?>
-<dgm:styleDef xmlns:dgm="http://schemas.openxmlformats.org/drawingml/2006/diagram" xmlns:a="http://schemas.openxmlformats.org/drawingml/2006/main" uniqueId="urn:microsoft.com/office/officeart/2005/8/quickstyle/simple1">
-  <dgm:title val=""/>
-  <dgm:desc val=""/>
-  <dgm:catLst>
-    <dgm:cat type="simple" pri="10100"/>
-  </dgm:catLst>
-  <dgm:scene3d>
-    <a:camera prst="orthographicFront"/>
-    <a:lightRig rig="threePt" dir="t"/>
-  </dgm:scene3d>
-  <dgm:styleLbl name="node0">
-    <dgm:scene3d>
-      <a:camera prst="orthographicFront"/>
-      <a:lightRig rig="threePt" dir="t"/>
-    </dgm:scene3d>
-    <dgm:sp3d/>
-    <dgm:txPr/>
-    <dgm:style>
-      <a:lnRef idx="2">
-        <a:scrgbClr r="0" g="0" b="0"/>
-      </a:lnRef>
-      <a:fillRef idx="1">
-        <a:scrgbClr r="0" g="0" b="0"/>
-      </a:fillRef>
-      <a:effectRef idx="0">
-        <a:scrgbClr r="0" g="0" b="0"/>
-      </a:effectRef>
-      <a:fontRef idx="minor">
-        <a:schemeClr val="lt1"/>
-      </a:fontRef>
-    </dgm:style>
-  </dgm:styleLbl>
-  <dgm:styleLbl name="lnNode1">
-    <dgm:scene3d>
-      <a:camera prst="orthographicFront"/>
-      <a:lightRig rig="threePt" dir="t"/>
-    </dgm:scene3d>
-    <dgm:sp3d/>
-    <dgm:txPr/>
-    <dgm:style>
-      <a:lnRef idx="2">
-        <a:scrgbClr r="0" g="0" b="0"/>
-      </a:lnRef>
-      <a:fillRef idx="1">
-        <a:scrgbClr r="0" g="0" b="0"/>
-      </a:fillRef>
-      <a:effectRef idx="0">
-        <a:scrgbClr r="0" g="0" b="0"/>
-      </a:effectRef>
-      <a:fontRef idx="minor">
-        <a:schemeClr val="lt1"/>
-      </a:fontRef>
-    </dgm:style>
-  </dgm:styleLbl>
-  <dgm:styleLbl name="vennNode1">
-    <dgm:scene3d>
-      <a:camera prst="orthographicFront"/>
-      <a:lightRig rig="threePt" dir="t"/>
-    </dgm:scene3d>
-    <dgm:sp3d/>
-    <dgm:txPr/>
-    <dgm:style>
-      <a:lnRef idx="2">
-        <a:scrgbClr r="0" g="0" b="0"/>
-      </a:lnRef>
-      <a:fillRef idx="1">
-        <a:scrgbClr r="0" g="0" b="0"/>
-      </a:fillRef>
-      <a:effectRef idx="0">
-        <a:scrgbClr r="0" g="0" b="0"/>
-      </a:effectRef>
-      <a:fontRef idx="minor">
-        <a:schemeClr val="tx1"/>
-      </a:fontRef>
-    </dgm:style>
-  </dgm:styleLbl>
-  <dgm:styleLbl name="alignNode1">
-    <dgm:scene3d>
-      <a:camera prst="orthographicFront"/>
-      <a:lightRig rig="threePt" dir="t"/>
-    </dgm:scene3d>
-    <dgm:sp3d/>
-    <dgm:txPr/>
-    <dgm:style>
-      <a:lnRef idx="2">
-        <a:scrgbClr r="0" g="0" b="0"/>
-      </a:lnRef>
-      <a:fillRef idx="1">
-        <a:scrgbClr r="0" g="0" b="0"/>
-      </a:fillRef>
-      <a:effectRef idx="0">
-        <a:scrgbClr r="0" g="0" b="0"/>
-      </a:effectRef>
-      <a:fontRef idx="minor">
-        <a:schemeClr val="lt1"/>
-      </a:fontRef>
-    </dgm:style>
-  </dgm:styleLbl>
-  <dgm:styleLbl name="node1">
-    <dgm:scene3d>
-      <a:camera prst="orthographicFront"/>
-      <a:lightRig rig="threePt" dir="t"/>
-    </dgm:scene3d>
-    <dgm:sp3d/>
-    <dgm:txPr/>
-    <dgm:style>
-      <a:lnRef idx="2">
-        <a:scrgbClr r="0" g="0" b="0"/>
-      </a:lnRef>
-      <a:fillRef idx="1">
-        <a:scrgbClr r="0" g="0" b="0"/>
-      </a:fillRef>
-      <a:effectRef idx="0">
-        <a:scrgbClr r="0" g="0" b="0"/>
-      </a:effectRef>
-      <a:fontRef idx="minor">
-        <a:schemeClr val="lt1"/>
-      </a:fontRef>
-    </dgm:style>
-  </dgm:styleLbl>
-  <dgm:styleLbl name="node2">
-    <dgm:scene3d>
-      <a:camera prst="orthographicFront"/>
-      <a:lightRig rig="threePt" dir="t"/>
-    </dgm:scene3d>
-    <dgm:sp3d/>
-    <dgm:txPr/>
-    <dgm:style>
-      <a:lnRef idx="2">
-        <a:scrgbClr r="0" g="0" b="0"/>
-      </a:lnRef>
-      <a:fillRef idx="1">
-        <a:scrgbClr r="0" g="0" b="0"/>
-      </a:fillRef>
-      <a:effectRef idx="0">
-        <a:scrgbClr r="0" g="0" b="0"/>
-      </a:effectRef>
-      <a:fontRef idx="minor">
-        <a:schemeClr val="lt1"/>
-      </a:fontRef>
-    </dgm:style>
-  </dgm:styleLbl>
-  <dgm:styleLbl name="node3">
-    <dgm:scene3d>
-      <a:camera prst="orthographicFront"/>
-      <a:lightRig rig="threePt" dir="t"/>
-    </dgm:scene3d>
-    <dgm:sp3d/>
-    <dgm:txPr/>
-    <dgm:style>
-      <a:lnRef idx="2">
-        <a:scrgbClr r="0" g="0" b="0"/>
-      </a:lnRef>
-      <a:fillRef idx="1">
-        <a:scrgbClr r="0" g="0" b="0"/>
-      </a:fillRef>
-      <a:effectRef idx="0">
-        <a:scrgbClr r="0" g="0" b="0"/>
-      </a:effectRef>
-      <a:fontRef idx="minor">
-        <a:schemeClr val="lt1"/>
-      </a:fontRef>
-    </dgm:style>
-  </dgm:styleLbl>
-  <dgm:styleLbl name="node4">
-    <dgm:scene3d>
-      <a:camera prst="orthographicFront"/>
-      <a:lightRig rig="threePt" dir="t"/>
-    </dgm:scene3d>
-    <dgm:sp3d/>
-    <dgm:txPr/>
-    <dgm:style>
-      <a:lnRef idx="2">
-        <a:scrgbClr r="0" g="0" b="0"/>
-      </a:lnRef>
-      <a:fillRef idx="1">
-        <a:scrgbClr r="0" g="0" b="0"/>
-      </a:fillRef>
-      <a:effectRef idx="0">
-        <a:scrgbClr r="0" g="0" b="0"/>
-      </a:effectRef>
-      <a:fontRef idx="minor">
-        <a:schemeClr val="lt1"/>
-      </a:fontRef>
-    </dgm:style>
-  </dgm:styleLbl>
-  <dgm:styleLbl name="fgImgPlace1">
-    <dgm:scene3d>
-      <a:camera prst="orthographicFront"/>
-      <a:lightRig rig="threePt" dir="t"/>
-    </dgm:scene3d>
-    <dgm:sp3d/>
-    <dgm:txPr/>
-    <dgm:style>
-      <a:lnRef idx="2">
-        <a:scrgbClr r="0" g="0" b="0"/>
-      </a:lnRef>
-      <a:fillRef idx="1">
-        <a:scrgbClr r="0" g="0" b="0"/>
-      </a:fillRef>
-      <a:effectRef idx="0">
-        <a:scrgbClr r="0" g="0" b="0"/>
-      </a:effectRef>
-      <a:fontRef idx="minor"/>
-    </dgm:style>
-  </dgm:styleLbl>
-  <dgm:styleLbl name="alignImgPlace1">
-    <dgm:scene3d>
-      <a:camera prst="orthographicFront"/>
-      <a:lightRig rig="threePt" dir="t"/>
-    </dgm:scene3d>
-    <dgm:sp3d/>
-    <dgm:txPr/>
-    <dgm:style>
-      <a:lnRef idx="2">
-        <a:scrgbClr r="0" g="0" b="0"/>
-      </a:lnRef>
-      <a:fillRef idx="1">
-        <a:scrgbClr r="0" g="0" b="0"/>
-      </a:fillRef>
-      <a:effectRef idx="0">
-        <a:scrgbClr r="0" g="0" b="0"/>
-      </a:effectRef>
-      <a:fontRef idx="minor"/>
-    </dgm:style>
-  </dgm:styleLbl>
-  <dgm:styleLbl name="bgImgPlace1">
-    <dgm:scene3d>
-      <a:camera prst="orthographicFront"/>
-      <a:lightRig rig="threePt" dir="t"/>
-    </dgm:scene3d>
-    <dgm:sp3d/>
-    <dgm:txPr/>
-    <dgm:style>
-      <a:lnRef idx="2">
-        <a:scrgbClr r="0" g="0" b="0"/>
-      </a:lnRef>
-      <a:fillRef idx="1">
-        <a:scrgbClr r="0" g="0" b="0"/>
-      </a:fillRef>
-      <a:effectRef idx="0">
-        <a:scrgbClr r="0" g="0" b="0"/>
-      </a:effectRef>
-      <a:fontRef idx="minor"/>
-    </dgm:style>
-  </dgm:styleLbl>
-  <dgm:styleLbl name="sibTrans2D1">
-    <dgm:scene3d>
-      <a:camera prst="orthographicFront"/>
-      <a:lightRig rig="threePt" dir="t"/>
-    </dgm:scene3d>
-    <dgm:sp3d/>
-    <dgm:txPr/>
-    <dgm:style>
-      <a:lnRef idx="0">
-        <a:scrgbClr r="0" g="0" b="0"/>
-      </a:lnRef>
-      <a:fillRef idx="1">
-        <a:scrgbClr r="0" g="0" b="0"/>
-      </a:fillRef>
-      <a:effectRef idx="0">
-        <a:scrgbClr r="0" g="0" b="0"/>
-      </a:effectRef>
-      <a:fontRef idx="minor">
-        <a:schemeClr val="lt1"/>
-      </a:fontRef>
-    </dgm:style>
-  </dgm:styleLbl>
-  <dgm:styleLbl name="fgSibTrans2D1">
-    <dgm:scene3d>
-      <a:camera prst="orthographicFront"/>
-      <a:lightRig rig="threePt" dir="t"/>
-    </dgm:scene3d>
-    <dgm:sp3d/>
-    <dgm:txPr/>
-    <dgm:style>
-      <a:lnRef idx="0">
-        <a:scrgbClr r="0" g="0" b="0"/>
-      </a:lnRef>
-      <a:fillRef idx="1">
-        <a:scrgbClr r="0" g="0" b="0"/>
-      </a:fillRef>
-      <a:effectRef idx="0">
-        <a:scrgbClr r="0" g="0" b="0"/>
-      </a:effectRef>
-      <a:fontRef idx="minor">
-        <a:schemeClr val="lt1"/>
-      </a:fontRef>
-    </dgm:style>
-  </dgm:styleLbl>
-  <dgm:styleLbl name="bgSibTrans2D1">
-    <dgm:scene3d>
-      <a:camera prst="orthographicFront"/>
-      <a:lightRig rig="threePt" dir="t"/>
-    </dgm:scene3d>
-    <dgm:sp3d/>
-    <dgm:txPr/>
-    <dgm:style>
-      <a:lnRef idx="0">
-        <a:scrgbClr r="0" g="0" b="0"/>
-      </a:lnRef>
-      <a:fillRef idx="1">
-        <a:scrgbClr r="0" g="0" b="0"/>
-      </a:fillRef>
-      <a:effectRef idx="0">
-        <a:scrgbClr r="0" g="0" b="0"/>
-      </a:effectRef>
-      <a:fontRef idx="minor">
-        <a:schemeClr val="lt1"/>
-      </a:fontRef>
-    </dgm:style>
-  </dgm:styleLbl>
-  <dgm:styleLbl name="sibTrans1D1">
-    <dgm:scene3d>
-      <a:camera prst="orthographicFront"/>
-      <a:lightRig rig="threePt" dir="t"/>
-    </dgm:scene3d>
-    <dgm:sp3d/>
-    <dgm:txPr/>
-    <dgm:style>
-      <a:lnRef idx="1">
-        <a:scrgbClr r="0" g="0" b="0"/>
-      </a:lnRef>
-      <a:fillRef idx="0">
-        <a:scrgbClr r="0" g="0" b="0"/>
-      </a:fillRef>
-      <a:effectRef idx="0">
-        <a:scrgbClr r="0" g="0" b="0"/>
-      </a:effectRef>
-      <a:fontRef idx="minor"/>
-    </dgm:style>
-  </dgm:styleLbl>
-  <dgm:styleLbl name="callout">
-    <dgm:scene3d>
-      <a:camera prst="orthographicFront"/>
-      <a:lightRig rig="threePt" dir="t"/>
-    </dgm:scene3d>
-    <dgm:sp3d/>
-    <dgm:txPr/>
-    <dgm:style>
-      <a:lnRef idx="2">
-        <a:scrgbClr r="0" g="0" b="0"/>
-      </a:lnRef>
-      <a:fillRef idx="1">
-        <a:scrgbClr r="0" g="0" b="0"/>
-      </a:fillRef>
-      <a:effectRef idx="0">
-        <a:scrgbClr r="0" g="0" b="0"/>
-      </a:effectRef>
-      <a:fontRef idx="minor"/>
-    </dgm:style>
-  </dgm:styleLbl>
-  <dgm:styleLbl name="asst0">
-    <dgm:scene3d>
-      <a:camera prst="orthographicFront"/>
-      <a:lightRig rig="threePt" dir="t"/>
-    </dgm:scene3d>
-    <dgm:sp3d/>
-    <dgm:txPr/>
-    <dgm:style>
-      <a:lnRef idx="2">
-        <a:scrgbClr r="0" g="0" b="0"/>
-      </a:lnRef>
-      <a:fillRef idx="1">
-        <a:scrgbClr r="0" g="0" b="0"/>
-      </a:fillRef>
-      <a:effectRef idx="0">
-        <a:scrgbClr r="0" g="0" b="0"/>
-      </a:effectRef>
-      <a:fontRef idx="minor">
-        <a:schemeClr val="lt1"/>
-      </a:fontRef>
-    </dgm:style>
-  </dgm:styleLbl>
-  <dgm:styleLbl name="asst1">
-    <dgm:scene3d>
-      <a:camera prst="orthographicFront"/>
-      <a:lightRig rig="threePt" dir="t"/>
-    </dgm:scene3d>
-    <dgm:sp3d/>
-    <dgm:txPr/>
-    <dgm:style>
-      <a:lnRef idx="2">
-        <a:scrgbClr r="0" g="0" b="0"/>
-      </a:lnRef>
-      <a:fillRef idx="1">
-        <a:scrgbClr r="0" g="0" b="0"/>
-      </a:fillRef>
-      <a:effectRef idx="0">
-        <a:scrgbClr r="0" g="0" b="0"/>
-      </a:effectRef>
-      <a:fontRef idx="minor">
-        <a:schemeClr val="lt1"/>
-      </a:fontRef>
-    </dgm:style>
-  </dgm:styleLbl>
-  <dgm:styleLbl name="asst2">
-    <dgm:scene3d>
-      <a:camera prst="orthographicFront"/>
-      <a:lightRig rig="threePt" dir="t"/>
-    </dgm:scene3d>
-    <dgm:sp3d/>
-    <dgm:txPr/>
-    <dgm:style>
-      <a:lnRef idx="2">
-        <a:scrgbClr r="0" g="0" b="0"/>
-      </a:lnRef>
-      <a:fillRef idx="1">
-        <a:scrgbClr r="0" g="0" b="0"/>
-      </a:fillRef>
-      <a:effectRef idx="0">
-        <a:scrgbClr r="0" g="0" b="0"/>
-      </a:effectRef>
-      <a:fontRef idx="minor">
-        <a:schemeClr val="lt1"/>
-      </a:fontRef>
-    </dgm:style>
-  </dgm:styleLbl>
-  <dgm:styleLbl name="asst3">
-    <dgm:scene3d>
-      <a:camera prst="orthographicFront"/>
-      <a:lightRig rig="threePt" dir="t"/>
-    </dgm:scene3d>
-    <dgm:sp3d/>
-    <dgm:txPr/>
-    <dgm:style>
-      <a:lnRef idx="2">
-        <a:scrgbClr r="0" g="0" b="0"/>
-      </a:lnRef>
-      <a:fillRef idx="1">
-        <a:scrgbClr r="0" g="0" b="0"/>
-      </a:fillRef>
-      <a:effectRef idx="0">
-        <a:scrgbClr r="0" g="0" b="0"/>
-      </a:effectRef>
-      <a:fontRef idx="minor">
-        <a:schemeClr val="lt1"/>
-      </a:fontRef>
-    </dgm:style>
-  </dgm:styleLbl>
-  <dgm:styleLbl name="asst4">
-    <dgm:scene3d>
-      <a:camera prst="orthographicFront"/>
-      <a:lightRig rig="threePt" dir="t"/>
-    </dgm:scene3d>
-    <dgm:sp3d/>
-    <dgm:txPr/>
-    <dgm:style>
-      <a:lnRef idx="2">
-        <a:scrgbClr r="0" g="0" b="0"/>
-      </a:lnRef>
-      <a:fillRef idx="1">
-        <a:scrgbClr r="0" g="0" b="0"/>
-      </a:fillRef>
-      <a:effectRef idx="0">
-        <a:scrgbClr r="0" g="0" b="0"/>
-      </a:effectRef>
-      <a:fontRef idx="minor">
-        <a:schemeClr val="lt1"/>
-      </a:fontRef>
-    </dgm:style>
-  </dgm:styleLbl>
-  <dgm:styleLbl name="parChTrans2D1">
-    <dgm:scene3d>
-      <a:camera prst="orthographicFront"/>
-      <a:lightRig rig="threePt" dir="t"/>
-    </dgm:scene3d>
-    <dgm:sp3d/>
-    <dgm:txPr/>
-    <dgm:style>
-      <a:lnRef idx="2">
-        <a:scrgbClr r="0" g="0" b="0"/>
-      </a:lnRef>
-      <a:fillRef idx="1">
-        <a:scrgbClr r="0" g="0" b="0"/>
-      </a:fillRef>
-      <a:effectRef idx="0">
-        <a:scrgbClr r="0" g="0" b="0"/>
-      </a:effectRef>
-      <a:fontRef idx="minor">
-        <a:schemeClr val="lt1"/>
-      </a:fontRef>
-    </dgm:style>
-  </dgm:styleLbl>
-  <dgm:styleLbl name="parChTrans2D2">
-    <dgm:scene3d>
-      <a:camera prst="orthographicFront"/>
-      <a:lightRig rig="threePt" dir="t"/>
-    </dgm:scene3d>
-    <dgm:sp3d/>
-    <dgm:txPr/>
-    <dgm:style>
-      <a:lnRef idx="2">
-        <a:scrgbClr r="0" g="0" b="0"/>
-      </a:lnRef>
-      <a:fillRef idx="1">
-        <a:scrgbClr r="0" g="0" b="0"/>
-      </a:fillRef>
-      <a:effectRef idx="0">
-        <a:scrgbClr r="0" g="0" b="0"/>
-      </a:effectRef>
-      <a:fontRef idx="minor">
-        <a:schemeClr val="lt1"/>
-      </a:fontRef>
-    </dgm:style>
-  </dgm:styleLbl>
-  <dgm:styleLbl name="parChTrans2D3">
-    <dgm:scene3d>
-      <a:camera prst="orthographicFront"/>
-      <a:lightRig rig="threePt" dir="t"/>
-    </dgm:scene3d>
-    <dgm:sp3d/>
-    <dgm:txPr/>
-    <dgm:style>
-      <a:lnRef idx="2">
-        <a:scrgbClr r="0" g="0" b="0"/>
-      </a:lnRef>
-      <a:fillRef idx="1">
-        <a:scrgbClr r="0" g="0" b="0"/>
-      </a:fillRef>
-      <a:effectRef idx="0">
-        <a:scrgbClr r="0" g="0" b="0"/>
-      </a:effectRef>
-      <a:fontRef idx="minor">
-        <a:schemeClr val="lt1"/>
-      </a:fontRef>
-    </dgm:style>
-  </dgm:styleLbl>
-  <dgm:styleLbl name="parChTrans2D4">
-    <dgm:scene3d>
-      <a:camera prst="orthographicFront"/>
-      <a:lightRig rig="threePt" dir="t"/>
-    </dgm:scene3d>
-    <dgm:sp3d/>
-    <dgm:txPr/>
-    <dgm:style>
-      <a:lnRef idx="2">
-        <a:scrgbClr r="0" g="0" b="0"/>
-      </a:lnRef>
-      <a:fillRef idx="1">
-        <a:scrgbClr r="0" g="0" b="0"/>
-      </a:fillRef>
-      <a:effectRef idx="0">
-        <a:scrgbClr r="0" g="0" b="0"/>
-      </a:effectRef>
-      <a:fontRef idx="minor">
-        <a:schemeClr val="lt1"/>
-      </a:fontRef>
-    </dgm:style>
-  </dgm:styleLbl>
-  <dgm:styleLbl name="parChTrans1D1">
-    <dgm:scene3d>
-      <a:camera prst="orthographicFront"/>
-      <a:lightRig rig="threePt" dir="t"/>
-    </dgm:scene3d>
-    <dgm:sp3d/>
-    <dgm:txPr/>
-    <dgm:style>
-      <a:lnRef idx="2">
-        <a:scrgbClr r="0" g="0" b="0"/>
-      </a:lnRef>
-      <a:fillRef idx="0">
-        <a:scrgbClr r="0" g="0" b="0"/>
-      </a:fillRef>
-      <a:effectRef idx="0">
-        <a:scrgbClr r="0" g="0" b="0"/>
-      </a:effectRef>
-      <a:fontRef idx="minor"/>
-    </dgm:style>
-  </dgm:styleLbl>
-  <dgm:styleLbl name="parChTrans1D2">
-    <dgm:scene3d>
-      <a:camera prst="orthographicFront"/>
-      <a:lightRig rig="threePt" dir="t"/>
-    </dgm:scene3d>
-    <dgm:sp3d/>
-    <dgm:txPr/>
-    <dgm:style>
-      <a:lnRef idx="2">
-        <a:scrgbClr r="0" g="0" b="0"/>
-      </a:lnRef>
-      <a:fillRef idx="0">
-        <a:scrgbClr r="0" g="0" b="0"/>
-      </a:fillRef>
-      <a:effectRef idx="0">
-        <a:scrgbClr r="0" g="0" b="0"/>
-      </a:effectRef>
-      <a:fontRef idx="minor"/>
-    </dgm:style>
-  </dgm:styleLbl>
-  <dgm:styleLbl name="parChTrans1D3">
-    <dgm:scene3d>
-      <a:camera prst="orthographicFront"/>
-      <a:lightRig rig="threePt" dir="t"/>
-    </dgm:scene3d>
-    <dgm:sp3d/>
-    <dgm:txPr/>
-    <dgm:style>
-      <a:lnRef idx="2">
-        <a:scrgbClr r="0" g="0" b="0"/>
-      </a:lnRef>
-      <a:fillRef idx="0">
-        <a:scrgbClr r="0" g="0" b="0"/>
-      </a:fillRef>
-      <a:effectRef idx="0">
-        <a:scrgbClr r="0" g="0" b="0"/>
-      </a:effectRef>
-      <a:fontRef idx="minor"/>
-    </dgm:style>
-  </dgm:styleLbl>
-  <dgm:styleLbl name="parChTrans1D4">
-    <dgm:scene3d>
-      <a:camera prst="orthographicFront"/>
-      <a:lightRig rig="threePt" dir="t"/>
-    </dgm:scene3d>
-    <dgm:sp3d/>
-    <dgm:txPr/>
-    <dgm:style>
-      <a:lnRef idx="2">
-        <a:scrgbClr r="0" g="0" b="0"/>
-      </a:lnRef>
-      <a:fillRef idx="0">
-        <a:scrgbClr r="0" g="0" b="0"/>
-      </a:fillRef>
-      <a:effectRef idx="0">
-        <a:scrgbClr r="0" g="0" b="0"/>
-      </a:effectRef>
-      <a:fontRef idx="minor"/>
-    </dgm:style>
-  </dgm:styleLbl>
-  <dgm:styleLbl name="fgAcc1">
-    <dgm:scene3d>
-      <a:camera prst="orthographicFront"/>
-      <a:lightRig rig="threePt" dir="t"/>
-    </dgm:scene3d>
-    <dgm:sp3d/>
-    <dgm:txPr/>
-    <dgm:style>
-      <a:lnRef idx="2">
-        <a:scrgbClr r="0" g="0" b="0"/>
-      </a:lnRef>
-      <a:fillRef idx="1">
-        <a:scrgbClr r="0" g="0" b="0"/>
-      </a:fillRef>
-      <a:effectRef idx="0">
-        <a:scrgbClr r="0" g="0" b="0"/>
-      </a:effectRef>
-      <a:fontRef idx="minor"/>
-    </dgm:style>
-  </dgm:styleLbl>
-  <dgm:styleLbl name="conFgAcc1">
-    <dgm:scene3d>
-      <a:camera prst="orthographicFront"/>
-      <a:lightRig rig="threePt" dir="t"/>
-    </dgm:scene3d>
-    <dgm:sp3d/>
-    <dgm:txPr/>
-    <dgm:style>
-      <a:lnRef idx="2">
-        <a:scrgbClr r="0" g="0" b="0"/>
-      </a:lnRef>
-      <a:fillRef idx="1">
-        <a:scrgbClr r="0" g="0" b="0"/>
-      </a:fillRef>
-      <a:effectRef idx="0">
-        <a:scrgbClr r="0" g="0" b="0"/>
-      </a:effectRef>
-      <a:fontRef idx="minor"/>
-    </dgm:style>
-  </dgm:styleLbl>
-  <dgm:styleLbl name="alignAcc1">
-    <dgm:scene3d>
-      <a:camera prst="orthographicFront"/>
-      <a:lightRig rig="threePt" dir="t"/>
-    </dgm:scene3d>
-    <dgm:sp3d/>
-    <dgm:txPr/>
-    <dgm:style>
-      <a:lnRef idx="2">
-        <a:scrgbClr r="0" g="0" b="0"/>
-      </a:lnRef>
-      <a:fillRef idx="1">
-        <a:scrgbClr r="0" g="0" b="0"/>
-      </a:fillRef>
-      <a:effectRef idx="0">
-        <a:scrgbClr r="0" g="0" b="0"/>
-      </a:effectRef>
-      <a:fontRef idx="minor"/>
-    </dgm:style>
-  </dgm:styleLbl>
-  <dgm:styleLbl name="trAlignAcc1">
-    <dgm:scene3d>
-      <a:camera prst="orthographicFront"/>
-      <a:lightRig rig="threePt" dir="t"/>
-    </dgm:scene3d>
-    <dgm:sp3d/>
-    <dgm:txPr/>
-    <dgm:style>
-      <a:lnRef idx="1">
-        <a:scrgbClr r="0" g="0" b="0"/>
-      </a:lnRef>
-      <a:fillRef idx="1">
-        <a:scrgbClr r="0" g="0" b="0"/>
-      </a:fillRef>
-      <a:effectRef idx="0">
-        <a:scrgbClr r="0" g="0" b="0"/>
-      </a:effectRef>
-      <a:fontRef idx="minor"/>
-    </dgm:style>
-  </dgm:styleLbl>
-  <dgm:styleLbl name="bgAcc1">
-    <dgm:scene3d>
-      <a:camera prst="orthographicFront"/>
-      <a:lightRig rig="threePt" dir="t"/>
-    </dgm:scene3d>
-    <dgm:sp3d/>
-    <dgm:txPr/>
-    <dgm:style>
-      <a:lnRef idx="2">
-        <a:scrgbClr r="0" g="0" b="0"/>
-      </a:lnRef>
-      <a:fillRef idx="1">
-        <a:scrgbClr r="0" g="0" b="0"/>
-      </a:fillRef>
-      <a:effectRef idx="0">
-        <a:scrgbClr r="0" g="0" b="0"/>
-      </a:effectRef>
-      <a:fontRef idx="minor"/>
-    </dgm:style>
-  </dgm:styleLbl>
-  <dgm:styleLbl name="solidFgAcc1">
-    <dgm:scene3d>
-      <a:camera prst="orthographicFront"/>
-      <a:lightRig rig="threePt" dir="t"/>
-    </dgm:scene3d>
-    <dgm:sp3d/>
-    <dgm:txPr/>
-    <dgm:style>
-      <a:lnRef idx="2">
-        <a:scrgbClr r="0" g="0" b="0"/>
-      </a:lnRef>
-      <a:fillRef idx="1">
-        <a:scrgbClr r="0" g="0" b="0"/>
-      </a:fillRef>
-      <a:effectRef idx="0">
-        <a:scrgbClr r="0" g="0" b="0"/>
-      </a:effectRef>
-      <a:fontRef idx="minor"/>
-    </dgm:style>
-  </dgm:styleLbl>
-  <dgm:styleLbl name="solidAlignAcc1">
-    <dgm:scene3d>
-      <a:camera prst="orthographicFront"/>
-      <a:lightRig rig="threePt" dir="t"/>
-    </dgm:scene3d>
-    <dgm:sp3d/>
-    <dgm:txPr/>
-    <dgm:style>
-      <a:lnRef idx="2">
-        <a:scrgbClr r="0" g="0" b="0"/>
-      </a:lnRef>
-      <a:fillRef idx="1">
-        <a:scrgbClr r="0" g="0" b="0"/>
-      </a:fillRef>
-      <a:effectRef idx="0">
-        <a:scrgbClr r="0" g="0" b="0"/>
-      </a:effectRef>
-      <a:fontRef idx="minor"/>
-    </dgm:style>
-  </dgm:styleLbl>
-  <dgm:styleLbl name="solidBgAcc1">
-    <dgm:scene3d>
-      <a:camera prst="orthographicFront"/>
-      <a:lightRig rig="threePt" dir="t"/>
-    </dgm:scene3d>
-    <dgm:sp3d/>
-    <dgm:txPr/>
-    <dgm:style>
-      <a:lnRef idx="2">
-        <a:scrgbClr r="0" g="0" b="0"/>
-      </a:lnRef>
-      <a:fillRef idx="1">
-        <a:scrgbClr r="0" g="0" b="0"/>
-      </a:fillRef>
-      <a:effectRef idx="0">
-        <a:scrgbClr r="0" g="0" b="0"/>
-      </a:effectRef>
-      <a:fontRef idx="minor"/>
-    </dgm:style>
-  </dgm:styleLbl>
-  <dgm:styleLbl name="fgAccFollowNode1">
-    <dgm:scene3d>
-      <a:camera prst="orthographicFront"/>
-      <a:lightRig rig="threePt" dir="t"/>
-    </dgm:scene3d>
-    <dgm:sp3d/>
-    <dgm:txPr/>
-    <dgm:style>
-      <a:lnRef idx="2">
-        <a:scrgbClr r="0" g="0" b="0"/>
-      </a:lnRef>
-      <a:fillRef idx="1">
-        <a:scrgbClr r="0" g="0" b="0"/>
-      </a:fillRef>
-      <a:effectRef idx="0">
-        <a:scrgbClr r="0" g="0" b="0"/>
-      </a:effectRef>
-      <a:fontRef idx="minor"/>
-    </dgm:style>
-  </dgm:styleLbl>
-  <dgm:styleLbl name="alignAccFollowNode1">
-    <dgm:scene3d>
-      <a:camera prst="orthographicFront"/>
-      <a:lightRig rig="threePt" dir="t"/>
-    </dgm:scene3d>
-    <dgm:sp3d/>
-    <dgm:txPr/>
-    <dgm:style>
-      <a:lnRef idx="2">
-        <a:scrgbClr r="0" g="0" b="0"/>
-      </a:lnRef>
-      <a:fillRef idx="1">
-        <a:scrgbClr r="0" g="0" b="0"/>
-      </a:fillRef>
-      <a:effectRef idx="0">
-        <a:scrgbClr r="0" g="0" b="0"/>
-      </a:effectRef>
-      <a:fontRef idx="minor"/>
-    </dgm:style>
-  </dgm:styleLbl>
-  <dgm:styleLbl name="bgAccFollowNode1">
-    <dgm:scene3d>
-      <a:camera prst="orthographicFront"/>
-      <a:lightRig rig="threePt" dir="t"/>
-    </dgm:scene3d>
-    <dgm:sp3d/>
-    <dgm:txPr/>
-    <dgm:style>
-      <a:lnRef idx="2">
-        <a:scrgbClr r="0" g="0" b="0"/>
-      </a:lnRef>
-      <a:fillRef idx="1">
-        <a:scrgbClr r="0" g="0" b="0"/>
-      </a:fillRef>
-      <a:effectRef idx="0">
-        <a:scrgbClr r="0" g="0" b="0"/>
-      </a:effectRef>
-      <a:fontRef idx="minor"/>
-    </dgm:style>
-  </dgm:styleLbl>
-  <dgm:styleLbl name="fgAcc0">
-    <dgm:scene3d>
-      <a:camera prst="orthographicFront"/>
-      <a:lightRig rig="threePt" dir="t"/>
-    </dgm:scene3d>
-    <dgm:sp3d/>
-    <dgm:txPr/>
-    <dgm:style>
-      <a:lnRef idx="2">
-        <a:scrgbClr r="0" g="0" b="0"/>
-      </a:lnRef>
-      <a:fillRef idx="1">
-        <a:scrgbClr r="0" g="0" b="0"/>
-      </a:fillRef>
-      <a:effectRef idx="0">
-        <a:scrgbClr r="0" g="0" b="0"/>
-      </a:effectRef>
-      <a:fontRef idx="minor"/>
-    </dgm:style>
-  </dgm:styleLbl>
-  <dgm:styleLbl name="fgAcc2">
-    <dgm:scene3d>
-      <a:camera prst="orthographicFront"/>
-      <a:lightRig rig="threePt" dir="t"/>
-    </dgm:scene3d>
-    <dgm:sp3d/>
-    <dgm:txPr/>
-    <dgm:style>
-      <a:lnRef idx="2">
-        <a:scrgbClr r="0" g="0" b="0"/>
-      </a:lnRef>
-      <a:fillRef idx="1">
-        <a:scrgbClr r="0" g="0" b="0"/>
-      </a:fillRef>
-      <a:effectRef idx="0">
-        <a:scrgbClr r="0" g="0" b="0"/>
-      </a:effectRef>
-      <a:fontRef idx="minor"/>
-    </dgm:style>
-  </dgm:styleLbl>
-  <dgm:styleLbl name="fgAcc3">
-    <dgm:scene3d>
-      <a:camera prst="orthographicFront"/>
-      <a:lightRig rig="threePt" dir="t"/>
-    </dgm:scene3d>
-    <dgm:sp3d/>
-    <dgm:txPr/>
-    <dgm:style>
-      <a:lnRef idx="2">
-        <a:scrgbClr r="0" g="0" b="0"/>
-      </a:lnRef>
-      <a:fillRef idx="1">
-        <a:scrgbClr r="0" g="0" b="0"/>
-      </a:fillRef>
-      <a:effectRef idx="0">
-        <a:scrgbClr r="0" g="0" b="0"/>
-      </a:effectRef>
-      <a:fontRef idx="minor"/>
-    </dgm:style>
-  </dgm:styleLbl>
-  <dgm:styleLbl name="fgAcc4">
-    <dgm:scene3d>
-      <a:camera prst="orthographicFront"/>
-      <a:lightRig rig="threePt" dir="t"/>
-    </dgm:scene3d>
-    <dgm:sp3d/>
-    <dgm:txPr/>
-    <dgm:style>
-      <a:lnRef idx="2">
-        <a:scrgbClr r="0" g="0" b="0"/>
-      </a:lnRef>
-      <a:fillRef idx="1">
-        <a:scrgbClr r="0" g="0" b="0"/>
-      </a:fillRef>
-      <a:effectRef idx="0">
-        <a:scrgbClr r="0" g="0" b="0"/>
-      </a:effectRef>
-      <a:fontRef idx="minor"/>
-    </dgm:style>
-  </dgm:styleLbl>
-  <dgm:styleLbl name="bgShp">
-    <dgm:scene3d>
-      <a:camera prst="orthographicFront"/>
-      <a:lightRig rig="threePt" dir="t"/>
-    </dgm:scene3d>
-    <dgm:sp3d/>
-    <dgm:txPr/>
-    <dgm:style>
-      <a:lnRef idx="0">
-        <a:scrgbClr r="0" g="0" b="0"/>
-      </a:lnRef>
-      <a:fillRef idx="1">
-        <a:scrgbClr r="0" g="0" b="0"/>
-      </a:fillRef>
-      <a:effectRef idx="0">
-        <a:scrgbClr r="0" g="0" b="0"/>
-      </a:effectRef>
-      <a:fontRef idx="minor"/>
-    </dgm:style>
-  </dgm:styleLbl>
-  <dgm:styleLbl name="dkBgShp">
-    <dgm:scene3d>
-      <a:camera prst="orthographicFront"/>
-      <a:lightRig rig="threePt" dir="t"/>
-    </dgm:scene3d>
-    <dgm:sp3d/>
-    <dgm:txPr/>
-    <dgm:style>
-      <a:lnRef idx="0">
-        <a:scrgbClr r="0" g="0" b="0"/>
-      </a:lnRef>
-      <a:fillRef idx="1">
-        <a:scrgbClr r="0" g="0" b="0"/>
-      </a:fillRef>
-      <a:effectRef idx="0">
-        <a:scrgbClr r="0" g="0" b="0"/>
-      </a:effectRef>
-      <a:fontRef idx="minor"/>
-    </dgm:style>
-  </dgm:styleLbl>
-  <dgm:styleLbl name="trBgShp">
-    <dgm:scene3d>
-      <a:camera prst="orthographicFront"/>
-      <a:lightRig rig="threePt" dir="t"/>
-    </dgm:scene3d>
-    <dgm:sp3d/>
-    <dgm:txPr/>
-    <dgm:style>
-      <a:lnRef idx="0">
-        <a:scrgbClr r="0" g="0" b="0"/>
-      </a:lnRef>
-      <a:fillRef idx="1">
-        <a:scrgbClr r="0" g="0" b="0"/>
-      </a:fillRef>
-      <a:effectRef idx="0">
-        <a:scrgbClr r="0" g="0" b="0"/>
-      </a:effectRef>
-      <a:fontRef idx="minor"/>
-    </dgm:style>
-  </dgm:styleLbl>
-  <dgm:styleLbl name="fgShp">
-    <dgm:scene3d>
-      <a:camera prst="orthographicFront"/>
-      <a:lightRig rig="threePt" dir="t"/>
-    </dgm:scene3d>
-    <dgm:sp3d/>
-    <dgm:txPr/>
-    <dgm:style>
-      <a:lnRef idx="2">
-        <a:scrgbClr r="0" g="0" b="0"/>
-      </a:lnRef>
-      <a:fillRef idx="1">
-        <a:scrgbClr r="0" g="0" b="0"/>
-      </a:fillRef>
-      <a:effectRef idx="0">
-        <a:scrgbClr r="0" g="0" b="0"/>
-      </a:effectRef>
-      <a:fontRef idx="minor"/>
-    </dgm:style>
-  </dgm:styleLbl>
-  <dgm:styleLbl name="revTx">
-    <dgm:scene3d>
-      <a:camera prst="orthographicFront"/>
-      <a:lightRig rig="threePt" dir="t"/>
-    </dgm:scene3d>
-    <dgm:sp3d/>
-    <dgm:txPr/>
-    <dgm:style>
-      <a:lnRef idx="0">
-        <a:scrgbClr r="0" g="0" b="0"/>
-      </a:lnRef>
-      <a:fillRef idx="0">
-        <a:scrgbClr r="0" g="0" b="0"/>
-      </a:fillRef>
-      <a:effectRef idx="0">
-        <a:scrgbClr r="0" g="0" b="0"/>
-      </a:effectRef>
-      <a:fontRef idx="minor"/>
-    </dgm:style>
-  </dgm:styleLbl>
-</dgm:styleDef>
-</file>
-
-<file path=ppt/diagrams/quickStyle3.xml><?xml version="1.0" encoding="utf-8"?>
 <dgm:styleDef xmlns:dgm="http://schemas.openxmlformats.org/drawingml/2006/diagram" xmlns:a="http://schemas.openxmlformats.org/drawingml/2006/main" uniqueId="urn:microsoft.com/office/officeart/2005/8/quickstyle/simple1">
   <dgm:title val=""/>
   <dgm:desc val=""/>
@@ -11719,7 +7707,7 @@
           <a:p>
             <a:fld id="{9E0033D7-1504-4660-93E6-B5768C555536}" type="datetimeFigureOut">
               <a:rPr lang="fr-CH" smtClean="0"/>
-              <a:t>05.06.2023</a:t>
+              <a:t>08.06.2023</a:t>
             </a:fld>
             <a:endParaRPr lang="fr-CH"/>
           </a:p>
@@ -11885,7 +7873,7 @@
           <a:p>
             <a:fld id="{6AF760C4-029F-44C2-9523-280D45F528BB}" type="datetimeFigureOut">
               <a:rPr lang="fr-CH" smtClean="0"/>
-              <a:t>05.06.2023</a:t>
+              <a:t>08.06.2023</a:t>
             </a:fld>
             <a:endParaRPr lang="fr-CH"/>
           </a:p>
@@ -12876,7 +8864,7 @@
           <a:p>
             <a:fld id="{1FDECE55-D733-4C04-8798-491835F502FE}" type="datetime1">
               <a:rPr lang="fr-CH" smtClean="0"/>
-              <a:t>05.06.2023</a:t>
+              <a:t>08.06.2023</a:t>
             </a:fld>
             <a:endParaRPr lang="fr-CH"/>
           </a:p>
@@ -13131,7 +9119,7 @@
           <a:p>
             <a:fld id="{87727B2E-B82F-4396-B14B-2AF4D584AB85}" type="datetime1">
               <a:rPr lang="fr-CH" smtClean="0"/>
-              <a:t>05.06.2023</a:t>
+              <a:t>08.06.2023</a:t>
             </a:fld>
             <a:endParaRPr lang="fr-CH"/>
           </a:p>
@@ -13449,7 +9437,7 @@
           <a:p>
             <a:fld id="{4980D5BF-5274-4C84-9CD6-FB0A0DE1B310}" type="datetime1">
               <a:rPr lang="fr-CH" smtClean="0"/>
-              <a:t>05.06.2023</a:t>
+              <a:t>08.06.2023</a:t>
             </a:fld>
             <a:endParaRPr lang="fr-CH"/>
           </a:p>
@@ -13794,7 +9782,7 @@
           <a:p>
             <a:fld id="{F75B778E-5529-461A-B4CB-ED9F13F79191}" type="datetime1">
               <a:rPr lang="fr-CH" smtClean="0"/>
-              <a:t>05.06.2023</a:t>
+              <a:t>08.06.2023</a:t>
             </a:fld>
             <a:endParaRPr lang="fr-CH"/>
           </a:p>
@@ -14112,7 +10100,7 @@
           <a:p>
             <a:fld id="{EDE75360-51A2-44C4-B343-2FB7DBC98314}" type="datetime1">
               <a:rPr lang="fr-CH" smtClean="0"/>
-              <a:t>05.06.2023</a:t>
+              <a:t>08.06.2023</a:t>
             </a:fld>
             <a:endParaRPr lang="fr-CH"/>
           </a:p>
@@ -14509,7 +10497,7 @@
           <a:p>
             <a:fld id="{2D6AAFF2-274B-4D3B-8153-4BD3D6DB4AE5}" type="datetime1">
               <a:rPr lang="fr-CH" smtClean="0"/>
-              <a:t>05.06.2023</a:t>
+              <a:t>08.06.2023</a:t>
             </a:fld>
             <a:endParaRPr lang="fr-CH"/>
           </a:p>
@@ -14683,7 +10671,7 @@
           <a:p>
             <a:fld id="{4BDD56CE-64D6-4A59-B788-2E445F2A5413}" type="datetime1">
               <a:rPr lang="fr-CH" smtClean="0"/>
-              <a:t>05.06.2023</a:t>
+              <a:t>08.06.2023</a:t>
             </a:fld>
             <a:endParaRPr lang="fr-CH"/>
           </a:p>
@@ -14867,7 +10855,7 @@
           <a:p>
             <a:fld id="{E8D273A2-A81E-4726-94CE-DF4FEE0EA9D3}" type="datetime1">
               <a:rPr lang="fr-CH" smtClean="0"/>
-              <a:t>05.06.2023</a:t>
+              <a:t>08.06.2023</a:t>
             </a:fld>
             <a:endParaRPr lang="fr-CH"/>
           </a:p>
@@ -15047,7 +11035,7 @@
           <a:p>
             <a:fld id="{BF5C66A3-ACA1-46E2-8C51-80EAED1BC746}" type="datetime1">
               <a:rPr lang="fr-CH" smtClean="0"/>
-              <a:t>05.06.2023</a:t>
+              <a:t>08.06.2023</a:t>
             </a:fld>
             <a:endParaRPr lang="fr-CH"/>
           </a:p>
@@ -15298,7 +11286,7 @@
           <a:p>
             <a:fld id="{C6BCC6D9-7883-491D-916E-64D5B4F296AA}" type="datetime1">
               <a:rPr lang="fr-CH" smtClean="0"/>
-              <a:t>05.06.2023</a:t>
+              <a:t>08.06.2023</a:t>
             </a:fld>
             <a:endParaRPr lang="fr-CH"/>
           </a:p>
@@ -15534,7 +11522,7 @@
           <a:p>
             <a:fld id="{FC256E52-E25D-4063-9471-ABDEB52AA9CE}" type="datetime1">
               <a:rPr lang="fr-CH" smtClean="0"/>
-              <a:t>05.06.2023</a:t>
+              <a:t>08.06.2023</a:t>
             </a:fld>
             <a:endParaRPr lang="fr-CH"/>
           </a:p>
@@ -15912,7 +11900,7 @@
           <a:p>
             <a:fld id="{F10BDCB0-2376-4202-B259-69CC38E3F471}" type="datetime1">
               <a:rPr lang="fr-CH" smtClean="0"/>
-              <a:t>05.06.2023</a:t>
+              <a:t>08.06.2023</a:t>
             </a:fld>
             <a:endParaRPr lang="fr-CH"/>
           </a:p>
@@ -16039,7 +12027,7 @@
           <a:p>
             <a:fld id="{4C450374-8708-4999-80B6-E28A6EAFB6EC}" type="datetime1">
               <a:rPr lang="fr-CH" smtClean="0"/>
-              <a:t>05.06.2023</a:t>
+              <a:t>08.06.2023</a:t>
             </a:fld>
             <a:endParaRPr lang="fr-CH"/>
           </a:p>
@@ -16138,7 +12126,7 @@
           <a:p>
             <a:fld id="{96E17B4E-8DC8-4392-A668-A239E360E138}" type="datetime1">
               <a:rPr lang="fr-CH" smtClean="0"/>
-              <a:t>05.06.2023</a:t>
+              <a:t>08.06.2023</a:t>
             </a:fld>
             <a:endParaRPr lang="fr-CH"/>
           </a:p>
@@ -16397,7 +12385,7 @@
           <a:p>
             <a:fld id="{D2782922-B123-465F-9170-89E2283649B6}" type="datetime1">
               <a:rPr lang="fr-CH" smtClean="0"/>
-              <a:t>05.06.2023</a:t>
+              <a:t>08.06.2023</a:t>
             </a:fld>
             <a:endParaRPr lang="fr-CH"/>
           </a:p>
@@ -16664,7 +12652,7 @@
           <a:p>
             <a:fld id="{2D76DF20-3745-4A0B-BF1C-D7F8BDF9DE19}" type="datetime1">
               <a:rPr lang="fr-CH" smtClean="0"/>
-              <a:t>05.06.2023</a:t>
+              <a:t>08.06.2023</a:t>
             </a:fld>
             <a:endParaRPr lang="fr-CH"/>
           </a:p>
@@ -17411,7 +13399,7 @@
           <a:p>
             <a:fld id="{99BDB079-6791-4467-ADBA-EB94F04DDEC4}" type="datetime1">
               <a:rPr lang="fr-CH" smtClean="0"/>
-              <a:t>05.06.2023</a:t>
+              <a:t>08.06.2023</a:t>
             </a:fld>
             <a:endParaRPr lang="fr-CH"/>
           </a:p>
@@ -17952,7 +13940,7 @@
         </p:nvSpPr>
         <p:spPr>
           <a:xfrm>
-            <a:off x="-500236" y="414968"/>
+            <a:off x="-923192" y="626135"/>
             <a:ext cx="9144000" cy="2387600"/>
           </a:xfrm>
         </p:spPr>
@@ -17983,7 +13971,7 @@
         <p:spPr>
           <a:xfrm>
             <a:off x="1523999" y="4675857"/>
-            <a:ext cx="7584832" cy="1655762"/>
+            <a:ext cx="6696809" cy="1655762"/>
           </a:xfrm>
         </p:spPr>
         <p:txBody>
@@ -18079,7 +14067,7 @@
         </p:blipFill>
         <p:spPr>
           <a:xfrm>
-            <a:off x="2514604" y="2802568"/>
+            <a:off x="2751996" y="2454591"/>
             <a:ext cx="4881560" cy="1284621"/>
           </a:xfrm>
           <a:prstGeom prst="rect">
@@ -18140,147 +14128,10 @@
           <a:lstStyle/>
           <a:p>
             <a:r>
-              <a:rPr lang="fr-CH" dirty="0"/>
-              <a:t>Conception</a:t>
-            </a:r>
-          </a:p>
-        </p:txBody>
-      </p:sp>
-      <p:pic>
-        <p:nvPicPr>
-          <p:cNvPr id="9" name="Espace réservé du contenu 8"/>
-          <p:cNvPicPr>
-            <a:picLocks noGrp="1" noChangeAspect="1"/>
-          </p:cNvPicPr>
-          <p:nvPr>
-            <p:ph idx="1"/>
-          </p:nvPr>
-        </p:nvPicPr>
-        <p:blipFill>
-          <a:blip r:embed="rId2">
-            <a:extLst>
-              <a:ext uri="{28A0092B-C50C-407E-A947-70E740481C1C}">
-                <a14:useLocalDpi xmlns:a14="http://schemas.microsoft.com/office/drawing/2010/main" val="0"/>
-              </a:ext>
-            </a:extLst>
-          </a:blip>
-          <a:stretch>
-            <a:fillRect/>
-          </a:stretch>
-        </p:blipFill>
-        <p:spPr>
-          <a:xfrm>
-            <a:off x="1983804" y="1619590"/>
-            <a:ext cx="5983728" cy="4421772"/>
-          </a:xfrm>
-        </p:spPr>
-      </p:pic>
-      <p:sp>
-        <p:nvSpPr>
-          <p:cNvPr id="3" name="Espace réservé du pied de page 2"/>
-          <p:cNvSpPr>
-            <a:spLocks noGrp="1"/>
-          </p:cNvSpPr>
-          <p:nvPr>
-            <p:ph type="ftr" sz="quarter" idx="11"/>
-          </p:nvPr>
-        </p:nvSpPr>
-        <p:spPr/>
-        <p:txBody>
-          <a:bodyPr/>
-          <a:lstStyle/>
-          <a:p>
-            <a:r>
               <a:rPr lang="fr-CH" dirty="0" smtClean="0"/>
-              <a:t>Thierry </a:t>
-            </a:r>
-            <a:r>
-              <a:rPr lang="fr-CH" dirty="0" err="1" smtClean="0"/>
-              <a:t>Koetschet</a:t>
+              <a:t>Conception - MLD</a:t>
             </a:r>
             <a:endParaRPr lang="fr-CH" dirty="0"/>
-          </a:p>
-          <a:p>
-            <a:r>
-              <a:rPr lang="fr-CH" dirty="0" smtClean="0"/>
-              <a:t>SI-CA2a</a:t>
-            </a:r>
-            <a:endParaRPr lang="fr-CH" dirty="0"/>
-          </a:p>
-        </p:txBody>
-      </p:sp>
-      <p:sp>
-        <p:nvSpPr>
-          <p:cNvPr id="4" name="Espace réservé du numéro de diapositive 3"/>
-          <p:cNvSpPr>
-            <a:spLocks noGrp="1"/>
-          </p:cNvSpPr>
-          <p:nvPr>
-            <p:ph type="sldNum" sz="quarter" idx="12"/>
-          </p:nvPr>
-        </p:nvSpPr>
-        <p:spPr/>
-        <p:txBody>
-          <a:bodyPr/>
-          <a:lstStyle/>
-          <a:p>
-            <a:fld id="{5ECE0F15-BD04-4B70-8AC1-6501C07CDE78}" type="slidenum">
-              <a:rPr lang="fr-CH" smtClean="0"/>
-              <a:t>10</a:t>
-            </a:fld>
-            <a:endParaRPr lang="fr-CH"/>
-          </a:p>
-        </p:txBody>
-      </p:sp>
-    </p:spTree>
-    <p:extLst>
-      <p:ext uri="{BB962C8B-B14F-4D97-AF65-F5344CB8AC3E}">
-        <p14:creationId xmlns:p14="http://schemas.microsoft.com/office/powerpoint/2010/main" val="857158550"/>
-      </p:ext>
-    </p:extLst>
-  </p:cSld>
-  <p:clrMapOvr>
-    <a:masterClrMapping/>
-  </p:clrMapOvr>
-</p:sld>
-</file>
-
-<file path=ppt/slides/slide11.xml><?xml version="1.0" encoding="utf-8"?>
-<p:sld xmlns:a="http://schemas.openxmlformats.org/drawingml/2006/main" xmlns:r="http://schemas.openxmlformats.org/officeDocument/2006/relationships" xmlns:p="http://schemas.openxmlformats.org/presentationml/2006/main">
-  <p:cSld>
-    <p:spTree>
-      <p:nvGrpSpPr>
-        <p:cNvPr id="1" name=""/>
-        <p:cNvGrpSpPr/>
-        <p:nvPr/>
-      </p:nvGrpSpPr>
-      <p:grpSpPr>
-        <a:xfrm>
-          <a:off x="0" y="0"/>
-          <a:ext cx="0" cy="0"/>
-          <a:chOff x="0" y="0"/>
-          <a:chExt cx="0" cy="0"/>
-        </a:xfrm>
-      </p:grpSpPr>
-      <p:sp>
-        <p:nvSpPr>
-          <p:cNvPr id="2" name="Titre 1"/>
-          <p:cNvSpPr>
-            <a:spLocks noGrp="1"/>
-          </p:cNvSpPr>
-          <p:nvPr>
-            <p:ph type="title"/>
-          </p:nvPr>
-        </p:nvSpPr>
-        <p:spPr/>
-        <p:txBody>
-          <a:bodyPr/>
-          <a:lstStyle/>
-          <a:p>
-            <a:r>
-              <a:rPr lang="fr-CH" dirty="0"/>
-              <a:t>Conception</a:t>
-            </a:r>
           </a:p>
         </p:txBody>
       </p:sp>
@@ -18364,7 +14215,7 @@
           <a:p>
             <a:fld id="{5ECE0F15-BD04-4B70-8AC1-6501C07CDE78}" type="slidenum">
               <a:rPr lang="fr-CH" smtClean="0"/>
-              <a:t>11</a:t>
+              <a:t>10</a:t>
             </a:fld>
             <a:endParaRPr lang="fr-CH"/>
           </a:p>
@@ -18380,6 +14231,214 @@
   <p:clrMapOvr>
     <a:masterClrMapping/>
   </p:clrMapOvr>
+  <p:timing>
+    <p:tnLst>
+      <p:par>
+        <p:cTn id="1" dur="indefinite" restart="never" nodeType="tmRoot"/>
+      </p:par>
+    </p:tnLst>
+  </p:timing>
+</p:sld>
+</file>
+
+<file path=ppt/slides/slide11.xml><?xml version="1.0" encoding="utf-8"?>
+<p:sld xmlns:a="http://schemas.openxmlformats.org/drawingml/2006/main" xmlns:r="http://schemas.openxmlformats.org/officeDocument/2006/relationships" xmlns:p="http://schemas.openxmlformats.org/presentationml/2006/main">
+  <p:cSld>
+    <p:spTree>
+      <p:nvGrpSpPr>
+        <p:cNvPr id="1" name=""/>
+        <p:cNvGrpSpPr/>
+        <p:nvPr/>
+      </p:nvGrpSpPr>
+      <p:grpSpPr>
+        <a:xfrm>
+          <a:off x="0" y="0"/>
+          <a:ext cx="0" cy="0"/>
+          <a:chOff x="0" y="0"/>
+          <a:chExt cx="0" cy="0"/>
+        </a:xfrm>
+      </p:grpSpPr>
+      <p:sp>
+        <p:nvSpPr>
+          <p:cNvPr id="2" name="Titre 1"/>
+          <p:cNvSpPr>
+            <a:spLocks noGrp="1"/>
+          </p:cNvSpPr>
+          <p:nvPr>
+            <p:ph type="title"/>
+          </p:nvPr>
+        </p:nvSpPr>
+        <p:spPr/>
+        <p:txBody>
+          <a:bodyPr/>
+          <a:lstStyle/>
+          <a:p>
+            <a:r>
+              <a:rPr lang="fr-CH" dirty="0" smtClean="0"/>
+              <a:t>Conception – Base de données</a:t>
+            </a:r>
+            <a:endParaRPr lang="fr-CH" dirty="0"/>
+          </a:p>
+        </p:txBody>
+      </p:sp>
+      <p:sp>
+        <p:nvSpPr>
+          <p:cNvPr id="3" name="Espace réservé du contenu 2"/>
+          <p:cNvSpPr>
+            <a:spLocks noGrp="1"/>
+          </p:cNvSpPr>
+          <p:nvPr>
+            <p:ph idx="1"/>
+          </p:nvPr>
+        </p:nvSpPr>
+        <p:spPr/>
+        <p:txBody>
+          <a:bodyPr/>
+          <a:lstStyle/>
+          <a:p>
+            <a:r>
+              <a:rPr lang="fr-CH" dirty="0" smtClean="0"/>
+              <a:t>Script généré au départ avec MySQL </a:t>
+            </a:r>
+            <a:r>
+              <a:rPr lang="fr-CH" dirty="0" err="1" smtClean="0"/>
+              <a:t>Workbench</a:t>
+            </a:r>
+            <a:endParaRPr lang="fr-CH" dirty="0" smtClean="0"/>
+          </a:p>
+          <a:p>
+            <a:r>
+              <a:rPr lang="fr-CH" dirty="0" smtClean="0"/>
+              <a:t>Base de données mise à jour durant l’implémentation :</a:t>
+            </a:r>
+          </a:p>
+          <a:p>
+            <a:pPr lvl="1"/>
+            <a:r>
+              <a:rPr lang="fr-CH" dirty="0" smtClean="0"/>
+              <a:t>Table « </a:t>
+            </a:r>
+            <a:r>
+              <a:rPr lang="fr-CH" dirty="0" err="1" smtClean="0"/>
+              <a:t>foodstuffs</a:t>
+            </a:r>
+            <a:r>
+              <a:rPr lang="fr-CH" dirty="0" smtClean="0"/>
+              <a:t> »</a:t>
+            </a:r>
+          </a:p>
+          <a:p>
+            <a:pPr lvl="1"/>
+            <a:r>
+              <a:rPr lang="fr-CH" dirty="0" smtClean="0"/>
+              <a:t>Attributs « </a:t>
+            </a:r>
+            <a:r>
+              <a:rPr lang="fr-CH" dirty="0" err="1" smtClean="0"/>
+              <a:t>updated_at</a:t>
+            </a:r>
+            <a:r>
+              <a:rPr lang="fr-CH" dirty="0" smtClean="0"/>
+              <a:t> » et « </a:t>
+            </a:r>
+            <a:r>
+              <a:rPr lang="fr-CH" dirty="0" err="1" smtClean="0"/>
+              <a:t>created_at</a:t>
+            </a:r>
+            <a:r>
+              <a:rPr lang="fr-CH" dirty="0" smtClean="0"/>
+              <a:t> » au format « </a:t>
+            </a:r>
+            <a:r>
+              <a:rPr lang="fr-CH" dirty="0" err="1" smtClean="0"/>
+              <a:t>timestamp</a:t>
+            </a:r>
+            <a:r>
+              <a:rPr lang="fr-CH" dirty="0" smtClean="0"/>
+              <a:t> »</a:t>
+            </a:r>
+          </a:p>
+          <a:p>
+            <a:pPr lvl="1"/>
+            <a:r>
+              <a:rPr lang="fr-CH" dirty="0" smtClean="0"/>
+              <a:t>Attribut « </a:t>
+            </a:r>
+            <a:r>
+              <a:rPr lang="fr-CH" dirty="0" err="1" smtClean="0"/>
+              <a:t>period</a:t>
+            </a:r>
+            <a:r>
+              <a:rPr lang="fr-CH" dirty="0" smtClean="0"/>
+              <a:t> » dans la table de jointure</a:t>
+            </a:r>
+            <a:endParaRPr lang="fr-CH" dirty="0"/>
+          </a:p>
+        </p:txBody>
+      </p:sp>
+      <p:sp>
+        <p:nvSpPr>
+          <p:cNvPr id="4" name="Espace réservé du pied de page 3"/>
+          <p:cNvSpPr>
+            <a:spLocks noGrp="1"/>
+          </p:cNvSpPr>
+          <p:nvPr>
+            <p:ph type="ftr" sz="quarter" idx="11"/>
+          </p:nvPr>
+        </p:nvSpPr>
+        <p:spPr/>
+        <p:txBody>
+          <a:bodyPr/>
+          <a:lstStyle/>
+          <a:p>
+            <a:r>
+              <a:rPr lang="fr-CH" smtClean="0"/>
+              <a:t>Thierry Koetschet  SI-CA2a</a:t>
+            </a:r>
+            <a:endParaRPr lang="fr-CH"/>
+          </a:p>
+        </p:txBody>
+      </p:sp>
+      <p:sp>
+        <p:nvSpPr>
+          <p:cNvPr id="5" name="Espace réservé du numéro de diapositive 4"/>
+          <p:cNvSpPr>
+            <a:spLocks noGrp="1"/>
+          </p:cNvSpPr>
+          <p:nvPr>
+            <p:ph type="sldNum" sz="quarter" idx="12"/>
+          </p:nvPr>
+        </p:nvSpPr>
+        <p:spPr/>
+        <p:txBody>
+          <a:bodyPr/>
+          <a:lstStyle/>
+          <a:p>
+            <a:fld id="{5ECE0F15-BD04-4B70-8AC1-6501C07CDE78}" type="slidenum">
+              <a:rPr lang="fr-CH" smtClean="0"/>
+              <a:t>11</a:t>
+            </a:fld>
+            <a:endParaRPr lang="fr-CH"/>
+          </a:p>
+        </p:txBody>
+      </p:sp>
+    </p:spTree>
+    <p:extLst>
+      <p:ext uri="{BB962C8B-B14F-4D97-AF65-F5344CB8AC3E}">
+        <p14:creationId xmlns:p14="http://schemas.microsoft.com/office/powerpoint/2010/main" val="2639463378"/>
+      </p:ext>
+    </p:extLst>
+  </p:cSld>
+  <p:clrMapOvr>
+    <a:masterClrMapping/>
+  </p:clrMapOvr>
+  <p:timing>
+    <p:tnLst>
+      <p:par>
+        <p:cTn id="1" dur="indefinite" restart="never" nodeType="tmRoot"/>
+      </p:par>
+    </p:tnLst>
+  </p:timing>
 </p:sld>
 </file>
 
@@ -18416,7 +14475,7 @@
                 <a16:creationId xmlns:a16="http://schemas.microsoft.com/office/drawing/2014/main" id="{9F4444CE-BC8D-4D61-B303-4C05614E62AB}"/>
               </a:ext>
               <a:ext uri="{C183D7F6-B498-43B3-948B-1728B52AA6E4}">
-                <adec:decorative xmlns:adec="http://schemas.microsoft.com/office/drawing/2017/decorative" xmlns="" val="1"/>
+                <adec:decorative xmlns="" xmlns:adec="http://schemas.microsoft.com/office/drawing/2017/decorative" val="1"/>
               </a:ext>
             </a:extLst>
           </p:cNvPr>
@@ -18491,9 +14550,10 @@
           <a:lstStyle/>
           <a:p>
             <a:r>
-              <a:rPr lang="fr-CH" dirty="0"/>
-              <a:t>Réalisation</a:t>
-            </a:r>
+              <a:rPr lang="fr-CH" dirty="0" smtClean="0"/>
+              <a:t>Réalisation - Graphique</a:t>
+            </a:r>
+            <a:endParaRPr lang="fr-CH" dirty="0"/>
           </a:p>
         </p:txBody>
       </p:sp>
@@ -18505,7 +14565,7 @@
                 <a16:creationId xmlns:a16="http://schemas.microsoft.com/office/drawing/2014/main" id="{73772B81-181F-48B7-8826-4D9686D15DF5}"/>
               </a:ext>
               <a:ext uri="{C183D7F6-B498-43B3-948B-1728B52AA6E4}">
-                <adec:decorative xmlns:adec="http://schemas.microsoft.com/office/drawing/2017/decorative" xmlns="" val="1"/>
+                <adec:decorative xmlns="" xmlns:adec="http://schemas.microsoft.com/office/drawing/2017/decorative" val="1"/>
               </a:ext>
             </a:extLst>
           </p:cNvPr>
@@ -18563,7 +14623,7 @@
                 <a16:creationId xmlns:a16="http://schemas.microsoft.com/office/drawing/2014/main" id="{B2205F6E-03C6-4E92-877C-E2482F6599AA}"/>
               </a:ext>
               <a:ext uri="{C183D7F6-B498-43B3-948B-1728B52AA6E4}">
-                <adec:decorative xmlns:adec="http://schemas.microsoft.com/office/drawing/2017/decorative" xmlns="" val="1"/>
+                <adec:decorative xmlns="" xmlns:adec="http://schemas.microsoft.com/office/drawing/2017/decorative" val="1"/>
               </a:ext>
             </a:extLst>
           </p:cNvPr>
@@ -18613,37 +14673,6 @@
           </a:fontRef>
         </p:style>
       </p:sp>
-      <p:graphicFrame>
-        <p:nvGraphicFramePr>
-          <p:cNvPr id="11" name="Espace réservé du contenu 8">
-            <a:extLst>
-              <a:ext uri="{FF2B5EF4-FFF2-40B4-BE49-F238E27FC236}">
-                <a16:creationId xmlns:a16="http://schemas.microsoft.com/office/drawing/2014/main" id="{5DF96984-7D48-7260-961E-640D92C6078C}"/>
-              </a:ext>
-            </a:extLst>
-          </p:cNvPr>
-          <p:cNvGraphicFramePr>
-            <a:graphicFrameLocks noGrp="1"/>
-          </p:cNvGraphicFramePr>
-          <p:nvPr>
-            <p:ph idx="1"/>
-            <p:extLst>
-              <p:ext uri="{D42A27DB-BD31-4B8C-83A1-F6EECF244321}">
-                <p14:modId xmlns:p14="http://schemas.microsoft.com/office/powerpoint/2010/main" val="23920243"/>
-              </p:ext>
-            </p:extLst>
-          </p:nvPr>
-        </p:nvGraphicFramePr>
-        <p:xfrm>
-          <a:off x="2287224" y="2106426"/>
-          <a:ext cx="7297902" cy="2926064"/>
-        </p:xfrm>
-        <a:graphic>
-          <a:graphicData uri="http://schemas.openxmlformats.org/drawingml/2006/diagram">
-            <dgm:relIds xmlns:dgm="http://schemas.openxmlformats.org/drawingml/2006/diagram" xmlns:r="http://schemas.openxmlformats.org/officeDocument/2006/relationships" r:dm="rId2" r:lo="rId3" r:qs="rId4" r:cs="rId5"/>
-          </a:graphicData>
-        </a:graphic>
-      </p:graphicFrame>
       <p:sp>
         <p:nvSpPr>
           <p:cNvPr id="3" name="Espace réservé du pied de page 2"/>
@@ -18701,6 +14730,32 @@
           </a:p>
         </p:txBody>
       </p:sp>
+      <p:pic>
+        <p:nvPicPr>
+          <p:cNvPr id="6" name="Espace réservé du contenu 5"/>
+          <p:cNvPicPr>
+            <a:picLocks noGrp="1" noChangeAspect="1"/>
+          </p:cNvPicPr>
+          <p:nvPr>
+            <p:ph idx="1"/>
+          </p:nvPr>
+        </p:nvPicPr>
+        <p:blipFill>
+          <a:blip r:embed="rId2"/>
+          <a:stretch>
+            <a:fillRect/>
+          </a:stretch>
+        </p:blipFill>
+        <p:spPr>
+          <a:xfrm>
+            <a:off x="1927927" y="1693870"/>
+            <a:ext cx="6829211" cy="4348156"/>
+          </a:xfrm>
+          <a:prstGeom prst="rect">
+            <a:avLst/>
+          </a:prstGeom>
+        </p:spPr>
+      </p:pic>
     </p:spTree>
     <p:extLst>
       <p:ext uri="{BB962C8B-B14F-4D97-AF65-F5344CB8AC3E}">
@@ -18754,30 +14809,8 @@
           <a:lstStyle/>
           <a:p>
             <a:r>
-              <a:rPr lang="fr-CH" dirty="0"/>
-              <a:t>Réalisation</a:t>
-            </a:r>
-          </a:p>
-        </p:txBody>
-      </p:sp>
-      <p:sp>
-        <p:nvSpPr>
-          <p:cNvPr id="4" name="Espace réservé du contenu 3"/>
-          <p:cNvSpPr>
-            <a:spLocks noGrp="1"/>
-          </p:cNvSpPr>
-          <p:nvPr>
-            <p:ph idx="1"/>
-          </p:nvPr>
-        </p:nvSpPr>
-        <p:spPr/>
-        <p:txBody>
-          <a:bodyPr/>
-          <a:lstStyle/>
-          <a:p>
-            <a:r>
               <a:rPr lang="fr-CH" dirty="0" smtClean="0"/>
-              <a:t>API</a:t>
+              <a:t>Réalisation - API</a:t>
             </a:r>
             <a:endParaRPr lang="fr-CH" dirty="0"/>
           </a:p>
@@ -18840,6 +14873,32 @@
           </a:p>
         </p:txBody>
       </p:sp>
+      <p:pic>
+        <p:nvPicPr>
+          <p:cNvPr id="6" name="Espace réservé du contenu 5"/>
+          <p:cNvPicPr>
+            <a:picLocks noGrp="1" noChangeAspect="1"/>
+          </p:cNvPicPr>
+          <p:nvPr>
+            <p:ph idx="1"/>
+          </p:nvPr>
+        </p:nvPicPr>
+        <p:blipFill>
+          <a:blip r:embed="rId2"/>
+          <a:stretch>
+            <a:fillRect/>
+          </a:stretch>
+        </p:blipFill>
+        <p:spPr>
+          <a:xfrm>
+            <a:off x="2127016" y="1590745"/>
+            <a:ext cx="6657774" cy="4450617"/>
+          </a:xfrm>
+          <a:prstGeom prst="rect">
+            <a:avLst/>
+          </a:prstGeom>
+        </p:spPr>
+      </p:pic>
     </p:spTree>
     <p:extLst>
       <p:ext uri="{BB962C8B-B14F-4D97-AF65-F5344CB8AC3E}">
@@ -18923,21 +14982,21 @@
           </a:p>
           <a:p>
             <a:r>
+              <a:rPr lang="fr-CH" sz="2800" dirty="0" smtClean="0"/>
+              <a:t>Améliorations possibles</a:t>
+            </a:r>
+          </a:p>
+          <a:p>
+            <a:r>
               <a:rPr lang="fr-CH" sz="2800" dirty="0"/>
               <a:t>Produit fini</a:t>
             </a:r>
           </a:p>
           <a:p>
-            <a:r>
-              <a:rPr lang="fr-CH" sz="2800" dirty="0"/>
-              <a:t>Changement de TPI</a:t>
-            </a:r>
-          </a:p>
-          <a:p>
-            <a:r>
-              <a:rPr lang="fr-CH" sz="2800" dirty="0"/>
-              <a:t>Point positifs</a:t>
-            </a:r>
+            <a:endParaRPr lang="fr-CH" sz="2800" dirty="0"/>
+          </a:p>
+          <a:p>
+            <a:endParaRPr lang="fr-CH" sz="2800" dirty="0"/>
           </a:p>
         </p:txBody>
       </p:sp>
@@ -19011,6 +15070,13 @@
   <p:clrMapOvr>
     <a:masterClrMapping/>
   </p:clrMapOvr>
+  <p:timing>
+    <p:tnLst>
+      <p:par>
+        <p:cTn id="1" dur="indefinite" restart="never" nodeType="tmRoot"/>
+      </p:par>
+    </p:tnLst>
+  </p:timing>
 </p:sld>
 </file>
 
@@ -19047,7 +15113,7 @@
                 <a16:creationId xmlns:a16="http://schemas.microsoft.com/office/drawing/2014/main" id="{B4DE830A-B531-4A3B-96F6-0ECE88B08555}"/>
               </a:ext>
               <a:ext uri="{C183D7F6-B498-43B3-948B-1728B52AA6E4}">
-                <adec:decorative xmlns:adec="http://schemas.microsoft.com/office/drawing/2017/decorative" xmlns="" val="1"/>
+                <adec:decorative xmlns="" xmlns:adec="http://schemas.microsoft.com/office/drawing/2017/decorative" val="1"/>
               </a:ext>
             </a:extLst>
           </p:cNvPr>
@@ -19078,7 +15144,7 @@
                   <a16:creationId xmlns:a16="http://schemas.microsoft.com/office/drawing/2014/main" id="{2813DF2C-461A-4A8F-9679-A172790D1F3A}"/>
                 </a:ext>
                 <a:ext uri="{C183D7F6-B498-43B3-948B-1728B52AA6E4}">
-                  <adec:decorative xmlns:adec="http://schemas.microsoft.com/office/drawing/2017/decorative" xmlns="" val="1"/>
+                  <adec:decorative xmlns="" xmlns:adec="http://schemas.microsoft.com/office/drawing/2017/decorative" val="1"/>
                 </a:ext>
               </a:extLst>
             </p:cNvPr>
@@ -19130,7 +15196,7 @@
                   <a16:creationId xmlns:a16="http://schemas.microsoft.com/office/drawing/2014/main" id="{54CD3A85-C039-4249-86E4-1EB9318B5495}"/>
                 </a:ext>
                 <a:ext uri="{C183D7F6-B498-43B3-948B-1728B52AA6E4}">
-                  <adec:decorative xmlns:adec="http://schemas.microsoft.com/office/drawing/2017/decorative" xmlns="" val="1"/>
+                  <adec:decorative xmlns="" xmlns:adec="http://schemas.microsoft.com/office/drawing/2017/decorative" val="1"/>
                 </a:ext>
               </a:extLst>
             </p:cNvPr>
@@ -19182,7 +15248,7 @@
                   <a16:creationId xmlns:a16="http://schemas.microsoft.com/office/drawing/2014/main" id="{887EA6D2-2883-42C2-993D-094CA6D65DA3}"/>
                 </a:ext>
                 <a:ext uri="{C183D7F6-B498-43B3-948B-1728B52AA6E4}">
-                  <adec:decorative xmlns:adec="http://schemas.microsoft.com/office/drawing/2017/decorative" xmlns="" val="1"/>
+                  <adec:decorative xmlns="" xmlns:adec="http://schemas.microsoft.com/office/drawing/2017/decorative" val="1"/>
                 </a:ext>
               </a:extLst>
             </p:cNvPr>
@@ -19260,7 +15326,7 @@
                   <a16:creationId xmlns:a16="http://schemas.microsoft.com/office/drawing/2014/main" id="{3B895046-636F-4D1B-ACA4-29AA0CB3329F}"/>
                 </a:ext>
                 <a:ext uri="{C183D7F6-B498-43B3-948B-1728B52AA6E4}">
-                  <adec:decorative xmlns:adec="http://schemas.microsoft.com/office/drawing/2017/decorative" xmlns="" val="1"/>
+                  <adec:decorative xmlns="" xmlns:adec="http://schemas.microsoft.com/office/drawing/2017/decorative" val="1"/>
                 </a:ext>
               </a:extLst>
             </p:cNvPr>
@@ -19338,7 +15404,7 @@
                   <a16:creationId xmlns:a16="http://schemas.microsoft.com/office/drawing/2014/main" id="{C6B0CDE3-E054-4EDD-A43B-F96843D8BF51}"/>
                 </a:ext>
                 <a:ext uri="{C183D7F6-B498-43B3-948B-1728B52AA6E4}">
-                  <adec:decorative xmlns:adec="http://schemas.microsoft.com/office/drawing/2017/decorative" xmlns="" val="1"/>
+                  <adec:decorative xmlns="" xmlns:adec="http://schemas.microsoft.com/office/drawing/2017/decorative" val="1"/>
                 </a:ext>
               </a:extLst>
             </p:cNvPr>
@@ -19394,7 +15460,7 @@
                   <a16:creationId xmlns:a16="http://schemas.microsoft.com/office/drawing/2014/main" id="{3B66B1A2-F145-4C9B-85CC-4BF30D58CBC5}"/>
                 </a:ext>
                 <a:ext uri="{C183D7F6-B498-43B3-948B-1728B52AA6E4}">
-                  <adec:decorative xmlns:adec="http://schemas.microsoft.com/office/drawing/2017/decorative" xmlns="" val="1"/>
+                  <adec:decorative xmlns="" xmlns:adec="http://schemas.microsoft.com/office/drawing/2017/decorative" val="1"/>
                 </a:ext>
               </a:extLst>
             </p:cNvPr>
@@ -19473,7 +15539,7 @@
                   <a16:creationId xmlns:a16="http://schemas.microsoft.com/office/drawing/2014/main" id="{5D4FC972-94B3-4035-8D31-E668C132B411}"/>
                 </a:ext>
                 <a:ext uri="{C183D7F6-B498-43B3-948B-1728B52AA6E4}">
-                  <adec:decorative xmlns:adec="http://schemas.microsoft.com/office/drawing/2017/decorative" xmlns="" val="1"/>
+                  <adec:decorative xmlns="" xmlns:adec="http://schemas.microsoft.com/office/drawing/2017/decorative" val="1"/>
                 </a:ext>
               </a:extLst>
             </p:cNvPr>
@@ -19553,7 +15619,7 @@
                   <a16:creationId xmlns:a16="http://schemas.microsoft.com/office/drawing/2014/main" id="{374B9941-AFBE-4A77-A50E-B6EA04A746AE}"/>
                 </a:ext>
                 <a:ext uri="{C183D7F6-B498-43B3-948B-1728B52AA6E4}">
-                  <adec:decorative xmlns:adec="http://schemas.microsoft.com/office/drawing/2017/decorative" xmlns="" val="1"/>
+                  <adec:decorative xmlns="" xmlns:adec="http://schemas.microsoft.com/office/drawing/2017/decorative" val="1"/>
                 </a:ext>
               </a:extLst>
             </p:cNvPr>
@@ -19631,7 +15697,7 @@
                   <a16:creationId xmlns:a16="http://schemas.microsoft.com/office/drawing/2014/main" id="{27A982C5-2C38-4CE9-BC18-94697AD657FB}"/>
                 </a:ext>
                 <a:ext uri="{C183D7F6-B498-43B3-948B-1728B52AA6E4}">
-                  <adec:decorative xmlns:adec="http://schemas.microsoft.com/office/drawing/2017/decorative" xmlns="" val="1"/>
+                  <adec:decorative xmlns="" xmlns:adec="http://schemas.microsoft.com/office/drawing/2017/decorative" val="1"/>
                 </a:ext>
               </a:extLst>
             </p:cNvPr>
@@ -19687,7 +15753,7 @@
                   <a16:creationId xmlns:a16="http://schemas.microsoft.com/office/drawing/2014/main" id="{0060D8D1-7BB1-498F-AFBB-ADAC130A9E90}"/>
                 </a:ext>
                 <a:ext uri="{C183D7F6-B498-43B3-948B-1728B52AA6E4}">
-                  <adec:decorative xmlns:adec="http://schemas.microsoft.com/office/drawing/2017/decorative" xmlns="" val="1"/>
+                  <adec:decorative xmlns="" xmlns:adec="http://schemas.microsoft.com/office/drawing/2017/decorative" val="1"/>
                 </a:ext>
               </a:extLst>
             </p:cNvPr>
@@ -19780,7 +15846,7 @@
                 <a16:creationId xmlns:a16="http://schemas.microsoft.com/office/drawing/2014/main" id="{5A7802B6-FF37-40CF-A7E2-6F2A0D9A91EF}"/>
               </a:ext>
               <a:ext uri="{C183D7F6-B498-43B3-948B-1728B52AA6E4}">
-                <adec:decorative xmlns:adec="http://schemas.microsoft.com/office/drawing/2017/decorative" xmlns="" val="1"/>
+                <adec:decorative xmlns="" xmlns:adec="http://schemas.microsoft.com/office/drawing/2017/decorative" val="1"/>
               </a:ext>
             </a:extLst>
           </p:cNvPr>
@@ -19867,7 +15933,7 @@
                 <a14:useLocalDpi xmlns:a14="http://schemas.microsoft.com/office/drawing/2010/main" val="0"/>
               </a:ext>
               <a:ext uri="{96DAC541-7B7A-43D3-8B79-37D633B846F1}">
-                <asvg:svgBlip xmlns:asvg="http://schemas.microsoft.com/office/drawing/2016/SVG/main" xmlns="" r:embed="rId4"/>
+                <asvg:svgBlip xmlns="" xmlns:asvg="http://schemas.microsoft.com/office/drawing/2016/SVG/main" r:embed="rId4"/>
               </a:ext>
             </a:extLst>
           </a:blip>
@@ -19955,6 +16021,13 @@
   <p:clrMapOvr>
     <a:masterClrMapping/>
   </p:clrMapOvr>
+  <p:timing>
+    <p:tnLst>
+      <p:par>
+        <p:cTn id="1" dur="indefinite" restart="never" nodeType="tmRoot"/>
+      </p:par>
+    </p:tnLst>
+  </p:timing>
 </p:sld>
 </file>
 
@@ -19991,7 +16064,7 @@
                 <a16:creationId xmlns:a16="http://schemas.microsoft.com/office/drawing/2014/main" id="{9F4444CE-BC8D-4D61-B303-4C05614E62AB}"/>
               </a:ext>
               <a:ext uri="{C183D7F6-B498-43B3-948B-1728B52AA6E4}">
-                <adec:decorative xmlns:adec="http://schemas.microsoft.com/office/drawing/2017/decorative" xmlns="" val="1"/>
+                <adec:decorative xmlns="" xmlns:adec="http://schemas.microsoft.com/office/drawing/2017/decorative" val="1"/>
               </a:ext>
             </a:extLst>
           </p:cNvPr>
@@ -20080,7 +16153,7 @@
                 <a16:creationId xmlns:a16="http://schemas.microsoft.com/office/drawing/2014/main" id="{73772B81-181F-48B7-8826-4D9686D15DF5}"/>
               </a:ext>
               <a:ext uri="{C183D7F6-B498-43B3-948B-1728B52AA6E4}">
-                <adec:decorative xmlns:adec="http://schemas.microsoft.com/office/drawing/2017/decorative" xmlns="" val="1"/>
+                <adec:decorative xmlns="" xmlns:adec="http://schemas.microsoft.com/office/drawing/2017/decorative" val="1"/>
               </a:ext>
             </a:extLst>
           </p:cNvPr>
@@ -20138,7 +16211,7 @@
                 <a16:creationId xmlns:a16="http://schemas.microsoft.com/office/drawing/2014/main" id="{B2205F6E-03C6-4E92-877C-E2482F6599AA}"/>
               </a:ext>
               <a:ext uri="{C183D7F6-B498-43B3-948B-1728B52AA6E4}">
-                <adec:decorative xmlns:adec="http://schemas.microsoft.com/office/drawing/2017/decorative" xmlns="" val="1"/>
+                <adec:decorative xmlns="" xmlns:adec="http://schemas.microsoft.com/office/drawing/2017/decorative" val="1"/>
               </a:ext>
             </a:extLst>
           </p:cNvPr>
@@ -20204,7 +16277,7 @@
             <p:ph idx="1"/>
             <p:extLst>
               <p:ext uri="{D42A27DB-BD31-4B8C-83A1-F6EECF244321}">
-                <p14:modId xmlns:p14="http://schemas.microsoft.com/office/powerpoint/2010/main" val="1718455617"/>
+                <p14:modId xmlns:p14="http://schemas.microsoft.com/office/powerpoint/2010/main" val="807977655"/>
               </p:ext>
             </p:extLst>
           </p:nvPr>
@@ -20332,7 +16405,7 @@
                 <a16:creationId xmlns:a16="http://schemas.microsoft.com/office/drawing/2014/main" id="{655AE6B0-AC9E-4167-806F-E9DB135FC46B}"/>
               </a:ext>
               <a:ext uri="{C183D7F6-B498-43B3-948B-1728B52AA6E4}">
-                <adec:decorative xmlns:adec="http://schemas.microsoft.com/office/drawing/2017/decorative" xmlns="" val="1"/>
+                <adec:decorative xmlns="" xmlns:adec="http://schemas.microsoft.com/office/drawing/2017/decorative" val="1"/>
               </a:ext>
             </a:extLst>
           </p:cNvPr>
@@ -20421,7 +16494,7 @@
                 <a16:creationId xmlns:a16="http://schemas.microsoft.com/office/drawing/2014/main" id="{3523416A-383B-4FDC-B4C9-D8EDDFE9C043}"/>
               </a:ext>
               <a:ext uri="{C183D7F6-B498-43B3-948B-1728B52AA6E4}">
-                <adec:decorative xmlns:adec="http://schemas.microsoft.com/office/drawing/2017/decorative" xmlns="" val="1"/>
+                <adec:decorative xmlns="" xmlns:adec="http://schemas.microsoft.com/office/drawing/2017/decorative" val="1"/>
               </a:ext>
             </a:extLst>
           </p:cNvPr>
@@ -20452,7 +16525,7 @@
                   <a16:creationId xmlns:a16="http://schemas.microsoft.com/office/drawing/2014/main" id="{CB0D29D5-3F7C-4197-821B-6D60A66CC04B}"/>
                 </a:ext>
                 <a:ext uri="{C183D7F6-B498-43B3-948B-1728B52AA6E4}">
-                  <adec:decorative xmlns:adec="http://schemas.microsoft.com/office/drawing/2017/decorative" xmlns="" val="1"/>
+                  <adec:decorative xmlns="" xmlns:adec="http://schemas.microsoft.com/office/drawing/2017/decorative" val="1"/>
                 </a:ext>
               </a:extLst>
             </p:cNvPr>
@@ -20504,7 +16577,7 @@
                   <a16:creationId xmlns:a16="http://schemas.microsoft.com/office/drawing/2014/main" id="{347FB49A-3541-428A-AADE-682A3C50563D}"/>
                 </a:ext>
                 <a:ext uri="{C183D7F6-B498-43B3-948B-1728B52AA6E4}">
-                  <adec:decorative xmlns:adec="http://schemas.microsoft.com/office/drawing/2017/decorative" xmlns="" val="1"/>
+                  <adec:decorative xmlns="" xmlns:adec="http://schemas.microsoft.com/office/drawing/2017/decorative" val="1"/>
                 </a:ext>
               </a:extLst>
             </p:cNvPr>
@@ -20556,7 +16629,7 @@
                   <a16:creationId xmlns:a16="http://schemas.microsoft.com/office/drawing/2014/main" id="{D96F53DC-08F1-42C6-B558-B83D54B27664}"/>
                 </a:ext>
                 <a:ext uri="{C183D7F6-B498-43B3-948B-1728B52AA6E4}">
-                  <adec:decorative xmlns:adec="http://schemas.microsoft.com/office/drawing/2017/decorative" xmlns="" val="1"/>
+                  <adec:decorative xmlns="" xmlns:adec="http://schemas.microsoft.com/office/drawing/2017/decorative" val="1"/>
                 </a:ext>
               </a:extLst>
             </p:cNvPr>
@@ -20634,7 +16707,7 @@
                   <a16:creationId xmlns:a16="http://schemas.microsoft.com/office/drawing/2014/main" id="{AFE48CAF-A51C-463F-A570-ED99439A5CA3}"/>
                 </a:ext>
                 <a:ext uri="{C183D7F6-B498-43B3-948B-1728B52AA6E4}">
-                  <adec:decorative xmlns:adec="http://schemas.microsoft.com/office/drawing/2017/decorative" xmlns="" val="1"/>
+                  <adec:decorative xmlns="" xmlns:adec="http://schemas.microsoft.com/office/drawing/2017/decorative" val="1"/>
                 </a:ext>
               </a:extLst>
             </p:cNvPr>
@@ -20712,7 +16785,7 @@
                   <a16:creationId xmlns:a16="http://schemas.microsoft.com/office/drawing/2014/main" id="{01F0C48B-50FF-4351-8207-16D096048311}"/>
                 </a:ext>
                 <a:ext uri="{C183D7F6-B498-43B3-948B-1728B52AA6E4}">
-                  <adec:decorative xmlns:adec="http://schemas.microsoft.com/office/drawing/2017/decorative" xmlns="" val="1"/>
+                  <adec:decorative xmlns="" xmlns:adec="http://schemas.microsoft.com/office/drawing/2017/decorative" val="1"/>
                 </a:ext>
               </a:extLst>
             </p:cNvPr>
@@ -20768,7 +16841,7 @@
                   <a16:creationId xmlns:a16="http://schemas.microsoft.com/office/drawing/2014/main" id="{300384B6-5ED6-4F91-A548-B706D837513E}"/>
                 </a:ext>
                 <a:ext uri="{C183D7F6-B498-43B3-948B-1728B52AA6E4}">
-                  <adec:decorative xmlns:adec="http://schemas.microsoft.com/office/drawing/2017/decorative" xmlns="" val="1"/>
+                  <adec:decorative xmlns="" xmlns:adec="http://schemas.microsoft.com/office/drawing/2017/decorative" val="1"/>
                 </a:ext>
               </a:extLst>
             </p:cNvPr>
@@ -20847,7 +16920,7 @@
                   <a16:creationId xmlns:a16="http://schemas.microsoft.com/office/drawing/2014/main" id="{337AFFAE-C182-463C-9459-8AB3C69D9A29}"/>
                 </a:ext>
                 <a:ext uri="{C183D7F6-B498-43B3-948B-1728B52AA6E4}">
-                  <adec:decorative xmlns:adec="http://schemas.microsoft.com/office/drawing/2017/decorative" xmlns="" val="1"/>
+                  <adec:decorative xmlns="" xmlns:adec="http://schemas.microsoft.com/office/drawing/2017/decorative" val="1"/>
                 </a:ext>
               </a:extLst>
             </p:cNvPr>
@@ -20927,7 +17000,7 @@
                   <a16:creationId xmlns:a16="http://schemas.microsoft.com/office/drawing/2014/main" id="{510ACF17-C3F0-42BF-BDEB-D079277121E4}"/>
                 </a:ext>
                 <a:ext uri="{C183D7F6-B498-43B3-948B-1728B52AA6E4}">
-                  <adec:decorative xmlns:adec="http://schemas.microsoft.com/office/drawing/2017/decorative" xmlns="" val="1"/>
+                  <adec:decorative xmlns="" xmlns:adec="http://schemas.microsoft.com/office/drawing/2017/decorative" val="1"/>
                 </a:ext>
               </a:extLst>
             </p:cNvPr>
@@ -21005,7 +17078,7 @@
                   <a16:creationId xmlns:a16="http://schemas.microsoft.com/office/drawing/2014/main" id="{E804EFD0-B84E-476F-9FC6-6C4A42EA0054}"/>
                 </a:ext>
                 <a:ext uri="{C183D7F6-B498-43B3-948B-1728B52AA6E4}">
-                  <adec:decorative xmlns:adec="http://schemas.microsoft.com/office/drawing/2017/decorative" xmlns="" val="1"/>
+                  <adec:decorative xmlns="" xmlns:adec="http://schemas.microsoft.com/office/drawing/2017/decorative" val="1"/>
                 </a:ext>
               </a:extLst>
             </p:cNvPr>
@@ -21062,7 +17135,7 @@
                 <a16:creationId xmlns:a16="http://schemas.microsoft.com/office/drawing/2014/main" id="{87BD1F4E-A66D-4C06-86DA-8D56CA7A3B41}"/>
               </a:ext>
               <a:ext uri="{C183D7F6-B498-43B3-948B-1728B52AA6E4}">
-                <adec:decorative xmlns:adec="http://schemas.microsoft.com/office/drawing/2017/decorative" xmlns="" val="1"/>
+                <adec:decorative xmlns="" xmlns:adec="http://schemas.microsoft.com/office/drawing/2017/decorative" val="1"/>
               </a:ext>
             </a:extLst>
           </p:cNvPr>
@@ -21266,7 +17339,7 @@
                 <a16:creationId xmlns:a16="http://schemas.microsoft.com/office/drawing/2014/main" id="{9F4444CE-BC8D-4D61-B303-4C05614E62AB}"/>
               </a:ext>
               <a:ext uri="{C183D7F6-B498-43B3-948B-1728B52AA6E4}">
-                <adec:decorative xmlns:adec="http://schemas.microsoft.com/office/drawing/2017/decorative" xmlns="" val="1"/>
+                <adec:decorative xmlns="" xmlns:adec="http://schemas.microsoft.com/office/drawing/2017/decorative" val="1"/>
               </a:ext>
             </a:extLst>
           </p:cNvPr>
@@ -21355,7 +17428,7 @@
                 <a16:creationId xmlns:a16="http://schemas.microsoft.com/office/drawing/2014/main" id="{73772B81-181F-48B7-8826-4D9686D15DF5}"/>
               </a:ext>
               <a:ext uri="{C183D7F6-B498-43B3-948B-1728B52AA6E4}">
-                <adec:decorative xmlns:adec="http://schemas.microsoft.com/office/drawing/2017/decorative" xmlns="" val="1"/>
+                <adec:decorative xmlns="" xmlns:adec="http://schemas.microsoft.com/office/drawing/2017/decorative" val="1"/>
               </a:ext>
             </a:extLst>
           </p:cNvPr>
@@ -21413,7 +17486,7 @@
                 <a16:creationId xmlns:a16="http://schemas.microsoft.com/office/drawing/2014/main" id="{B2205F6E-03C6-4E92-877C-E2482F6599AA}"/>
               </a:ext>
               <a:ext uri="{C183D7F6-B498-43B3-948B-1728B52AA6E4}">
-                <adec:decorative xmlns:adec="http://schemas.microsoft.com/office/drawing/2017/decorative" xmlns="" val="1"/>
+                <adec:decorative xmlns="" xmlns:adec="http://schemas.microsoft.com/office/drawing/2017/decorative" val="1"/>
               </a:ext>
             </a:extLst>
           </p:cNvPr>
@@ -22260,17 +18333,18 @@
           <a:lstStyle/>
           <a:p>
             <a:r>
-              <a:rPr lang="fr-CH" dirty="0"/>
-              <a:t>Analyse</a:t>
-            </a:r>
+              <a:rPr lang="fr-CH" dirty="0" smtClean="0"/>
+              <a:t>Conception - MCD</a:t>
+            </a:r>
+            <a:endParaRPr lang="fr-CH" dirty="0"/>
           </a:p>
         </p:txBody>
       </p:sp>
       <p:pic>
         <p:nvPicPr>
-          <p:cNvPr id="1026" name="Picture 2" descr="Artwork - Apache Cordova"/>
+          <p:cNvPr id="9" name="Espace réservé du contenu 8"/>
           <p:cNvPicPr>
-            <a:picLocks noGrp="1" noChangeAspect="1" noChangeArrowheads="1"/>
+            <a:picLocks noGrp="1" noChangeAspect="1"/>
           </p:cNvPicPr>
           <p:nvPr>
             <p:ph idx="1"/>
@@ -22284,29 +18358,15 @@
               </a:ext>
             </a:extLst>
           </a:blip>
-          <a:srcRect/>
           <a:stretch>
             <a:fillRect/>
           </a:stretch>
         </p:blipFill>
-        <p:spPr bwMode="auto">
+        <p:spPr>
           <a:xfrm>
-            <a:off x="916222" y="1930400"/>
-            <a:ext cx="8118892" cy="3624505"/>
+            <a:off x="1983804" y="1619590"/>
+            <a:ext cx="5983728" cy="4421772"/>
           </a:xfrm>
-          <a:prstGeom prst="rect">
-            <a:avLst/>
-          </a:prstGeom>
-          <a:noFill/>
-          <a:extLst>
-            <a:ext uri="{909E8E84-426E-40DD-AFC4-6F175D3DCCD1}">
-              <a14:hiddenFill xmlns:a14="http://schemas.microsoft.com/office/drawing/2010/main">
-                <a:solidFill>
-                  <a:srgbClr val="FFFFFF"/>
-                </a:solidFill>
-              </a14:hiddenFill>
-            </a:ext>
-          </a:extLst>
         </p:spPr>
       </p:pic>
       <p:sp>
@@ -22332,10 +18392,7 @@
               <a:rPr lang="fr-CH" dirty="0" err="1" smtClean="0"/>
               <a:t>Koetschet</a:t>
             </a:r>
-            <a:r>
-              <a:rPr lang="fr-CH" dirty="0" smtClean="0"/>
-              <a:t> </a:t>
-            </a:r>
+            <a:endParaRPr lang="fr-CH" dirty="0"/>
           </a:p>
           <a:p>
             <a:r>
@@ -22372,7 +18429,7 @@
     </p:spTree>
     <p:extLst>
       <p:ext uri="{BB962C8B-B14F-4D97-AF65-F5344CB8AC3E}">
-        <p14:creationId xmlns:p14="http://schemas.microsoft.com/office/powerpoint/2010/main" val="2562419290"/>
+        <p14:creationId xmlns:p14="http://schemas.microsoft.com/office/powerpoint/2010/main" val="857158550"/>
       </p:ext>
     </p:extLst>
   </p:cSld>
